--- a/2.pptx
+++ b/2.pptx
@@ -221,7 +221,7 @@
           <a:p>
             <a:fld id="{05E5FDB7-26F8-4A2E-B167-9EEDAD1EA659}" type="datetimeFigureOut">
               <a:rPr lang="en-GB" smtClean="0"/>
-              <a:t>03/10/2025</a:t>
+              <a:t>04/10/2025</a:t>
             </a:fld>
             <a:endParaRPr lang="en-GB"/>
           </a:p>
@@ -754,7 +754,7 @@
           <a:p>
             <a:fld id="{F122BE8A-813F-4BFF-84C0-172590C0755D}" type="datetimeFigureOut">
               <a:rPr lang="en-GB" smtClean="0"/>
-              <a:t>03/10/2025</a:t>
+              <a:t>04/10/2025</a:t>
             </a:fld>
             <a:endParaRPr lang="en-GB"/>
           </a:p>
@@ -924,7 +924,7 @@
           <a:p>
             <a:fld id="{F122BE8A-813F-4BFF-84C0-172590C0755D}" type="datetimeFigureOut">
               <a:rPr lang="en-GB" smtClean="0"/>
-              <a:t>03/10/2025</a:t>
+              <a:t>04/10/2025</a:t>
             </a:fld>
             <a:endParaRPr lang="en-GB"/>
           </a:p>
@@ -1104,7 +1104,7 @@
           <a:p>
             <a:fld id="{F122BE8A-813F-4BFF-84C0-172590C0755D}" type="datetimeFigureOut">
               <a:rPr lang="en-GB" smtClean="0"/>
-              <a:t>03/10/2025</a:t>
+              <a:t>04/10/2025</a:t>
             </a:fld>
             <a:endParaRPr lang="en-GB"/>
           </a:p>
@@ -1274,7 +1274,7 @@
           <a:p>
             <a:fld id="{F122BE8A-813F-4BFF-84C0-172590C0755D}" type="datetimeFigureOut">
               <a:rPr lang="en-GB" smtClean="0"/>
-              <a:t>03/10/2025</a:t>
+              <a:t>04/10/2025</a:t>
             </a:fld>
             <a:endParaRPr lang="en-GB"/>
           </a:p>
@@ -1520,7 +1520,7 @@
           <a:p>
             <a:fld id="{F122BE8A-813F-4BFF-84C0-172590C0755D}" type="datetimeFigureOut">
               <a:rPr lang="en-GB" smtClean="0"/>
-              <a:t>03/10/2025</a:t>
+              <a:t>04/10/2025</a:t>
             </a:fld>
             <a:endParaRPr lang="en-GB"/>
           </a:p>
@@ -1808,7 +1808,7 @@
           <a:p>
             <a:fld id="{F122BE8A-813F-4BFF-84C0-172590C0755D}" type="datetimeFigureOut">
               <a:rPr lang="en-GB" smtClean="0"/>
-              <a:t>03/10/2025</a:t>
+              <a:t>04/10/2025</a:t>
             </a:fld>
             <a:endParaRPr lang="en-GB"/>
           </a:p>
@@ -2230,7 +2230,7 @@
           <a:p>
             <a:fld id="{F122BE8A-813F-4BFF-84C0-172590C0755D}" type="datetimeFigureOut">
               <a:rPr lang="en-GB" smtClean="0"/>
-              <a:t>03/10/2025</a:t>
+              <a:t>04/10/2025</a:t>
             </a:fld>
             <a:endParaRPr lang="en-GB"/>
           </a:p>
@@ -2348,7 +2348,7 @@
           <a:p>
             <a:fld id="{F122BE8A-813F-4BFF-84C0-172590C0755D}" type="datetimeFigureOut">
               <a:rPr lang="en-GB" smtClean="0"/>
-              <a:t>03/10/2025</a:t>
+              <a:t>04/10/2025</a:t>
             </a:fld>
             <a:endParaRPr lang="en-GB"/>
           </a:p>
@@ -2443,7 +2443,7 @@
           <a:p>
             <a:fld id="{F122BE8A-813F-4BFF-84C0-172590C0755D}" type="datetimeFigureOut">
               <a:rPr lang="en-GB" smtClean="0"/>
-              <a:t>03/10/2025</a:t>
+              <a:t>04/10/2025</a:t>
             </a:fld>
             <a:endParaRPr lang="en-GB"/>
           </a:p>
@@ -2720,7 +2720,7 @@
           <a:p>
             <a:fld id="{F122BE8A-813F-4BFF-84C0-172590C0755D}" type="datetimeFigureOut">
               <a:rPr lang="en-GB" smtClean="0"/>
-              <a:t>03/10/2025</a:t>
+              <a:t>04/10/2025</a:t>
             </a:fld>
             <a:endParaRPr lang="en-GB"/>
           </a:p>
@@ -2973,7 +2973,7 @@
           <a:p>
             <a:fld id="{F122BE8A-813F-4BFF-84C0-172590C0755D}" type="datetimeFigureOut">
               <a:rPr lang="en-GB" smtClean="0"/>
-              <a:t>03/10/2025</a:t>
+              <a:t>04/10/2025</a:t>
             </a:fld>
             <a:endParaRPr lang="en-GB"/>
           </a:p>
@@ -3186,7 +3186,7 @@
           <a:p>
             <a:fld id="{F122BE8A-813F-4BFF-84C0-172590C0755D}" type="datetimeFigureOut">
               <a:rPr lang="en-GB" smtClean="0"/>
-              <a:t>03/10/2025</a:t>
+              <a:t>04/10/2025</a:t>
             </a:fld>
             <a:endParaRPr lang="en-GB"/>
           </a:p>
@@ -6746,15 +6746,7 @@
             <a:pPr lvl="1"/>
             <a:r>
               <a:rPr lang="hu-HU" dirty="0" smtClean="0"/>
-              <a:t>sejtésünk sincs, hogy mit </a:t>
-            </a:r>
-            <a:r>
-              <a:rPr lang="hu-HU" dirty="0" smtClean="0"/>
-              <a:t>kezdjünk </a:t>
-            </a:r>
-            <a:r>
-              <a:rPr lang="hu-HU" dirty="0" smtClean="0"/>
-              <a:t>vele</a:t>
+              <a:t>sejtésünk sincs, hogy mit kezdjünk vele</a:t>
             </a:r>
           </a:p>
           <a:p>
@@ -8275,11 +8267,6 @@
               </a:rPr>
               <a:t>/\bon\b/</a:t>
             </a:r>
-            <a:endParaRPr lang="hu-HU" dirty="0" smtClean="0">
-              <a:solidFill>
-                <a:srgbClr val="00B050"/>
-              </a:solidFill>
-            </a:endParaRPr>
           </a:p>
           <a:p>
             <a:pPr lvl="1"/>
@@ -9647,20 +9634,12 @@
               <a:t>, </a:t>
             </a:r>
             <a:r>
-              <a:rPr lang="hu-HU" dirty="0" err="1" smtClean="0"/>
-              <a:t>or</a:t>
-            </a:r>
-            <a:r>
-              <a:rPr lang="hu-HU" dirty="0" smtClean="0"/>
-              <a:t> a </a:t>
+              <a:rPr lang="hu-HU" dirty="0" smtClean="0"/>
+              <a:t>vagy </a:t>
             </a:r>
             <a:r>
               <a:rPr lang="hu-HU" b="1" dirty="0" smtClean="0"/>
-              <a:t>minimum </a:t>
-            </a:r>
-            <a:r>
-              <a:rPr lang="hu-HU" dirty="0" err="1" smtClean="0"/>
-              <a:t>number</a:t>
+              <a:t>minimumot</a:t>
             </a:r>
             <a:r>
               <a:rPr lang="hu-HU" dirty="0" smtClean="0"/>
@@ -9680,35 +9659,19 @@
             </a:r>
             <a:r>
               <a:rPr lang="hu-HU" dirty="0" smtClean="0"/>
-              <a:t> a maximum </a:t>
-            </a:r>
-            <a:r>
-              <a:rPr lang="hu-HU" dirty="0" err="1" smtClean="0"/>
-              <a:t>can</a:t>
-            </a:r>
-            <a:r>
-              <a:rPr lang="hu-HU" dirty="0" smtClean="0"/>
-              <a:t> be </a:t>
-            </a:r>
-            <a:r>
-              <a:rPr lang="hu-HU" dirty="0" err="1" smtClean="0"/>
-              <a:t>expressed</a:t>
-            </a:r>
-            <a:r>
-              <a:rPr lang="hu-HU" dirty="0" smtClean="0"/>
-              <a:t> </a:t>
-            </a:r>
-            <a:r>
-              <a:rPr lang="hu-HU" dirty="0" err="1" smtClean="0"/>
-              <a:t>by</a:t>
-            </a:r>
-            <a:r>
-              <a:rPr lang="hu-HU" dirty="0" smtClean="0"/>
-              <a:t> </a:t>
+              <a:t> </a:t>
+            </a:r>
+            <a:r>
+              <a:rPr lang="hu-HU" dirty="0" smtClean="0"/>
+              <a:t>maximum úgy fejezhető ki, hogy </a:t>
             </a:r>
             <a:r>
               <a:rPr lang="hu-HU" i="1" dirty="0" smtClean="0"/>
-              <a:t>{1,n} </a:t>
+              <a:t>{1,n</a:t>
+            </a:r>
+            <a:r>
+              <a:rPr lang="hu-HU" i="1" dirty="0" smtClean="0"/>
+              <a:t>} </a:t>
             </a:r>
             <a:r>
               <a:rPr lang="hu-HU" dirty="0" smtClean="0">
@@ -9739,31 +9702,7 @@
             <a:pPr lvl="2"/>
             <a:r>
               <a:rPr lang="hu-HU" dirty="0" smtClean="0"/>
-              <a:t>a </a:t>
-            </a:r>
-            <a:r>
-              <a:rPr lang="hu-HU" dirty="0" err="1" smtClean="0"/>
-              <a:t>pattern</a:t>
-            </a:r>
-            <a:r>
-              <a:rPr lang="hu-HU" dirty="0" smtClean="0"/>
-              <a:t> </a:t>
-            </a:r>
-            <a:r>
-              <a:rPr lang="hu-HU" dirty="0" err="1" smtClean="0"/>
-              <a:t>matching</a:t>
-            </a:r>
-            <a:r>
-              <a:rPr lang="hu-HU" dirty="0" smtClean="0"/>
-              <a:t> </a:t>
-            </a:r>
-            <a:r>
-              <a:rPr lang="hu-HU" dirty="0" err="1" smtClean="0"/>
-              <a:t>either</a:t>
-            </a:r>
-            <a:r>
-              <a:rPr lang="hu-HU" dirty="0" smtClean="0"/>
-              <a:t> </a:t>
+              <a:t>egy minta, amely a </a:t>
             </a:r>
             <a:r>
               <a:rPr lang="hu-HU" dirty="0" err="1" smtClean="0"/>
@@ -9771,7 +9710,11 @@
             </a:r>
             <a:r>
               <a:rPr lang="hu-HU" dirty="0" smtClean="0"/>
-              <a:t>:MM and </a:t>
+              <a:t>:MM </a:t>
+            </a:r>
+            <a:r>
+              <a:rPr lang="hu-HU" dirty="0" smtClean="0"/>
+              <a:t>és </a:t>
             </a:r>
             <a:r>
               <a:rPr lang="hu-HU" dirty="0" err="1" smtClean="0"/>
@@ -9779,7 +9722,11 @@
             </a:r>
             <a:r>
               <a:rPr lang="hu-HU" dirty="0" smtClean="0"/>
-              <a:t>:MM:SS</a:t>
+              <a:t>:MM:SS időformátumokra illeszkedik:</a:t>
+            </a:r>
+            <a:r>
+              <a:rPr lang="hu-HU" dirty="0" smtClean="0"/>
+              <a:t/>
             </a:r>
             <a:br>
               <a:rPr lang="hu-HU" dirty="0" smtClean="0"/>
@@ -9891,7 +9838,7 @@
         <p:spPr/>
         <p:txBody>
           <a:bodyPr>
-            <a:normAutofit fontScale="62500" lnSpcReduction="20000"/>
+            <a:normAutofit fontScale="55000" lnSpcReduction="20000"/>
           </a:bodyPr>
           <a:lstStyle/>
           <a:p>
@@ -9900,20 +9847,8 @@
               <a:t>Unicode </a:t>
             </a:r>
             <a:r>
-              <a:rPr lang="en-GB" dirty="0" smtClean="0"/>
-              <a:t>character</a:t>
-            </a:r>
-            <a:r>
-              <a:rPr lang="hu-HU" dirty="0" smtClean="0"/>
-              <a:t> </a:t>
-            </a:r>
-            <a:r>
-              <a:rPr lang="en-GB" dirty="0" smtClean="0"/>
-              <a:t>properties</a:t>
-            </a:r>
-            <a:r>
-              <a:rPr lang="hu-HU" dirty="0" smtClean="0"/>
-              <a:t>: </a:t>
+              <a:rPr lang="hu-HU" dirty="0" smtClean="0"/>
+              <a:t>karaktertulajdonságok: </a:t>
             </a:r>
             <a:r>
               <a:rPr lang="hu-HU" i="1" dirty="0"/>
@@ -9923,33 +9858,24 @@
           <a:p>
             <a:pPr lvl="1"/>
             <a:r>
-              <a:rPr lang="en-GB" dirty="0"/>
-              <a:t>For languages other than English, matching Unicode characters </a:t>
-            </a:r>
-            <a:r>
-              <a:rPr lang="en-GB" dirty="0" smtClean="0"/>
-              <a:t>is </a:t>
-            </a:r>
-            <a:r>
-              <a:rPr lang="en-GB" dirty="0"/>
-              <a:t>an </a:t>
-            </a:r>
-            <a:r>
-              <a:rPr lang="en-GB" dirty="0" smtClean="0"/>
-              <a:t>important </a:t>
-            </a:r>
-            <a:r>
-              <a:rPr lang="en-GB" dirty="0"/>
-              <a:t>consideration when using </a:t>
-            </a:r>
-            <a:r>
-              <a:rPr lang="en-GB" dirty="0" smtClean="0"/>
-              <a:t>regexes</a:t>
-            </a:r>
-            <a:endParaRPr lang="hu-HU" dirty="0" smtClean="0"/>
+              <a:rPr lang="hu-HU" dirty="0" smtClean="0"/>
+              <a:t>Az angolon kívüli nyelvekben fontos szempont lehet, hogy Unicode-karakterekre is tudjunk </a:t>
+            </a:r>
+            <a:r>
+              <a:rPr lang="hu-HU" dirty="0" err="1" smtClean="0"/>
+              <a:t>regexeket</a:t>
+            </a:r>
+            <a:r>
+              <a:rPr lang="hu-HU" dirty="0" smtClean="0"/>
+              <a:t> illeszteni</a:t>
+            </a:r>
           </a:p>
           <a:p>
             <a:pPr lvl="1"/>
+            <a:r>
+              <a:rPr lang="hu-HU" dirty="0" smtClean="0"/>
+              <a:t>a </a:t>
+            </a:r>
             <a:r>
               <a:rPr lang="hu-HU" i="1" dirty="0" smtClean="0"/>
               <a:t>\w</a:t>
@@ -9960,123 +9886,18 @@
             </a:r>
             <a:r>
               <a:rPr lang="hu-HU" dirty="0" err="1" smtClean="0"/>
-              <a:t>usually</a:t>
-            </a:r>
-            <a:r>
-              <a:rPr lang="hu-HU" dirty="0" smtClean="0"/>
-              <a:t> </a:t>
-            </a:r>
-            <a:r>
-              <a:rPr lang="hu-HU" dirty="0" err="1" smtClean="0"/>
-              <a:t>matches</a:t>
-            </a:r>
-            <a:r>
-              <a:rPr lang="hu-HU" dirty="0" smtClean="0"/>
-              <a:t> Unicode </a:t>
-            </a:r>
-            <a:r>
-              <a:rPr lang="hu-HU" dirty="0" err="1" smtClean="0"/>
-              <a:t>letters</a:t>
-            </a:r>
-            <a:r>
-              <a:rPr lang="hu-HU" dirty="0" smtClean="0"/>
-              <a:t>, </a:t>
-            </a:r>
-            <a:r>
-              <a:rPr lang="hu-HU" dirty="0" err="1" smtClean="0"/>
-              <a:t>but</a:t>
-            </a:r>
-            <a:r>
-              <a:rPr lang="hu-HU" dirty="0" smtClean="0"/>
-              <a:t> </a:t>
-            </a:r>
-            <a:r>
-              <a:rPr lang="en-GB" dirty="0" smtClean="0"/>
-              <a:t>this </a:t>
-            </a:r>
-            <a:r>
-              <a:rPr lang="en-GB" dirty="0"/>
-              <a:t>does not allow for more fine-grained </a:t>
-            </a:r>
-            <a:r>
-              <a:rPr lang="en-GB" dirty="0" smtClean="0"/>
-              <a:t>searches</a:t>
-            </a:r>
-            <a:r>
-              <a:rPr lang="hu-HU" dirty="0" smtClean="0"/>
-              <a:t>, </a:t>
-            </a:r>
-            <a:r>
-              <a:rPr lang="hu-HU" dirty="0" err="1" smtClean="0"/>
-              <a:t>e.g</a:t>
-            </a:r>
-            <a:r>
-              <a:rPr lang="hu-HU" dirty="0" smtClean="0"/>
-              <a:t>. </a:t>
-            </a:r>
-            <a:r>
-              <a:rPr lang="hu-HU" dirty="0" err="1" smtClean="0"/>
-              <a:t>finding</a:t>
-            </a:r>
-            <a:r>
-              <a:rPr lang="hu-HU" dirty="0" smtClean="0"/>
-              <a:t> </a:t>
-            </a:r>
-            <a:r>
-              <a:rPr lang="hu-HU" dirty="0" err="1" smtClean="0"/>
-              <a:t>all</a:t>
-            </a:r>
-            <a:r>
-              <a:rPr lang="hu-HU" dirty="0" smtClean="0"/>
-              <a:t> </a:t>
-            </a:r>
-            <a:r>
-              <a:rPr lang="hu-HU" dirty="0" err="1" smtClean="0"/>
-              <a:t>upper-case</a:t>
-            </a:r>
-            <a:r>
-              <a:rPr lang="hu-HU" dirty="0" smtClean="0"/>
-              <a:t> </a:t>
-            </a:r>
-            <a:r>
-              <a:rPr lang="hu-HU" dirty="0" err="1" smtClean="0"/>
-              <a:t>letters</a:t>
-            </a:r>
-            <a:r>
-              <a:rPr lang="hu-HU" dirty="0" smtClean="0"/>
-              <a:t>, </a:t>
-            </a:r>
-            <a:r>
-              <a:rPr lang="hu-HU" dirty="0" err="1" smtClean="0"/>
-              <a:t>including</a:t>
-            </a:r>
-            <a:r>
-              <a:rPr lang="hu-HU" dirty="0" smtClean="0"/>
-              <a:t> non-ASCII </a:t>
-            </a:r>
-            <a:r>
-              <a:rPr lang="hu-HU" dirty="0" err="1" smtClean="0"/>
-              <a:t>ones</a:t>
-            </a:r>
-            <a:endParaRPr lang="hu-HU" dirty="0" smtClean="0"/>
+              <a:t>metakarakter</a:t>
+            </a:r>
+            <a:r>
+              <a:rPr lang="hu-HU" dirty="0" smtClean="0"/>
+              <a:t> általában illeszkedik Unicode-betűkre, de ez nem tesz lehetővé finomabb kereséseket, pl. minden nagybetű illesztése, beleértve a nem ASCII-betűket</a:t>
+            </a:r>
           </a:p>
           <a:p>
             <a:pPr lvl="1"/>
             <a:r>
-              <a:rPr lang="hu-HU" dirty="0" err="1" smtClean="0"/>
-              <a:t>one</a:t>
-            </a:r>
-            <a:r>
-              <a:rPr lang="hu-HU" dirty="0" smtClean="0"/>
-              <a:t> </a:t>
-            </a:r>
-            <a:r>
-              <a:rPr lang="hu-HU" dirty="0" err="1" smtClean="0"/>
-              <a:t>possibility</a:t>
-            </a:r>
-            <a:r>
-              <a:rPr lang="hu-HU" dirty="0" smtClean="0"/>
-              <a:t>: </a:t>
+              <a:rPr lang="hu-HU" dirty="0" smtClean="0"/>
+              <a:t>egy lehetőség: </a:t>
             </a:r>
             <a:r>
               <a:rPr lang="hu-HU" dirty="0" smtClean="0">
@@ -10107,56 +9928,8 @@
               <a:t> – </a:t>
             </a:r>
             <a:r>
-              <a:rPr lang="hu-HU" dirty="0" err="1" smtClean="0"/>
-              <a:t>very</a:t>
-            </a:r>
-            <a:r>
-              <a:rPr lang="hu-HU" dirty="0" smtClean="0"/>
-              <a:t> </a:t>
-            </a:r>
-            <a:r>
-              <a:rPr lang="hu-HU" dirty="0" err="1" smtClean="0"/>
-              <a:t>clumsy</a:t>
-            </a:r>
-            <a:r>
-              <a:rPr lang="hu-HU" dirty="0" smtClean="0"/>
-              <a:t>, </a:t>
-            </a:r>
-            <a:r>
-              <a:rPr lang="hu-HU" dirty="0" err="1" smtClean="0"/>
-              <a:t>does</a:t>
-            </a:r>
-            <a:r>
-              <a:rPr lang="hu-HU" dirty="0" smtClean="0"/>
-              <a:t> </a:t>
-            </a:r>
-            <a:r>
-              <a:rPr lang="hu-HU" dirty="0" err="1" smtClean="0"/>
-              <a:t>not</a:t>
-            </a:r>
-            <a:r>
-              <a:rPr lang="hu-HU" dirty="0" smtClean="0"/>
-              <a:t> </a:t>
-            </a:r>
-            <a:r>
-              <a:rPr lang="hu-HU" dirty="0" err="1" smtClean="0"/>
-              <a:t>cover</a:t>
-            </a:r>
-            <a:r>
-              <a:rPr lang="hu-HU" dirty="0" smtClean="0"/>
-              <a:t> </a:t>
-            </a:r>
-            <a:r>
-              <a:rPr lang="hu-HU" dirty="0" err="1" smtClean="0"/>
-              <a:t>foreign</a:t>
-            </a:r>
-            <a:r>
-              <a:rPr lang="hu-HU" dirty="0" smtClean="0"/>
-              <a:t> </a:t>
-            </a:r>
-            <a:r>
-              <a:rPr lang="hu-HU" dirty="0" err="1" smtClean="0"/>
-              <a:t>letters</a:t>
+              <a:rPr lang="hu-HU" dirty="0" smtClean="0"/>
+              <a:t>nagyon nehézkes, idegen nagybetűket nem kezeli</a:t>
             </a:r>
             <a:endParaRPr lang="hu-HU" dirty="0" smtClean="0"/>
           </a:p>
@@ -10164,87 +9937,18 @@
             <a:pPr lvl="1"/>
             <a:r>
               <a:rPr lang="hu-HU" dirty="0" smtClean="0"/>
-              <a:t>The </a:t>
-            </a:r>
-            <a:r>
-              <a:rPr lang="hu-HU" dirty="0" err="1" smtClean="0"/>
-              <a:t>correct</a:t>
-            </a:r>
-            <a:r>
-              <a:rPr lang="hu-HU" dirty="0" smtClean="0"/>
-              <a:t> </a:t>
-            </a:r>
-            <a:r>
-              <a:rPr lang="hu-HU" dirty="0" err="1" smtClean="0"/>
-              <a:t>solution</a:t>
-            </a:r>
-            <a:r>
-              <a:rPr lang="hu-HU" dirty="0" smtClean="0"/>
-              <a:t> is </a:t>
-            </a:r>
-            <a:r>
-              <a:rPr lang="hu-HU" dirty="0" err="1" smtClean="0"/>
-              <a:t>to</a:t>
-            </a:r>
-            <a:r>
-              <a:rPr lang="hu-HU" dirty="0" smtClean="0"/>
-              <a:t> </a:t>
-            </a:r>
-            <a:r>
-              <a:rPr lang="hu-HU" b="1" dirty="0" err="1" smtClean="0"/>
-              <a:t>match</a:t>
+              <a:t>A helyes megoldás egy </a:t>
             </a:r>
             <a:r>
               <a:rPr lang="hu-HU" b="1" dirty="0" smtClean="0"/>
-              <a:t> a Unicode </a:t>
-            </a:r>
-            <a:r>
-              <a:rPr lang="hu-HU" b="1" dirty="0" err="1" smtClean="0"/>
-              <a:t>character</a:t>
-            </a:r>
-            <a:r>
-              <a:rPr lang="hu-HU" b="1" dirty="0" smtClean="0"/>
-              <a:t> </a:t>
-            </a:r>
-            <a:r>
-              <a:rPr lang="hu-HU" b="1" dirty="0" err="1" smtClean="0"/>
-              <a:t>class</a:t>
-            </a:r>
-            <a:endParaRPr lang="hu-HU" b="1" dirty="0"/>
+              <a:t>Unicode-karakterosztály illesztése</a:t>
+            </a:r>
           </a:p>
           <a:p>
             <a:pPr lvl="1"/>
             <a:r>
-              <a:rPr lang="hu-HU" dirty="0" err="1" smtClean="0"/>
-              <a:t>Only</a:t>
-            </a:r>
-            <a:r>
-              <a:rPr lang="hu-HU" dirty="0" smtClean="0"/>
-              <a:t> </a:t>
-            </a:r>
-            <a:r>
-              <a:rPr lang="hu-HU" dirty="0" err="1" smtClean="0"/>
-              <a:t>available</a:t>
-            </a:r>
-            <a:r>
-              <a:rPr lang="hu-HU" dirty="0" smtClean="0"/>
-              <a:t> </a:t>
-            </a:r>
-            <a:r>
-              <a:rPr lang="hu-HU" dirty="0" err="1" smtClean="0"/>
-              <a:t>in</a:t>
-            </a:r>
-            <a:r>
-              <a:rPr lang="hu-HU" dirty="0" smtClean="0"/>
-              <a:t> </a:t>
-            </a:r>
-            <a:r>
-              <a:rPr lang="hu-HU" dirty="0" err="1" smtClean="0"/>
-              <a:t>the</a:t>
-            </a:r>
-            <a:r>
-              <a:rPr lang="hu-HU" dirty="0" smtClean="0"/>
-              <a:t> </a:t>
+              <a:rPr lang="hu-HU" dirty="0" smtClean="0"/>
+              <a:t>Ezt csak a </a:t>
             </a:r>
             <a:r>
               <a:rPr lang="hu-HU" dirty="0" err="1" smtClean="0">
@@ -10255,47 +9959,11 @@
             </a:r>
             <a:r>
               <a:rPr lang="hu-HU" dirty="0" smtClean="0"/>
-              <a:t> </a:t>
-            </a:r>
-            <a:r>
-              <a:rPr lang="hu-HU" dirty="0" err="1" smtClean="0"/>
-              <a:t>third-party</a:t>
-            </a:r>
-            <a:r>
-              <a:rPr lang="hu-HU" dirty="0" smtClean="0"/>
-              <a:t> </a:t>
-            </a:r>
-            <a:r>
-              <a:rPr lang="hu-HU" dirty="0" err="1" smtClean="0"/>
-              <a:t>library</a:t>
-            </a:r>
-            <a:r>
-              <a:rPr lang="hu-HU" dirty="0" smtClean="0"/>
-              <a:t> </a:t>
-            </a:r>
-            <a:r>
-              <a:rPr lang="hu-HU" dirty="0" err="1" smtClean="0"/>
-              <a:t>in</a:t>
-            </a:r>
-            <a:r>
-              <a:rPr lang="hu-HU" dirty="0" smtClean="0"/>
-              <a:t> Python, </a:t>
-            </a:r>
-            <a:r>
-              <a:rPr lang="hu-HU" dirty="0" err="1" smtClean="0"/>
-              <a:t>not</a:t>
-            </a:r>
-            <a:r>
-              <a:rPr lang="hu-HU" dirty="0" smtClean="0"/>
-              <a:t> </a:t>
-            </a:r>
-            <a:r>
-              <a:rPr lang="hu-HU" dirty="0" err="1" smtClean="0"/>
-              <a:t>in</a:t>
-            </a:r>
-            <a:r>
-              <a:rPr lang="hu-HU" dirty="0" smtClean="0"/>
-              <a:t> </a:t>
+              <a:t> nevű harmadik féltől származó könyvtár támogatja Pythonban, </a:t>
+            </a:r>
+            <a:r>
+              <a:rPr lang="hu-HU" dirty="0" smtClean="0"/>
+              <a:t>a standard könyvtár részét alkotó </a:t>
             </a:r>
             <a:r>
               <a:rPr lang="hu-HU" dirty="0" smtClean="0">
@@ -10306,31 +9974,7 @@
             </a:r>
             <a:r>
               <a:rPr lang="hu-HU" dirty="0" smtClean="0"/>
-              <a:t> </a:t>
-            </a:r>
-            <a:r>
-              <a:rPr lang="hu-HU" dirty="0" err="1" smtClean="0"/>
-              <a:t>that</a:t>
-            </a:r>
-            <a:r>
-              <a:rPr lang="hu-HU" dirty="0" smtClean="0"/>
-              <a:t> is part of </a:t>
-            </a:r>
-            <a:r>
-              <a:rPr lang="hu-HU" dirty="0" err="1" smtClean="0"/>
-              <a:t>the</a:t>
-            </a:r>
-            <a:r>
-              <a:rPr lang="hu-HU" dirty="0" smtClean="0"/>
-              <a:t> standard </a:t>
-            </a:r>
-            <a:r>
-              <a:rPr lang="hu-HU" dirty="0" err="1" smtClean="0"/>
-              <a:t>library</a:t>
-            </a:r>
-            <a:r>
-              <a:rPr lang="hu-HU" dirty="0" smtClean="0"/>
-              <a:t>; </a:t>
+              <a:t> nem ismeri; a </a:t>
             </a:r>
             <a:r>
               <a:rPr lang="hu-HU" dirty="0" err="1" smtClean="0"/>
@@ -10338,47 +9982,7 @@
             </a:r>
             <a:r>
               <a:rPr lang="hu-HU" dirty="0" smtClean="0"/>
-              <a:t> </a:t>
-            </a:r>
-            <a:r>
-              <a:rPr lang="hu-HU" dirty="0" err="1" smtClean="0"/>
-              <a:t>can</a:t>
-            </a:r>
-            <a:r>
-              <a:rPr lang="hu-HU" dirty="0" smtClean="0"/>
-              <a:t> </a:t>
-            </a:r>
-            <a:r>
-              <a:rPr lang="hu-HU" dirty="0" err="1" smtClean="0"/>
-              <a:t>do</a:t>
-            </a:r>
-            <a:r>
-              <a:rPr lang="hu-HU" dirty="0" smtClean="0"/>
-              <a:t> </a:t>
-            </a:r>
-            <a:r>
-              <a:rPr lang="hu-HU" dirty="0" err="1" smtClean="0"/>
-              <a:t>it</a:t>
-            </a:r>
-            <a:r>
-              <a:rPr lang="hu-HU" dirty="0" smtClean="0"/>
-              <a:t> out of </a:t>
-            </a:r>
-            <a:r>
-              <a:rPr lang="hu-HU" dirty="0" err="1" smtClean="0"/>
-              <a:t>the</a:t>
-            </a:r>
-            <a:r>
-              <a:rPr lang="hu-HU" dirty="0" smtClean="0"/>
-              <a:t> </a:t>
-            </a:r>
-            <a:r>
-              <a:rPr lang="hu-HU" dirty="0" err="1" smtClean="0"/>
-              <a:t>box</a:t>
-            </a:r>
-            <a:r>
-              <a:rPr lang="hu-HU" dirty="0" smtClean="0"/>
-              <a:t>, </a:t>
+              <a:t> alapból ismeri, a Linux </a:t>
             </a:r>
             <a:r>
               <a:rPr lang="hu-HU" dirty="0" err="1" smtClean="0">
@@ -10389,19 +9993,7 @@
             </a:r>
             <a:r>
               <a:rPr lang="hu-HU" dirty="0" smtClean="0"/>
-              <a:t> </a:t>
-            </a:r>
-            <a:r>
-              <a:rPr lang="hu-HU" dirty="0" err="1" smtClean="0"/>
-              <a:t>on</a:t>
-            </a:r>
-            <a:r>
-              <a:rPr lang="hu-HU" dirty="0" smtClean="0"/>
-              <a:t> Linux </a:t>
-            </a:r>
-            <a:r>
-              <a:rPr lang="hu-HU" dirty="0" err="1" smtClean="0"/>
-              <a:t>also</a:t>
+              <a:t> parancsa is</a:t>
             </a:r>
             <a:endParaRPr lang="hu-HU" dirty="0" smtClean="0"/>
           </a:p>
@@ -10409,24 +10001,9 @@
             <a:pPr lvl="1"/>
             <a:r>
               <a:rPr lang="hu-HU" dirty="0" smtClean="0"/>
-              <a:t>Most </a:t>
-            </a:r>
-            <a:r>
-              <a:rPr lang="hu-HU" dirty="0" err="1" smtClean="0"/>
-              <a:t>important</a:t>
-            </a:r>
-            <a:r>
-              <a:rPr lang="hu-HU" dirty="0" smtClean="0"/>
-              <a:t> </a:t>
-            </a:r>
-            <a:r>
-              <a:rPr lang="hu-HU" dirty="0" err="1" smtClean="0"/>
-              <a:t>ones</a:t>
-            </a:r>
-            <a:r>
-              <a:rPr lang="hu-HU" dirty="0" smtClean="0"/>
-              <a:t>:</a:t>
-            </a:r>
+              <a:t>Legfontosabb tulajdonságok:</a:t>
+            </a:r>
+            <a:endParaRPr lang="hu-HU" dirty="0" smtClean="0"/>
           </a:p>
           <a:p>
             <a:pPr lvl="2"/>
@@ -10435,16 +10012,144 @@
               <a:t>\p{L}: </a:t>
             </a:r>
             <a:r>
-              <a:rPr lang="hu-HU" b="1" dirty="0" err="1"/>
-              <a:t>any</a:t>
-            </a:r>
-            <a:r>
-              <a:rPr lang="hu-HU" b="1" dirty="0"/>
-              <a:t> </a:t>
-            </a:r>
-            <a:r>
-              <a:rPr lang="hu-HU" b="1" dirty="0" err="1"/>
-              <a:t>letter</a:t>
+              <a:rPr lang="hu-HU" b="1" dirty="0" smtClean="0"/>
+              <a:t>bármely betű</a:t>
+            </a:r>
+            <a:r>
+              <a:rPr lang="hu-HU" dirty="0" smtClean="0"/>
+              <a:t>, </a:t>
+            </a:r>
+            <a:r>
+              <a:rPr lang="hu-HU" i="1" dirty="0" smtClean="0"/>
+              <a:t>\p{</a:t>
+            </a:r>
+            <a:r>
+              <a:rPr lang="hu-HU" i="1" dirty="0" err="1" smtClean="0"/>
+              <a:t>Lu</a:t>
+            </a:r>
+            <a:r>
+              <a:rPr lang="hu-HU" i="1" dirty="0" smtClean="0"/>
+              <a:t>}: </a:t>
+            </a:r>
+            <a:r>
+              <a:rPr lang="hu-HU" b="1" dirty="0" smtClean="0"/>
+              <a:t>nagybetű</a:t>
+            </a:r>
+            <a:r>
+              <a:rPr lang="hu-HU" dirty="0" smtClean="0"/>
+              <a:t>, </a:t>
+            </a:r>
+            <a:r>
+              <a:rPr lang="hu-HU" i="1" dirty="0" smtClean="0"/>
+              <a:t>\p{</a:t>
+            </a:r>
+            <a:r>
+              <a:rPr lang="hu-HU" i="1" dirty="0" err="1" smtClean="0"/>
+              <a:t>Ll</a:t>
+            </a:r>
+            <a:r>
+              <a:rPr lang="hu-HU" i="1" dirty="0" smtClean="0"/>
+              <a:t>}: </a:t>
+            </a:r>
+            <a:r>
+              <a:rPr lang="hu-HU" b="1" dirty="0" smtClean="0"/>
+              <a:t>kisbetű</a:t>
+            </a:r>
+            <a:r>
+              <a:rPr lang="hu-HU" dirty="0" smtClean="0"/>
+              <a:t>, </a:t>
+            </a:r>
+            <a:r>
+              <a:rPr lang="hu-HU" i="1" dirty="0" smtClean="0"/>
+              <a:t>\p{</a:t>
+            </a:r>
+            <a:r>
+              <a:rPr lang="hu-HU" i="1" dirty="0" err="1" smtClean="0"/>
+              <a:t>Lo</a:t>
+            </a:r>
+            <a:r>
+              <a:rPr lang="hu-HU" i="1" dirty="0" smtClean="0"/>
+              <a:t>}: </a:t>
+            </a:r>
+            <a:r>
+              <a:rPr lang="hu-HU" dirty="0" smtClean="0"/>
+              <a:t>egyéb, kis- és nagybetűt meg nem különböző írásrendszerbe tartozó betű</a:t>
+            </a:r>
+            <a:endParaRPr lang="hu-HU" dirty="0" smtClean="0"/>
+          </a:p>
+          <a:p>
+            <a:pPr lvl="2"/>
+            <a:r>
+              <a:rPr lang="hu-HU" i="1" dirty="0" smtClean="0"/>
+              <a:t>\p{</a:t>
+            </a:r>
+            <a:r>
+              <a:rPr lang="hu-HU" i="1" dirty="0" err="1" smtClean="0"/>
+              <a:t>P</a:t>
+            </a:r>
+            <a:r>
+              <a:rPr lang="hu-HU" i="1" dirty="0" smtClean="0"/>
+              <a:t>}: </a:t>
+            </a:r>
+            <a:r>
+              <a:rPr lang="hu-HU" b="1" dirty="0" smtClean="0"/>
+              <a:t>bármely írásjel</a:t>
+            </a:r>
+            <a:r>
+              <a:rPr lang="hu-HU" dirty="0" smtClean="0"/>
+              <a:t>, </a:t>
+            </a:r>
+            <a:r>
+              <a:rPr lang="hu-HU" i="1" dirty="0" smtClean="0"/>
+              <a:t>\p{</a:t>
+            </a:r>
+            <a:r>
+              <a:rPr lang="hu-HU" i="1" dirty="0" err="1" smtClean="0"/>
+              <a:t>Pd</a:t>
+            </a:r>
+            <a:r>
+              <a:rPr lang="hu-HU" i="1" dirty="0" smtClean="0"/>
+              <a:t>}: </a:t>
+            </a:r>
+            <a:r>
+              <a:rPr lang="hu-HU" dirty="0" smtClean="0"/>
+              <a:t>kötőjel/gondolatjel, </a:t>
+            </a:r>
+            <a:r>
+              <a:rPr lang="hu-HU" i="1" dirty="0" smtClean="0"/>
+              <a:t>\p{</a:t>
+            </a:r>
+            <a:r>
+              <a:rPr lang="hu-HU" i="1" dirty="0" err="1" smtClean="0"/>
+              <a:t>Ps</a:t>
+            </a:r>
+            <a:r>
+              <a:rPr lang="hu-HU" i="1" dirty="0" smtClean="0"/>
+              <a:t>}: </a:t>
+            </a:r>
+            <a:r>
+              <a:rPr lang="hu-HU" dirty="0" smtClean="0"/>
+              <a:t>nyitó zárójelszerű, </a:t>
+            </a:r>
+            <a:r>
+              <a:rPr lang="hu-HU" i="1" dirty="0" smtClean="0"/>
+              <a:t>\p{</a:t>
+            </a:r>
+            <a:r>
+              <a:rPr lang="hu-HU" i="1" dirty="0" err="1" smtClean="0"/>
+              <a:t>Pe</a:t>
+            </a:r>
+            <a:r>
+              <a:rPr lang="hu-HU" i="1" dirty="0" smtClean="0"/>
+              <a:t>}: </a:t>
+            </a:r>
+            <a:r>
+              <a:rPr lang="hu-HU" dirty="0" smtClean="0"/>
+              <a:t>záró </a:t>
+            </a:r>
+            <a:r>
+              <a:rPr lang="hu-HU" dirty="0" smtClean="0"/>
+              <a:t>zárójelszerű</a:t>
             </a:r>
             <a:r>
               <a:rPr lang="hu-HU" dirty="0"/>
@@ -10452,427 +10157,83 @@
             </a:r>
             <a:r>
               <a:rPr lang="hu-HU" i="1" dirty="0" smtClean="0"/>
+              <a:t>\p{Pi}: </a:t>
+            </a:r>
+            <a:r>
+              <a:rPr lang="hu-HU" dirty="0" smtClean="0"/>
+              <a:t>nyitó idézőjel, </a:t>
+            </a:r>
+            <a:r>
+              <a:rPr lang="hu-HU" i="1" dirty="0" smtClean="0"/>
               <a:t>\p{</a:t>
             </a:r>
             <a:r>
               <a:rPr lang="hu-HU" i="1" dirty="0" err="1" smtClean="0"/>
-              <a:t>Lu</a:t>
+              <a:t>Pf</a:t>
             </a:r>
             <a:r>
               <a:rPr lang="hu-HU" i="1" dirty="0" smtClean="0"/>
               <a:t>}: </a:t>
             </a:r>
             <a:r>
-              <a:rPr lang="hu-HU" b="1" dirty="0" err="1" smtClean="0"/>
-              <a:t>uppercase</a:t>
-            </a:r>
-            <a:r>
-              <a:rPr lang="hu-HU" b="1" dirty="0" smtClean="0"/>
-              <a:t> </a:t>
-            </a:r>
-            <a:r>
-              <a:rPr lang="hu-HU" b="1" dirty="0" err="1" smtClean="0"/>
-              <a:t>letter</a:t>
-            </a:r>
-            <a:r>
-              <a:rPr lang="hu-HU" dirty="0" smtClean="0"/>
-              <a:t>, </a:t>
+              <a:rPr lang="hu-HU" dirty="0"/>
+              <a:t>záró idézőjel, </a:t>
             </a:r>
             <a:r>
               <a:rPr lang="hu-HU" i="1" dirty="0" smtClean="0"/>
-              <a:t>\</a:t>
+              <a:t>\p{</a:t>
             </a:r>
             <a:r>
               <a:rPr lang="hu-HU" i="1" dirty="0" err="1" smtClean="0"/>
-              <a:t>p</a:t>
-            </a:r>
-            <a:r>
-              <a:rPr lang="hu-HU" i="1" dirty="0" smtClean="0"/>
-              <a:t>{</a:t>
-            </a:r>
-            <a:r>
-              <a:rPr lang="hu-HU" i="1" dirty="0" err="1" smtClean="0"/>
-              <a:t>Ll</a:t>
+              <a:t>Po</a:t>
             </a:r>
             <a:r>
               <a:rPr lang="hu-HU" i="1" dirty="0" smtClean="0"/>
               <a:t>}: </a:t>
             </a:r>
             <a:r>
-              <a:rPr lang="hu-HU" b="1" dirty="0" err="1" smtClean="0"/>
-              <a:t>lowercase</a:t>
+              <a:rPr lang="hu-HU" dirty="0" smtClean="0"/>
+              <a:t>egyéb központozás</a:t>
+            </a:r>
+            <a:endParaRPr lang="hu-HU" dirty="0" smtClean="0"/>
+          </a:p>
+          <a:p>
+            <a:pPr lvl="2"/>
+            <a:r>
+              <a:rPr lang="hu-HU" i="1" dirty="0" smtClean="0"/>
+              <a:t>\p{S}: </a:t>
             </a:r>
             <a:r>
               <a:rPr lang="hu-HU" b="1" dirty="0" smtClean="0"/>
-              <a:t> </a:t>
-            </a:r>
-            <a:r>
-              <a:rPr lang="hu-HU" b="1" dirty="0" err="1" smtClean="0"/>
-              <a:t>letter</a:t>
-            </a:r>
-            <a:r>
-              <a:rPr lang="hu-HU" dirty="0" smtClean="0"/>
-              <a:t>, </a:t>
-            </a:r>
+              <a:t>bármely szimbólum</a:t>
+            </a:r>
+            <a:endParaRPr lang="hu-HU" b="1" dirty="0" smtClean="0"/>
+          </a:p>
+          <a:p>
+            <a:pPr lvl="2"/>
             <a:r>
               <a:rPr lang="hu-HU" i="1" dirty="0" smtClean="0"/>
               <a:t>\p{</a:t>
             </a:r>
             <a:r>
               <a:rPr lang="hu-HU" i="1" dirty="0" err="1" smtClean="0"/>
-              <a:t>Lo</a:t>
+              <a:t>Zs</a:t>
             </a:r>
             <a:r>
               <a:rPr lang="hu-HU" i="1" dirty="0" smtClean="0"/>
               <a:t>}: </a:t>
             </a:r>
             <a:r>
-              <a:rPr lang="hu-HU" dirty="0" err="1" smtClean="0"/>
-              <a:t>other</a:t>
-            </a:r>
-            <a:r>
-              <a:rPr lang="hu-HU" dirty="0" smtClean="0"/>
-              <a:t> </a:t>
-            </a:r>
-            <a:r>
-              <a:rPr lang="hu-HU" dirty="0" err="1" smtClean="0"/>
-              <a:t>letter</a:t>
-            </a:r>
-            <a:r>
-              <a:rPr lang="hu-HU" dirty="0" smtClean="0"/>
-              <a:t>, </a:t>
-            </a:r>
-            <a:r>
-              <a:rPr lang="hu-HU" dirty="0" err="1" smtClean="0"/>
-              <a:t>meaning</a:t>
-            </a:r>
-            <a:r>
-              <a:rPr lang="hu-HU" dirty="0" smtClean="0"/>
-              <a:t> an </a:t>
-            </a:r>
-            <a:r>
-              <a:rPr lang="hu-HU" b="1" dirty="0" err="1" smtClean="0"/>
-              <a:t>uncased</a:t>
-            </a:r>
-            <a:r>
-              <a:rPr lang="hu-HU" b="1" dirty="0" smtClean="0"/>
-              <a:t> </a:t>
-            </a:r>
-            <a:r>
-              <a:rPr lang="hu-HU" b="1" dirty="0" err="1" smtClean="0"/>
-              <a:t>letter</a:t>
-            </a:r>
-            <a:r>
-              <a:rPr lang="hu-HU" dirty="0" smtClean="0"/>
-              <a:t> </a:t>
-            </a:r>
-            <a:r>
-              <a:rPr lang="hu-HU" dirty="0" err="1" smtClean="0"/>
-              <a:t>like</a:t>
-            </a:r>
-            <a:r>
-              <a:rPr lang="hu-HU" dirty="0" smtClean="0"/>
-              <a:t> </a:t>
-            </a:r>
-            <a:r>
-              <a:rPr lang="hu-HU" dirty="0" err="1" smtClean="0"/>
-              <a:t>an</a:t>
-            </a:r>
-            <a:r>
-              <a:rPr lang="hu-HU" dirty="0" smtClean="0"/>
-              <a:t> </a:t>
-            </a:r>
-            <a:r>
-              <a:rPr lang="hu-HU" dirty="0" err="1" smtClean="0"/>
-              <a:t>ideograph</a:t>
+              <a:rPr lang="hu-HU" dirty="0" smtClean="0"/>
+              <a:t>bármely szóköz</a:t>
             </a:r>
             <a:endParaRPr lang="hu-HU" dirty="0" smtClean="0"/>
           </a:p>
           <a:p>
             <a:pPr lvl="2"/>
             <a:r>
-              <a:rPr lang="hu-HU" i="1" dirty="0" smtClean="0"/>
-              <a:t>\p{</a:t>
-            </a:r>
-            <a:r>
-              <a:rPr lang="hu-HU" i="1" dirty="0" err="1" smtClean="0"/>
-              <a:t>P</a:t>
-            </a:r>
-            <a:r>
-              <a:rPr lang="hu-HU" i="1" dirty="0" smtClean="0"/>
-              <a:t>}: </a:t>
-            </a:r>
-            <a:r>
-              <a:rPr lang="hu-HU" b="1" dirty="0" err="1" smtClean="0"/>
-              <a:t>any</a:t>
-            </a:r>
-            <a:r>
-              <a:rPr lang="hu-HU" b="1" dirty="0" smtClean="0"/>
-              <a:t> </a:t>
-            </a:r>
-            <a:r>
-              <a:rPr lang="hu-HU" b="1" dirty="0" err="1" smtClean="0"/>
-              <a:t>punctuation</a:t>
-            </a:r>
-            <a:r>
-              <a:rPr lang="hu-HU" dirty="0" smtClean="0"/>
-              <a:t>, </a:t>
-            </a:r>
-            <a:r>
-              <a:rPr lang="hu-HU" i="1" dirty="0" smtClean="0"/>
-              <a:t>\</a:t>
-            </a:r>
-            <a:r>
-              <a:rPr lang="hu-HU" i="1" dirty="0" err="1" smtClean="0"/>
-              <a:t>p</a:t>
-            </a:r>
-            <a:r>
-              <a:rPr lang="hu-HU" i="1" dirty="0" smtClean="0"/>
-              <a:t>{</a:t>
-            </a:r>
-            <a:r>
-              <a:rPr lang="hu-HU" i="1" dirty="0" err="1" smtClean="0"/>
-              <a:t>Pd</a:t>
-            </a:r>
-            <a:r>
-              <a:rPr lang="hu-HU" i="1" dirty="0" smtClean="0"/>
-              <a:t>}: </a:t>
-            </a:r>
-            <a:r>
-              <a:rPr lang="hu-HU" dirty="0" err="1" smtClean="0"/>
-              <a:t>dash</a:t>
-            </a:r>
-            <a:r>
-              <a:rPr lang="hu-HU" dirty="0" smtClean="0"/>
-              <a:t>, </a:t>
-            </a:r>
-            <a:r>
-              <a:rPr lang="hu-HU" i="1" dirty="0" smtClean="0"/>
-              <a:t>\</a:t>
-            </a:r>
-            <a:r>
-              <a:rPr lang="hu-HU" i="1" dirty="0" err="1" smtClean="0"/>
-              <a:t>p</a:t>
-            </a:r>
-            <a:r>
-              <a:rPr lang="hu-HU" i="1" dirty="0" smtClean="0"/>
-              <a:t>{</a:t>
-            </a:r>
-            <a:r>
-              <a:rPr lang="hu-HU" i="1" dirty="0" err="1" smtClean="0"/>
-              <a:t>Ps</a:t>
-            </a:r>
-            <a:r>
-              <a:rPr lang="hu-HU" i="1" dirty="0" smtClean="0"/>
-              <a:t>}: </a:t>
-            </a:r>
-            <a:r>
-              <a:rPr lang="hu-HU" dirty="0" err="1" smtClean="0"/>
-              <a:t>opening</a:t>
-            </a:r>
-            <a:r>
-              <a:rPr lang="hu-HU" dirty="0" smtClean="0"/>
-              <a:t> </a:t>
-            </a:r>
-            <a:r>
-              <a:rPr lang="hu-HU" dirty="0" err="1" smtClean="0"/>
-              <a:t>bracket-like</a:t>
-            </a:r>
-            <a:r>
-              <a:rPr lang="hu-HU" dirty="0" smtClean="0"/>
-              <a:t>, </a:t>
-            </a:r>
-            <a:r>
-              <a:rPr lang="hu-HU" i="1" dirty="0" smtClean="0"/>
-              <a:t>\</a:t>
-            </a:r>
-            <a:r>
-              <a:rPr lang="hu-HU" i="1" dirty="0" err="1" smtClean="0"/>
-              <a:t>p</a:t>
-            </a:r>
-            <a:r>
-              <a:rPr lang="hu-HU" i="1" dirty="0" smtClean="0"/>
-              <a:t>{</a:t>
-            </a:r>
-            <a:r>
-              <a:rPr lang="hu-HU" i="1" dirty="0" err="1" smtClean="0"/>
-              <a:t>Pe</a:t>
-            </a:r>
-            <a:r>
-              <a:rPr lang="hu-HU" i="1" dirty="0" smtClean="0"/>
-              <a:t>}: </a:t>
-            </a:r>
-            <a:r>
-              <a:rPr lang="hu-HU" dirty="0" err="1" smtClean="0"/>
-              <a:t>closing</a:t>
-            </a:r>
-            <a:r>
-              <a:rPr lang="hu-HU" dirty="0" smtClean="0"/>
-              <a:t> </a:t>
-            </a:r>
-            <a:r>
-              <a:rPr lang="hu-HU" dirty="0" err="1" smtClean="0"/>
-              <a:t>bracket-like</a:t>
-            </a:r>
-            <a:r>
-              <a:rPr lang="hu-HU" dirty="0" smtClean="0"/>
-              <a:t>, </a:t>
-            </a:r>
-            <a:r>
-              <a:rPr lang="hu-HU" i="1" dirty="0" smtClean="0"/>
-              <a:t>\</a:t>
-            </a:r>
-            <a:r>
-              <a:rPr lang="hu-HU" i="1" dirty="0" err="1" smtClean="0"/>
-              <a:t>p</a:t>
-            </a:r>
-            <a:r>
-              <a:rPr lang="hu-HU" i="1" dirty="0" smtClean="0"/>
-              <a:t>{Pi}: </a:t>
-            </a:r>
-            <a:r>
-              <a:rPr lang="hu-HU" dirty="0" err="1" smtClean="0"/>
-              <a:t>opening</a:t>
-            </a:r>
-            <a:r>
-              <a:rPr lang="hu-HU" dirty="0" smtClean="0"/>
-              <a:t> </a:t>
-            </a:r>
-            <a:r>
-              <a:rPr lang="hu-HU" dirty="0" err="1" smtClean="0"/>
-              <a:t>quote</a:t>
-            </a:r>
-            <a:r>
-              <a:rPr lang="hu-HU" dirty="0" smtClean="0"/>
-              <a:t>, </a:t>
-            </a:r>
-            <a:r>
-              <a:rPr lang="hu-HU" i="1" dirty="0" smtClean="0"/>
-              <a:t>\p{</a:t>
-            </a:r>
-            <a:r>
-              <a:rPr lang="hu-HU" i="1" dirty="0" err="1" smtClean="0"/>
-              <a:t>Pf</a:t>
-            </a:r>
-            <a:r>
-              <a:rPr lang="hu-HU" i="1" dirty="0" smtClean="0"/>
-              <a:t>}: </a:t>
-            </a:r>
-            <a:r>
-              <a:rPr lang="hu-HU" dirty="0" err="1" smtClean="0"/>
-              <a:t>closing</a:t>
-            </a:r>
-            <a:r>
-              <a:rPr lang="hu-HU" dirty="0" smtClean="0"/>
-              <a:t> </a:t>
-            </a:r>
-            <a:r>
-              <a:rPr lang="hu-HU" dirty="0" err="1" smtClean="0"/>
-              <a:t>quote</a:t>
-            </a:r>
-            <a:r>
-              <a:rPr lang="hu-HU" dirty="0" smtClean="0"/>
-              <a:t>, </a:t>
-            </a:r>
-            <a:r>
-              <a:rPr lang="hu-HU" i="1" dirty="0" smtClean="0"/>
-              <a:t>\</a:t>
-            </a:r>
-            <a:r>
-              <a:rPr lang="hu-HU" i="1" dirty="0" err="1" smtClean="0"/>
-              <a:t>p</a:t>
-            </a:r>
-            <a:r>
-              <a:rPr lang="hu-HU" i="1" dirty="0" smtClean="0"/>
-              <a:t>{</a:t>
-            </a:r>
-            <a:r>
-              <a:rPr lang="hu-HU" i="1" dirty="0" err="1" smtClean="0"/>
-              <a:t>Po</a:t>
-            </a:r>
-            <a:r>
-              <a:rPr lang="hu-HU" i="1" dirty="0" smtClean="0"/>
-              <a:t>}: </a:t>
-            </a:r>
-            <a:r>
-              <a:rPr lang="hu-HU" dirty="0" err="1" smtClean="0"/>
-              <a:t>other</a:t>
-            </a:r>
-            <a:r>
-              <a:rPr lang="hu-HU" dirty="0" smtClean="0"/>
-              <a:t> </a:t>
-            </a:r>
-            <a:r>
-              <a:rPr lang="hu-HU" dirty="0" err="1" smtClean="0"/>
-              <a:t>punctuation</a:t>
-            </a:r>
-            <a:endParaRPr lang="hu-HU" dirty="0" smtClean="0"/>
-          </a:p>
-          <a:p>
-            <a:pPr lvl="2"/>
-            <a:r>
-              <a:rPr lang="hu-HU" i="1" dirty="0" smtClean="0"/>
-              <a:t>\p{S}: </a:t>
-            </a:r>
-            <a:r>
-              <a:rPr lang="hu-HU" b="1" dirty="0" err="1" smtClean="0"/>
-              <a:t>any</a:t>
-            </a:r>
-            <a:r>
-              <a:rPr lang="hu-HU" b="1" dirty="0" smtClean="0"/>
-              <a:t> </a:t>
-            </a:r>
-            <a:r>
-              <a:rPr lang="hu-HU" b="1" dirty="0" err="1" smtClean="0"/>
-              <a:t>symbol</a:t>
-            </a:r>
-            <a:endParaRPr lang="hu-HU" b="1" dirty="0" smtClean="0"/>
-          </a:p>
-          <a:p>
-            <a:pPr lvl="2"/>
-            <a:r>
-              <a:rPr lang="hu-HU" i="1" dirty="0" smtClean="0"/>
-              <a:t>\p{</a:t>
-            </a:r>
-            <a:r>
-              <a:rPr lang="hu-HU" i="1" dirty="0" err="1" smtClean="0"/>
-              <a:t>Zs</a:t>
-            </a:r>
-            <a:r>
-              <a:rPr lang="hu-HU" i="1" dirty="0" smtClean="0"/>
-              <a:t>}: </a:t>
-            </a:r>
-            <a:r>
-              <a:rPr lang="hu-HU" dirty="0" err="1" smtClean="0"/>
-              <a:t>any</a:t>
-            </a:r>
-            <a:r>
-              <a:rPr lang="hu-HU" dirty="0" smtClean="0"/>
-              <a:t> </a:t>
-            </a:r>
-            <a:r>
-              <a:rPr lang="hu-HU" dirty="0" err="1" smtClean="0"/>
-              <a:t>space</a:t>
-            </a:r>
-            <a:endParaRPr lang="hu-HU" dirty="0" smtClean="0"/>
-          </a:p>
-          <a:p>
-            <a:pPr lvl="2"/>
-            <a:r>
-              <a:rPr lang="hu-HU" dirty="0" err="1" smtClean="0"/>
-              <a:t>complete</a:t>
-            </a:r>
-            <a:r>
-              <a:rPr lang="hu-HU" dirty="0" smtClean="0"/>
-              <a:t> </a:t>
-            </a:r>
-            <a:r>
-              <a:rPr lang="hu-HU" dirty="0" err="1" smtClean="0"/>
-              <a:t>list</a:t>
-            </a:r>
-            <a:r>
-              <a:rPr lang="hu-HU" dirty="0"/>
-              <a:t>: </a:t>
+              <a:rPr lang="hu-HU" dirty="0" smtClean="0"/>
+              <a:t>teljes lista: </a:t>
             </a:r>
             <a:r>
               <a:rPr lang="hu-HU" dirty="0" err="1">
@@ -11015,90 +10376,43 @@
           <a:lstStyle/>
           <a:p>
             <a:r>
+              <a:rPr lang="hu-HU" dirty="0" smtClean="0"/>
+              <a:t>Sok haladóbb technika</a:t>
+            </a:r>
+            <a:r>
+              <a:rPr lang="hu-HU" dirty="0" smtClean="0"/>
+              <a:t>:</a:t>
+            </a:r>
+            <a:endParaRPr lang="hu-HU" dirty="0" smtClean="0"/>
+          </a:p>
+          <a:p>
+            <a:pPr lvl="1"/>
+            <a:r>
+              <a:rPr lang="hu-HU" dirty="0" smtClean="0"/>
+              <a:t>A körbenézés (</a:t>
+            </a:r>
+            <a:r>
               <a:rPr lang="hu-HU" dirty="0" err="1" smtClean="0"/>
-              <a:t>Many</a:t>
-            </a:r>
-            <a:r>
-              <a:rPr lang="hu-HU" dirty="0" smtClean="0"/>
-              <a:t> more </a:t>
+              <a:t>lookaround</a:t>
+            </a:r>
+            <a:r>
+              <a:rPr lang="hu-HU" dirty="0" smtClean="0"/>
+              <a:t>) segítségével megadhatjuk egy </a:t>
             </a:r>
             <a:r>
               <a:rPr lang="hu-HU" dirty="0" err="1" smtClean="0"/>
-              <a:t>advanced</a:t>
-            </a:r>
-            <a:r>
-              <a:rPr lang="hu-HU" dirty="0" smtClean="0"/>
-              <a:t> </a:t>
-            </a:r>
-            <a:r>
-              <a:rPr lang="hu-HU" dirty="0" err="1" smtClean="0"/>
-              <a:t>techniques</a:t>
-            </a:r>
-            <a:r>
-              <a:rPr lang="hu-HU" dirty="0" smtClean="0"/>
-              <a:t>:</a:t>
-            </a:r>
-          </a:p>
-          <a:p>
-            <a:pPr lvl="1"/>
-            <a:r>
-              <a:rPr lang="en-GB" dirty="0" err="1"/>
-              <a:t>Lookaround</a:t>
-            </a:r>
-            <a:r>
-              <a:rPr lang="en-GB" dirty="0"/>
-              <a:t> allows the user to specify the left and right boundary of a regex </a:t>
-            </a:r>
-            <a:r>
-              <a:rPr lang="hu-HU" dirty="0" err="1" smtClean="0"/>
-              <a:t>pattern</a:t>
-            </a:r>
-            <a:r>
-              <a:rPr lang="hu-HU" dirty="0" smtClean="0"/>
-              <a:t>, and </a:t>
-            </a:r>
-            <a:r>
-              <a:rPr lang="en-GB" dirty="0" smtClean="0"/>
-              <a:t>to </a:t>
-            </a:r>
-            <a:r>
-              <a:rPr lang="en-GB" dirty="0"/>
-              <a:t>separate the pattern to be matched and the context in which we want it to </a:t>
-            </a:r>
-            <a:r>
-              <a:rPr lang="en-GB" dirty="0" smtClean="0"/>
-              <a:t>appear</a:t>
-            </a:r>
-            <a:r>
-              <a:rPr lang="hu-HU" dirty="0" smtClean="0"/>
-              <a:t>.</a:t>
+              <a:t>regexminta</a:t>
+            </a:r>
+            <a:r>
+              <a:rPr lang="hu-HU" dirty="0" smtClean="0"/>
+              <a:t> bal és jobb kontextusát, és így elkülöníthetjük magát az illesztendő mintát attól a környezettől, amelyen belül keressük.</a:t>
             </a:r>
           </a:p>
           <a:p>
             <a:pPr lvl="2"/>
             <a:r>
-              <a:rPr lang="hu-HU" dirty="0" err="1" smtClean="0"/>
-              <a:t>Left</a:t>
-            </a:r>
-            <a:r>
-              <a:rPr lang="hu-HU" dirty="0" smtClean="0"/>
-              <a:t> </a:t>
-            </a:r>
-            <a:r>
-              <a:rPr lang="hu-HU" dirty="0" err="1" smtClean="0"/>
-              <a:t>boundary</a:t>
-            </a:r>
-            <a:r>
-              <a:rPr lang="hu-HU" dirty="0" smtClean="0"/>
-              <a:t>: </a:t>
-            </a:r>
-            <a:r>
-              <a:rPr lang="hu-HU" dirty="0" err="1" smtClean="0"/>
-              <a:t>lookbehind</a:t>
-            </a:r>
-            <a:r>
-              <a:rPr lang="hu-HU" dirty="0" smtClean="0"/>
-              <a:t> </a:t>
+              <a:rPr lang="hu-HU" dirty="0" smtClean="0"/>
+              <a:t>Bal kontextus: hátranézés </a:t>
             </a:r>
             <a:r>
               <a:rPr lang="hu-HU" i="1" dirty="0" smtClean="0"/>
@@ -11106,15 +10420,11 @@
             </a:r>
             <a:r>
               <a:rPr lang="hu-HU" dirty="0" smtClean="0"/>
-              <a:t>; right: </a:t>
-            </a:r>
-            <a:r>
-              <a:rPr lang="hu-HU" dirty="0" err="1" smtClean="0"/>
-              <a:t>lookahead</a:t>
-            </a:r>
-            <a:r>
-              <a:rPr lang="hu-HU" dirty="0"/>
-              <a:t> </a:t>
+              <a:t>; </a:t>
+            </a:r>
+            <a:r>
+              <a:rPr lang="hu-HU" dirty="0" smtClean="0"/>
+              <a:t>jobb: előrenézés </a:t>
             </a:r>
             <a:r>
               <a:rPr lang="hu-HU" i="1" dirty="0" smtClean="0"/>
@@ -11203,148 +10513,40 @@
           <a:p>
             <a:pPr lvl="2"/>
             <a:r>
-              <a:rPr lang="hu-HU" dirty="0" err="1" smtClean="0"/>
-              <a:t>Can</a:t>
-            </a:r>
-            <a:r>
-              <a:rPr lang="hu-HU" dirty="0" smtClean="0"/>
-              <a:t> be </a:t>
-            </a:r>
-            <a:r>
-              <a:rPr lang="hu-HU" dirty="0" err="1" smtClean="0"/>
-              <a:t>positive</a:t>
-            </a:r>
-            <a:r>
-              <a:rPr lang="hu-HU" dirty="0" smtClean="0"/>
-              <a:t> (</a:t>
-            </a:r>
-            <a:r>
-              <a:rPr lang="hu-HU" dirty="0" err="1" smtClean="0"/>
-              <a:t>what</a:t>
-            </a:r>
-            <a:r>
-              <a:rPr lang="hu-HU" dirty="0" smtClean="0"/>
-              <a:t> </a:t>
-            </a:r>
-            <a:r>
-              <a:rPr lang="hu-HU" dirty="0" err="1" smtClean="0"/>
-              <a:t>do</a:t>
-            </a:r>
-            <a:r>
-              <a:rPr lang="hu-HU" dirty="0" smtClean="0"/>
-              <a:t> </a:t>
-            </a:r>
-            <a:r>
-              <a:rPr lang="hu-HU" dirty="0" err="1" smtClean="0"/>
-              <a:t>we</a:t>
-            </a:r>
-            <a:r>
-              <a:rPr lang="hu-HU" dirty="0" smtClean="0"/>
-              <a:t> </a:t>
-            </a:r>
-            <a:r>
-              <a:rPr lang="hu-HU" dirty="0" err="1" smtClean="0"/>
-              <a:t>want</a:t>
-            </a:r>
-            <a:r>
-              <a:rPr lang="hu-HU" dirty="0" smtClean="0"/>
-              <a:t> </a:t>
-            </a:r>
-            <a:r>
-              <a:rPr lang="hu-HU" dirty="0" err="1" smtClean="0"/>
-              <a:t>to</a:t>
-            </a:r>
-            <a:r>
-              <a:rPr lang="hu-HU" dirty="0" smtClean="0"/>
-              <a:t> </a:t>
-            </a:r>
-            <a:r>
-              <a:rPr lang="hu-HU" dirty="0" err="1" smtClean="0"/>
-              <a:t>the</a:t>
-            </a:r>
-            <a:r>
-              <a:rPr lang="hu-HU" dirty="0" smtClean="0"/>
-              <a:t> </a:t>
-            </a:r>
-            <a:r>
-              <a:rPr lang="hu-HU" dirty="0" err="1" smtClean="0"/>
-              <a:t>left</a:t>
-            </a:r>
-            <a:r>
-              <a:rPr lang="hu-HU" dirty="0" smtClean="0"/>
-              <a:t> </a:t>
-            </a:r>
-            <a:r>
-              <a:rPr lang="hu-HU" dirty="0" err="1" smtClean="0"/>
-              <a:t>or</a:t>
-            </a:r>
-            <a:r>
-              <a:rPr lang="hu-HU" dirty="0" smtClean="0"/>
-              <a:t> right) </a:t>
-            </a:r>
-            <a:r>
-              <a:rPr lang="hu-HU" dirty="0" err="1" smtClean="0"/>
-              <a:t>or</a:t>
-            </a:r>
-            <a:r>
-              <a:rPr lang="hu-HU" dirty="0" smtClean="0"/>
-              <a:t> </a:t>
-            </a:r>
-            <a:r>
-              <a:rPr lang="hu-HU" b="1" dirty="0" err="1" smtClean="0"/>
-              <a:t>negative</a:t>
-            </a:r>
-            <a:r>
-              <a:rPr lang="hu-HU" dirty="0" smtClean="0"/>
-              <a:t> (</a:t>
-            </a:r>
-            <a:r>
-              <a:rPr lang="hu-HU" dirty="0" err="1" smtClean="0"/>
-              <a:t>what</a:t>
-            </a:r>
-            <a:r>
-              <a:rPr lang="hu-HU" dirty="0" smtClean="0"/>
-              <a:t> </a:t>
-            </a:r>
-            <a:r>
-              <a:rPr lang="hu-HU" dirty="0" err="1" smtClean="0"/>
-              <a:t>do</a:t>
-            </a:r>
-            <a:r>
-              <a:rPr lang="hu-HU" dirty="0" smtClean="0"/>
-              <a:t> </a:t>
-            </a:r>
-            <a:r>
-              <a:rPr lang="hu-HU" dirty="0" err="1" smtClean="0"/>
-              <a:t>we</a:t>
-            </a:r>
-            <a:r>
-              <a:rPr lang="hu-HU" dirty="0" smtClean="0"/>
-              <a:t> </a:t>
-            </a:r>
-            <a:r>
-              <a:rPr lang="hu-HU" b="1" dirty="0" err="1" smtClean="0"/>
-              <a:t>not</a:t>
+              <a:rPr lang="hu-HU" dirty="0" smtClean="0"/>
+              <a:t>Lehet </a:t>
             </a:r>
             <a:r>
               <a:rPr lang="hu-HU" b="1" dirty="0" smtClean="0"/>
-              <a:t> </a:t>
-            </a:r>
-            <a:r>
-              <a:rPr lang="hu-HU" dirty="0" err="1" smtClean="0"/>
-              <a:t>want</a:t>
-            </a:r>
-            <a:r>
-              <a:rPr lang="hu-HU" dirty="0" smtClean="0"/>
-              <a:t> </a:t>
-            </a:r>
-            <a:r>
-              <a:rPr lang="hu-HU" dirty="0" err="1" smtClean="0"/>
-              <a:t>there</a:t>
-            </a:r>
-            <a:r>
-              <a:rPr lang="hu-HU" dirty="0" smtClean="0"/>
-              <a:t>), </a:t>
+              <a:t>pozitív </a:t>
+            </a:r>
+            <a:r>
+              <a:rPr lang="hu-HU" dirty="0" smtClean="0"/>
+              <a:t>(mi </a:t>
+            </a:r>
+            <a:r>
+              <a:rPr lang="hu-HU" b="1" dirty="0" smtClean="0"/>
+              <a:t>legyen </a:t>
+            </a:r>
+            <a:r>
+              <a:rPr lang="hu-HU" dirty="0" smtClean="0"/>
+              <a:t>a mintától balra vagy jobbra) vagy </a:t>
+            </a:r>
+            <a:r>
+              <a:rPr lang="hu-HU" b="1" dirty="0" smtClean="0"/>
+              <a:t>negatív </a:t>
+            </a:r>
+            <a:r>
+              <a:rPr lang="hu-HU" dirty="0" smtClean="0"/>
+              <a:t>(mi </a:t>
+            </a:r>
+            <a:r>
+              <a:rPr lang="hu-HU" b="1" dirty="0" smtClean="0"/>
+              <a:t>ne </a:t>
+            </a:r>
+            <a:r>
+              <a:rPr lang="hu-HU" dirty="0" smtClean="0"/>
+              <a:t>legyen), </a:t>
             </a:r>
             <a:r>
               <a:rPr lang="hu-HU" i="1" dirty="0" smtClean="0"/>
@@ -11355,17 +10557,18 @@
               <a:t> </a:t>
             </a:r>
             <a:r>
-              <a:rPr lang="hu-HU" dirty="0" err="1" smtClean="0"/>
-              <a:t>instead</a:t>
-            </a:r>
-            <a:r>
-              <a:rPr lang="hu-HU" dirty="0" smtClean="0"/>
-              <a:t> of </a:t>
+              <a:rPr lang="hu-HU" dirty="0" smtClean="0"/>
+              <a:t>szimbólum a fenti </a:t>
             </a:r>
             <a:r>
               <a:rPr lang="hu-HU" i="1" dirty="0" smtClean="0"/>
-              <a:t>=</a:t>
-            </a:r>
+              <a:t>= </a:t>
+            </a:r>
+            <a:r>
+              <a:rPr lang="hu-HU" dirty="0" smtClean="0"/>
+              <a:t>helyén</a:t>
+            </a:r>
+            <a:endParaRPr lang="hu-HU" dirty="0" smtClean="0"/>
           </a:p>
           <a:p>
             <a:pPr lvl="3"/>
@@ -11433,36 +10636,8 @@
           <a:p>
             <a:pPr lvl="1"/>
             <a:r>
-              <a:rPr lang="hu-HU" dirty="0" err="1" smtClean="0"/>
-              <a:t>Referring</a:t>
-            </a:r>
-            <a:r>
-              <a:rPr lang="hu-HU" dirty="0" smtClean="0"/>
-              <a:t> back </a:t>
-            </a:r>
-            <a:r>
-              <a:rPr lang="hu-HU" dirty="0" err="1" smtClean="0"/>
-              <a:t>to</a:t>
-            </a:r>
-            <a:r>
-              <a:rPr lang="hu-HU" dirty="0" smtClean="0"/>
-              <a:t> a </a:t>
-            </a:r>
-            <a:r>
-              <a:rPr lang="hu-HU" dirty="0" err="1" smtClean="0"/>
-              <a:t>parenthesised</a:t>
-            </a:r>
-            <a:r>
-              <a:rPr lang="hu-HU" dirty="0" smtClean="0"/>
-              <a:t> (</a:t>
-            </a:r>
-            <a:r>
-              <a:rPr lang="hu-HU" dirty="0" err="1" smtClean="0"/>
-              <a:t>so-called</a:t>
-            </a:r>
-            <a:r>
-              <a:rPr lang="hu-HU" dirty="0" smtClean="0"/>
-              <a:t> </a:t>
+              <a:rPr lang="hu-HU" dirty="0" smtClean="0"/>
+              <a:t>Az idézőjelbe tett (ún. </a:t>
             </a:r>
             <a:r>
               <a:rPr lang="hu-HU" dirty="0" err="1" smtClean="0"/>
@@ -11470,63 +10645,15 @@
             </a:r>
             <a:r>
               <a:rPr lang="hu-HU" dirty="0" smtClean="0"/>
-              <a:t>) </a:t>
-            </a:r>
-            <a:r>
-              <a:rPr lang="hu-HU" dirty="0" err="1" smtClean="0"/>
-              <a:t>group</a:t>
-            </a:r>
-            <a:r>
-              <a:rPr lang="hu-HU" dirty="0" smtClean="0"/>
-              <a:t> </a:t>
-            </a:r>
-            <a:r>
-              <a:rPr lang="hu-HU" b="1" dirty="0" err="1" smtClean="0"/>
-              <a:t>matches</a:t>
+              <a:t>) csoport </a:t>
             </a:r>
             <a:r>
               <a:rPr lang="hu-HU" b="1" dirty="0" smtClean="0"/>
-              <a:t> </a:t>
-            </a:r>
-            <a:r>
-              <a:rPr lang="hu-HU" b="1" dirty="0" err="1" smtClean="0"/>
-              <a:t>repetition</a:t>
-            </a:r>
-            <a:r>
-              <a:rPr lang="hu-HU" b="1" dirty="0" smtClean="0"/>
-              <a:t> of </a:t>
-            </a:r>
-            <a:r>
-              <a:rPr lang="hu-HU" b="1" dirty="0" err="1" smtClean="0"/>
-              <a:t>matches</a:t>
-            </a:r>
-            <a:r>
-              <a:rPr lang="hu-HU" dirty="0" smtClean="0"/>
-              <a:t>, </a:t>
-            </a:r>
-            <a:r>
-              <a:rPr lang="hu-HU" dirty="0" err="1" smtClean="0"/>
-              <a:t>not</a:t>
-            </a:r>
-            <a:r>
-              <a:rPr lang="hu-HU" dirty="0" smtClean="0"/>
-              <a:t> </a:t>
-            </a:r>
-            <a:r>
-              <a:rPr lang="hu-HU" dirty="0" err="1" smtClean="0"/>
-              <a:t>of</a:t>
-            </a:r>
-            <a:r>
-              <a:rPr lang="hu-HU" dirty="0" smtClean="0"/>
-              <a:t> </a:t>
-            </a:r>
-            <a:r>
-              <a:rPr lang="hu-HU" dirty="0" err="1" smtClean="0"/>
-              <a:t>patterns</a:t>
-            </a:r>
-            <a:r>
-              <a:rPr lang="hu-HU" dirty="0" smtClean="0"/>
-              <a:t>: </a:t>
+              <a:t>illeszkedések ismétlődésére illeszkedik</a:t>
+            </a:r>
+            <a:r>
+              <a:rPr lang="hu-HU" dirty="0" smtClean="0"/>
+              <a:t>, nem minták ismétlődésére: </a:t>
             </a:r>
             <a:r>
               <a:rPr lang="hu-HU" dirty="0" smtClean="0">
@@ -11580,12 +10707,8 @@
           <a:p>
             <a:pPr lvl="1"/>
             <a:r>
-              <a:rPr lang="hu-HU" dirty="0" err="1" smtClean="0"/>
-              <a:t>Named</a:t>
-            </a:r>
-            <a:r>
-              <a:rPr lang="hu-HU" dirty="0" smtClean="0"/>
-              <a:t> </a:t>
+              <a:rPr lang="hu-HU" dirty="0" smtClean="0"/>
+              <a:t>Nevesített </a:t>
             </a:r>
             <a:r>
               <a:rPr lang="hu-HU" dirty="0" err="1" smtClean="0"/>
@@ -11593,16 +10716,9 @@
             </a:r>
             <a:r>
               <a:rPr lang="hu-HU" dirty="0" smtClean="0"/>
-              <a:t> </a:t>
-            </a:r>
-            <a:r>
-              <a:rPr lang="hu-HU" dirty="0" err="1" smtClean="0"/>
-              <a:t>groups</a:t>
-            </a:r>
-            <a:r>
-              <a:rPr lang="hu-HU" dirty="0" smtClean="0"/>
-              <a:t>:</a:t>
-            </a:r>
+              <a:t> csoportok:</a:t>
+            </a:r>
+            <a:endParaRPr lang="hu-HU" dirty="0" smtClean="0"/>
           </a:p>
           <a:p>
             <a:pPr lvl="2"/>
@@ -11687,68 +10803,24 @@
           <a:p>
             <a:pPr lvl="2"/>
             <a:r>
+              <a:rPr lang="hu-HU" dirty="0" smtClean="0"/>
+              <a:t>ha nevet adunk egy csoportnak, az a </a:t>
+            </a:r>
+            <a:r>
               <a:rPr lang="hu-HU" dirty="0" err="1" smtClean="0"/>
-              <a:t>if</a:t>
+              <a:t>részsztring</a:t>
+            </a:r>
+            <a:r>
+              <a:rPr lang="hu-HU" dirty="0" smtClean="0"/>
+              <a:t>, amelyre </a:t>
+            </a:r>
+            <a:r>
+              <a:rPr lang="hu-HU" dirty="0" err="1" smtClean="0"/>
+              <a:t>illeszedik</a:t>
             </a:r>
             <a:r>
               <a:rPr lang="hu-HU" dirty="0" smtClean="0"/>
               <a:t> a </a:t>
-            </a:r>
-            <a:r>
-              <a:rPr lang="hu-HU" dirty="0" err="1" smtClean="0"/>
-              <a:t>group</a:t>
-            </a:r>
-            <a:r>
-              <a:rPr lang="hu-HU" dirty="0" smtClean="0"/>
-              <a:t> is </a:t>
-            </a:r>
-            <a:r>
-              <a:rPr lang="hu-HU" dirty="0" err="1" smtClean="0"/>
-              <a:t>named</a:t>
-            </a:r>
-            <a:r>
-              <a:rPr lang="hu-HU" dirty="0" smtClean="0"/>
-              <a:t>, </a:t>
-            </a:r>
-            <a:r>
-              <a:rPr lang="hu-HU" dirty="0" err="1" smtClean="0"/>
-              <a:t>the</a:t>
-            </a:r>
-            <a:r>
-              <a:rPr lang="hu-HU" dirty="0" smtClean="0"/>
-              <a:t> input’s </a:t>
-            </a:r>
-            <a:r>
-              <a:rPr lang="hu-HU" dirty="0" err="1" smtClean="0"/>
-              <a:t>substring</a:t>
-            </a:r>
-            <a:r>
-              <a:rPr lang="hu-HU" dirty="0" smtClean="0"/>
-              <a:t> </a:t>
-            </a:r>
-            <a:r>
-              <a:rPr lang="hu-HU" dirty="0" err="1" smtClean="0"/>
-              <a:t>matched</a:t>
-            </a:r>
-            <a:r>
-              <a:rPr lang="hu-HU" dirty="0" smtClean="0"/>
-              <a:t> </a:t>
-            </a:r>
-            <a:r>
-              <a:rPr lang="hu-HU" dirty="0" err="1" smtClean="0"/>
-              <a:t>by</a:t>
-            </a:r>
-            <a:r>
-              <a:rPr lang="hu-HU" dirty="0" smtClean="0"/>
-              <a:t> </a:t>
-            </a:r>
-            <a:r>
-              <a:rPr lang="hu-HU" dirty="0" err="1" smtClean="0"/>
-              <a:t>the</a:t>
-            </a:r>
-            <a:r>
-              <a:rPr lang="hu-HU" dirty="0" smtClean="0"/>
-              <a:t> </a:t>
             </a:r>
             <a:r>
               <a:rPr lang="hu-HU" dirty="0" err="1" smtClean="0"/>
@@ -11756,125 +10828,8 @@
             </a:r>
             <a:r>
               <a:rPr lang="hu-HU" dirty="0" smtClean="0"/>
-              <a:t> </a:t>
-            </a:r>
-            <a:r>
-              <a:rPr lang="hu-HU" dirty="0" err="1" smtClean="0"/>
-              <a:t>group</a:t>
-            </a:r>
-            <a:r>
-              <a:rPr lang="hu-HU" dirty="0" smtClean="0"/>
-              <a:t> is </a:t>
-            </a:r>
-            <a:r>
-              <a:rPr lang="hu-HU" dirty="0" err="1" smtClean="0"/>
-              <a:t>returned</a:t>
-            </a:r>
-            <a:r>
-              <a:rPr lang="hu-HU" dirty="0" smtClean="0"/>
-              <a:t> </a:t>
-            </a:r>
-            <a:r>
-              <a:rPr lang="hu-HU" dirty="0" err="1" smtClean="0"/>
-              <a:t>as</a:t>
-            </a:r>
-            <a:r>
-              <a:rPr lang="hu-HU" dirty="0" smtClean="0"/>
-              <a:t> </a:t>
-            </a:r>
-            <a:r>
-              <a:rPr lang="hu-HU" dirty="0" err="1" smtClean="0"/>
-              <a:t>the</a:t>
-            </a:r>
-            <a:r>
-              <a:rPr lang="hu-HU" dirty="0" smtClean="0"/>
-              <a:t> </a:t>
-            </a:r>
-            <a:r>
-              <a:rPr lang="hu-HU" dirty="0" err="1" smtClean="0"/>
-              <a:t>value</a:t>
-            </a:r>
-            <a:r>
-              <a:rPr lang="hu-HU" dirty="0" smtClean="0"/>
-              <a:t> of a </a:t>
-            </a:r>
-            <a:r>
-              <a:rPr lang="hu-HU" dirty="0" err="1" smtClean="0"/>
-              <a:t>variable</a:t>
-            </a:r>
-            <a:r>
-              <a:rPr lang="hu-HU" dirty="0" smtClean="0"/>
-              <a:t> </a:t>
-            </a:r>
-            <a:r>
-              <a:rPr lang="hu-HU" dirty="0" err="1" smtClean="0"/>
-              <a:t>or</a:t>
-            </a:r>
-            <a:r>
-              <a:rPr lang="hu-HU" dirty="0" smtClean="0"/>
-              <a:t> </a:t>
-            </a:r>
-            <a:r>
-              <a:rPr lang="hu-HU" dirty="0" err="1" smtClean="0"/>
-              <a:t>key</a:t>
-            </a:r>
-            <a:r>
-              <a:rPr lang="hu-HU" dirty="0" smtClean="0"/>
-              <a:t> </a:t>
-            </a:r>
-            <a:r>
-              <a:rPr lang="hu-HU" dirty="0" err="1" smtClean="0"/>
-              <a:t>with</a:t>
-            </a:r>
-            <a:r>
-              <a:rPr lang="hu-HU" dirty="0" smtClean="0"/>
-              <a:t> </a:t>
-            </a:r>
-            <a:r>
-              <a:rPr lang="hu-HU" dirty="0" err="1" smtClean="0"/>
-              <a:t>that</a:t>
-            </a:r>
-            <a:r>
-              <a:rPr lang="hu-HU" dirty="0" smtClean="0"/>
-              <a:t> </a:t>
-            </a:r>
-            <a:r>
-              <a:rPr lang="hu-HU" dirty="0" err="1" smtClean="0"/>
-              <a:t>name</a:t>
-            </a:r>
-            <a:r>
-              <a:rPr lang="hu-HU" dirty="0" smtClean="0"/>
-              <a:t>, </a:t>
-            </a:r>
-            <a:r>
-              <a:rPr lang="hu-HU" dirty="0" err="1" smtClean="0"/>
-              <a:t>depending</a:t>
-            </a:r>
-            <a:r>
-              <a:rPr lang="hu-HU" dirty="0" smtClean="0"/>
-              <a:t> </a:t>
-            </a:r>
-            <a:r>
-              <a:rPr lang="hu-HU" dirty="0" err="1" smtClean="0"/>
-              <a:t>on</a:t>
-            </a:r>
-            <a:r>
-              <a:rPr lang="hu-HU" dirty="0" smtClean="0"/>
-              <a:t> </a:t>
-            </a:r>
-            <a:r>
-              <a:rPr lang="hu-HU" dirty="0" err="1" smtClean="0"/>
-              <a:t>language</a:t>
-            </a:r>
-            <a:r>
-              <a:rPr lang="hu-HU" dirty="0" smtClean="0"/>
-              <a:t> and </a:t>
-            </a:r>
-            <a:r>
-              <a:rPr lang="hu-HU" dirty="0" err="1" smtClean="0"/>
-              <a:t>implementation</a:t>
-            </a:r>
-            <a:endParaRPr lang="en-GB" dirty="0"/>
+              <a:t> csoport, egy változó vagy kulcs értékeként adódik vissza az illesztés eredményeként, a programozási nyelvtől és implementációtól függően</a:t>
+            </a:r>
           </a:p>
         </p:txBody>
       </p:sp>
@@ -11953,441 +10908,174 @@
         <p:spPr/>
         <p:txBody>
           <a:bodyPr>
-            <a:normAutofit fontScale="62500" lnSpcReduction="20000"/>
+            <a:normAutofit fontScale="55000" lnSpcReduction="20000"/>
           </a:bodyPr>
           <a:lstStyle/>
           <a:p>
             <a:r>
+              <a:rPr lang="hu-HU" dirty="0"/>
+              <a:t>A reguláris kifejezések nagyon hasznosak, sőt néha </a:t>
+            </a:r>
+            <a:r>
+              <a:rPr lang="hu-HU" dirty="0" smtClean="0"/>
+              <a:t>elengedhetetlenek az </a:t>
+            </a:r>
+            <a:r>
               <a:rPr lang="hu-HU" dirty="0" err="1" smtClean="0"/>
-              <a:t>Regular</a:t>
-            </a:r>
-            <a:r>
-              <a:rPr lang="hu-HU" dirty="0" smtClean="0"/>
-              <a:t> </a:t>
+              <a:t>NLP-ben</a:t>
+            </a:r>
+            <a:r>
+              <a:rPr lang="hu-HU" dirty="0" smtClean="0"/>
+              <a:t>:</a:t>
+            </a:r>
+            <a:endParaRPr lang="hu-HU" dirty="0" smtClean="0"/>
+          </a:p>
+          <a:p>
+            <a:pPr lvl="1"/>
+            <a:r>
+              <a:rPr lang="en-GB" b="1" dirty="0" err="1"/>
+              <a:t>tokenizálók</a:t>
+            </a:r>
+            <a:r>
+              <a:rPr lang="en-GB" dirty="0"/>
+              <a:t> </a:t>
+            </a:r>
+            <a:r>
+              <a:rPr lang="en-GB" dirty="0" err="1" smtClean="0"/>
+              <a:t>írása</a:t>
+            </a:r>
+            <a:r>
+              <a:rPr lang="hu-HU" dirty="0" smtClean="0"/>
+              <a:t>hoz</a:t>
+            </a:r>
+            <a:r>
+              <a:rPr lang="en-GB" dirty="0" smtClean="0"/>
+              <a:t>, </a:t>
+            </a:r>
+            <a:r>
+              <a:rPr lang="en-GB" dirty="0" err="1"/>
+              <a:t>amelyek</a:t>
+            </a:r>
+            <a:r>
+              <a:rPr lang="en-GB" dirty="0"/>
+              <a:t> </a:t>
+            </a:r>
+            <a:r>
+              <a:rPr lang="en-GB" dirty="0" err="1"/>
+              <a:t>szó</a:t>
+            </a:r>
+            <a:r>
+              <a:rPr lang="en-GB" dirty="0"/>
+              <a:t>- </a:t>
+            </a:r>
+            <a:r>
+              <a:rPr lang="en-GB" dirty="0" err="1"/>
+              <a:t>és</a:t>
+            </a:r>
+            <a:r>
+              <a:rPr lang="en-GB" dirty="0"/>
+              <a:t> </a:t>
+            </a:r>
+            <a:r>
+              <a:rPr lang="en-GB" dirty="0" err="1" smtClean="0"/>
+              <a:t>írásjeltokenek</a:t>
+            </a:r>
+            <a:r>
+              <a:rPr lang="hu-HU" dirty="0" smtClean="0"/>
+              <a:t>re bontják a bemenetet</a:t>
+            </a:r>
+            <a:endParaRPr lang="hu-HU" dirty="0" smtClean="0"/>
+          </a:p>
+          <a:p>
+            <a:pPr lvl="1"/>
+            <a:r>
+              <a:rPr lang="hu-HU" dirty="0" smtClean="0"/>
+              <a:t>hasonló feladat: szöveg </a:t>
+            </a:r>
+            <a:r>
+              <a:rPr lang="hu-HU" b="1" dirty="0" smtClean="0"/>
+              <a:t>mondatokra tagolása</a:t>
+            </a:r>
+            <a:endParaRPr lang="hu-HU" b="1" dirty="0" smtClean="0"/>
+          </a:p>
+          <a:p>
+            <a:pPr lvl="1"/>
+            <a:r>
+              <a:rPr lang="hu-HU" dirty="0" smtClean="0"/>
+              <a:t>különböző típusú karakter</a:t>
+            </a:r>
+            <a:r>
+              <a:rPr lang="hu-HU" dirty="0" smtClean="0"/>
+              <a:t>szakaszok </a:t>
+            </a:r>
+            <a:r>
+              <a:rPr lang="hu-HU" b="1" dirty="0" smtClean="0"/>
+              <a:t>címkézése</a:t>
+            </a:r>
+            <a:r>
+              <a:rPr lang="hu-HU" dirty="0" smtClean="0"/>
+              <a:t>, pl. rövidítések, betűszók, dátumok, idők, </a:t>
             </a:r>
             <a:r>
               <a:rPr lang="hu-HU" dirty="0" err="1" smtClean="0"/>
-              <a:t>expressions</a:t>
-            </a:r>
-            <a:r>
-              <a:rPr lang="hu-HU" dirty="0" smtClean="0"/>
-              <a:t> </a:t>
-            </a:r>
-            <a:r>
-              <a:rPr lang="hu-HU" dirty="0" err="1" smtClean="0"/>
-              <a:t>are</a:t>
-            </a:r>
-            <a:r>
-              <a:rPr lang="hu-HU" dirty="0" smtClean="0"/>
-              <a:t> </a:t>
-            </a:r>
-            <a:r>
-              <a:rPr lang="hu-HU" dirty="0" err="1" smtClean="0"/>
-              <a:t>very</a:t>
-            </a:r>
-            <a:r>
-              <a:rPr lang="hu-HU" dirty="0" smtClean="0"/>
-              <a:t> </a:t>
-            </a:r>
-            <a:r>
-              <a:rPr lang="hu-HU" dirty="0" err="1" smtClean="0"/>
-              <a:t>useful</a:t>
-            </a:r>
-            <a:r>
-              <a:rPr lang="hu-HU" dirty="0" smtClean="0"/>
-              <a:t> </a:t>
-            </a:r>
-            <a:r>
-              <a:rPr lang="hu-HU" dirty="0" err="1" smtClean="0"/>
-              <a:t>or</a:t>
-            </a:r>
-            <a:r>
-              <a:rPr lang="hu-HU" dirty="0" smtClean="0"/>
-              <a:t> </a:t>
-            </a:r>
-            <a:r>
-              <a:rPr lang="hu-HU" dirty="0" err="1" smtClean="0"/>
-              <a:t>sometimes</a:t>
-            </a:r>
-            <a:r>
-              <a:rPr lang="hu-HU" dirty="0" smtClean="0"/>
-              <a:t> </a:t>
-            </a:r>
-            <a:r>
-              <a:rPr lang="hu-HU" dirty="0" err="1" smtClean="0"/>
-              <a:t>even</a:t>
-            </a:r>
-            <a:r>
-              <a:rPr lang="hu-HU" dirty="0" smtClean="0"/>
-              <a:t> </a:t>
-            </a:r>
-            <a:r>
-              <a:rPr lang="hu-HU" dirty="0" err="1" smtClean="0"/>
-              <a:t>crucial</a:t>
-            </a:r>
-            <a:r>
-              <a:rPr lang="hu-HU" dirty="0" smtClean="0"/>
-              <a:t> </a:t>
-            </a:r>
-            <a:r>
-              <a:rPr lang="hu-HU" dirty="0" err="1" smtClean="0"/>
-              <a:t>for</a:t>
-            </a:r>
-            <a:r>
-              <a:rPr lang="hu-HU" dirty="0" smtClean="0"/>
-              <a:t> </a:t>
-            </a:r>
-            <a:r>
-              <a:rPr lang="hu-HU" dirty="0" err="1" smtClean="0"/>
-              <a:t>NLP</a:t>
-            </a:r>
-            <a:r>
-              <a:rPr lang="hu-HU" dirty="0" smtClean="0"/>
-              <a:t>:</a:t>
-            </a:r>
+              <a:t>URL-ek</a:t>
+            </a:r>
+            <a:r>
+              <a:rPr lang="hu-HU" dirty="0" smtClean="0"/>
+              <a:t> stb.</a:t>
+            </a:r>
+            <a:endParaRPr lang="hu-HU" b="1" dirty="0" smtClean="0"/>
           </a:p>
           <a:p>
             <a:pPr lvl="1"/>
             <a:r>
-              <a:rPr lang="hu-HU" dirty="0" err="1" smtClean="0"/>
-              <a:t>writing</a:t>
-            </a:r>
-            <a:r>
-              <a:rPr lang="hu-HU" dirty="0" smtClean="0"/>
-              <a:t> </a:t>
-            </a:r>
-            <a:r>
-              <a:rPr lang="hu-HU" b="1" dirty="0" err="1" smtClean="0"/>
-              <a:t>tokenizers</a:t>
-            </a:r>
-            <a:r>
-              <a:rPr lang="hu-HU" dirty="0" smtClean="0"/>
-              <a:t> </a:t>
-            </a:r>
-            <a:r>
-              <a:rPr lang="hu-HU" dirty="0" err="1" smtClean="0"/>
-              <a:t>that</a:t>
-            </a:r>
-            <a:r>
-              <a:rPr lang="hu-HU" dirty="0" smtClean="0"/>
-              <a:t> output </a:t>
-            </a:r>
-            <a:r>
-              <a:rPr lang="hu-HU" dirty="0" err="1" smtClean="0"/>
-              <a:t>word</a:t>
-            </a:r>
-            <a:r>
-              <a:rPr lang="hu-HU" dirty="0" smtClean="0"/>
-              <a:t> and </a:t>
-            </a:r>
-            <a:r>
-              <a:rPr lang="hu-HU" dirty="0" err="1" smtClean="0"/>
-              <a:t>punctuation</a:t>
-            </a:r>
-            <a:r>
-              <a:rPr lang="hu-HU" dirty="0" smtClean="0"/>
-              <a:t> </a:t>
-            </a:r>
-            <a:r>
-              <a:rPr lang="hu-HU" dirty="0" err="1" smtClean="0"/>
-              <a:t>tokens</a:t>
-            </a:r>
-            <a:endParaRPr lang="hu-HU" dirty="0" smtClean="0"/>
+              <a:rPr lang="hu-HU" dirty="0" smtClean="0"/>
+              <a:t>minták keresése szövegkorpuszban</a:t>
+            </a:r>
+          </a:p>
+          <a:p>
+            <a:r>
+              <a:rPr lang="hu-HU" dirty="0" smtClean="0"/>
+              <a:t>A minták illesztése reguláris kifejezések alapján </a:t>
+            </a:r>
+            <a:r>
+              <a:rPr lang="hu-HU" b="1" dirty="0" smtClean="0"/>
+              <a:t>rendkívül gyorsan </a:t>
+            </a:r>
+            <a:r>
+              <a:rPr lang="hu-HU" dirty="0" smtClean="0"/>
+              <a:t>megy végbe</a:t>
+            </a:r>
           </a:p>
           <a:p>
             <a:pPr lvl="1"/>
             <a:r>
-              <a:rPr lang="hu-HU" dirty="0" err="1" smtClean="0"/>
-              <a:t>similar</a:t>
-            </a:r>
-            <a:r>
-              <a:rPr lang="hu-HU" dirty="0" smtClean="0"/>
-              <a:t> </a:t>
-            </a:r>
-            <a:r>
-              <a:rPr lang="hu-HU" dirty="0" err="1" smtClean="0"/>
-              <a:t>task</a:t>
-            </a:r>
-            <a:r>
-              <a:rPr lang="hu-HU" dirty="0" smtClean="0"/>
-              <a:t>: </a:t>
-            </a:r>
-            <a:r>
-              <a:rPr lang="hu-HU" b="1" dirty="0" err="1" smtClean="0"/>
-              <a:t>sentence</a:t>
-            </a:r>
-            <a:r>
-              <a:rPr lang="hu-HU" b="1" dirty="0" smtClean="0"/>
-              <a:t> </a:t>
-            </a:r>
-            <a:r>
-              <a:rPr lang="hu-HU" b="1" dirty="0" err="1" smtClean="0"/>
-              <a:t>segmentation</a:t>
-            </a:r>
-            <a:endParaRPr lang="hu-HU" b="1" dirty="0" smtClean="0"/>
-          </a:p>
-          <a:p>
-            <a:pPr lvl="1"/>
-            <a:r>
-              <a:rPr lang="hu-HU" b="1" dirty="0" err="1" smtClean="0"/>
-              <a:t>tagging</a:t>
-            </a:r>
-            <a:r>
-              <a:rPr lang="hu-HU" b="1" dirty="0" smtClean="0"/>
-              <a:t> </a:t>
-            </a:r>
-            <a:r>
-              <a:rPr lang="hu-HU" dirty="0" err="1" smtClean="0"/>
-              <a:t>certain</a:t>
-            </a:r>
-            <a:r>
-              <a:rPr lang="hu-HU" dirty="0" smtClean="0"/>
-              <a:t> </a:t>
-            </a:r>
-            <a:r>
-              <a:rPr lang="hu-HU" dirty="0" err="1" smtClean="0"/>
-              <a:t>types</a:t>
-            </a:r>
-            <a:r>
-              <a:rPr lang="hu-HU" dirty="0" smtClean="0"/>
-              <a:t> of </a:t>
-            </a:r>
-            <a:r>
-              <a:rPr lang="hu-HU" dirty="0" err="1" smtClean="0"/>
-              <a:t>spans</a:t>
-            </a:r>
-            <a:r>
-              <a:rPr lang="hu-HU" dirty="0" smtClean="0"/>
-              <a:t>, </a:t>
-            </a:r>
-            <a:r>
-              <a:rPr lang="hu-HU" dirty="0" err="1" smtClean="0"/>
-              <a:t>e.g</a:t>
-            </a:r>
-            <a:r>
-              <a:rPr lang="hu-HU" dirty="0" smtClean="0"/>
-              <a:t>. </a:t>
-            </a:r>
-            <a:r>
-              <a:rPr lang="hu-HU" dirty="0" err="1" smtClean="0"/>
-              <a:t>abbreviations</a:t>
-            </a:r>
-            <a:r>
-              <a:rPr lang="hu-HU" dirty="0" smtClean="0"/>
-              <a:t>, </a:t>
-            </a:r>
-            <a:r>
-              <a:rPr lang="hu-HU" dirty="0" err="1" smtClean="0"/>
-              <a:t>acronyms</a:t>
-            </a:r>
-            <a:r>
-              <a:rPr lang="hu-HU" dirty="0" smtClean="0"/>
-              <a:t>, </a:t>
-            </a:r>
-            <a:r>
-              <a:rPr lang="hu-HU" dirty="0" err="1" smtClean="0"/>
-              <a:t>dates</a:t>
-            </a:r>
-            <a:r>
-              <a:rPr lang="hu-HU" dirty="0" smtClean="0"/>
-              <a:t>, </a:t>
-            </a:r>
-            <a:r>
-              <a:rPr lang="hu-HU" dirty="0" err="1" smtClean="0"/>
-              <a:t>times</a:t>
-            </a:r>
-            <a:r>
-              <a:rPr lang="hu-HU" dirty="0" smtClean="0"/>
-              <a:t>, GPS </a:t>
-            </a:r>
-            <a:r>
-              <a:rPr lang="hu-HU" dirty="0" err="1" smtClean="0"/>
-              <a:t>coordinates</a:t>
-            </a:r>
-            <a:r>
-              <a:rPr lang="hu-HU" dirty="0" smtClean="0"/>
-              <a:t>, </a:t>
-            </a:r>
-            <a:r>
-              <a:rPr lang="hu-HU" dirty="0" err="1" smtClean="0"/>
-              <a:t>URLs</a:t>
-            </a:r>
-            <a:r>
-              <a:rPr lang="hu-HU" dirty="0" smtClean="0"/>
-              <a:t>, etc.</a:t>
-            </a:r>
-          </a:p>
-          <a:p>
-            <a:pPr lvl="1"/>
-            <a:r>
-              <a:rPr lang="hu-HU" dirty="0" err="1" smtClean="0"/>
-              <a:t>searching</a:t>
-            </a:r>
-            <a:r>
-              <a:rPr lang="hu-HU" dirty="0" smtClean="0"/>
-              <a:t> </a:t>
-            </a:r>
-            <a:r>
-              <a:rPr lang="hu-HU" dirty="0" err="1" smtClean="0"/>
-              <a:t>for</a:t>
-            </a:r>
-            <a:r>
-              <a:rPr lang="hu-HU" dirty="0" smtClean="0"/>
-              <a:t> </a:t>
-            </a:r>
-            <a:r>
-              <a:rPr lang="hu-HU" dirty="0" err="1" smtClean="0"/>
-              <a:t>patterns</a:t>
-            </a:r>
-            <a:r>
-              <a:rPr lang="hu-HU" dirty="0" smtClean="0"/>
-              <a:t> </a:t>
-            </a:r>
-            <a:r>
-              <a:rPr lang="hu-HU" dirty="0" err="1" smtClean="0"/>
-              <a:t>in</a:t>
-            </a:r>
-            <a:r>
-              <a:rPr lang="hu-HU" dirty="0" smtClean="0"/>
-              <a:t> a text corpus</a:t>
-            </a:r>
-          </a:p>
-          <a:p>
-            <a:r>
-              <a:rPr lang="hu-HU" dirty="0" err="1" smtClean="0"/>
-              <a:t>Matching</a:t>
-            </a:r>
-            <a:r>
-              <a:rPr lang="hu-HU" dirty="0" smtClean="0"/>
-              <a:t> </a:t>
-            </a:r>
-            <a:r>
-              <a:rPr lang="hu-HU" dirty="0" err="1" smtClean="0"/>
-              <a:t>regular</a:t>
-            </a:r>
-            <a:r>
-              <a:rPr lang="hu-HU" dirty="0" smtClean="0"/>
-              <a:t> </a:t>
-            </a:r>
-            <a:r>
-              <a:rPr lang="hu-HU" dirty="0" err="1" smtClean="0"/>
-              <a:t>expressions</a:t>
-            </a:r>
-            <a:r>
-              <a:rPr lang="hu-HU" dirty="0" smtClean="0"/>
-              <a:t> is </a:t>
-            </a:r>
-            <a:r>
-              <a:rPr lang="hu-HU" b="1" dirty="0" err="1" smtClean="0"/>
-              <a:t>extremely</a:t>
-            </a:r>
-            <a:r>
-              <a:rPr lang="hu-HU" b="1" dirty="0" smtClean="0"/>
-              <a:t> </a:t>
-            </a:r>
-            <a:r>
-              <a:rPr lang="hu-HU" b="1" dirty="0" err="1" smtClean="0"/>
-              <a:t>fast</a:t>
-            </a:r>
-            <a:endParaRPr lang="hu-HU" b="1" dirty="0" smtClean="0"/>
-          </a:p>
-          <a:p>
-            <a:pPr lvl="1"/>
-            <a:r>
-              <a:rPr lang="hu-HU" dirty="0" err="1" smtClean="0"/>
-              <a:t>process</a:t>
-            </a:r>
-            <a:r>
-              <a:rPr lang="hu-HU" dirty="0" smtClean="0"/>
-              <a:t> </a:t>
-            </a:r>
-            <a:r>
-              <a:rPr lang="hu-HU" dirty="0" err="1" smtClean="0"/>
-              <a:t>even</a:t>
-            </a:r>
-            <a:r>
-              <a:rPr lang="hu-HU" dirty="0" smtClean="0"/>
-              <a:t> </a:t>
-            </a:r>
-            <a:r>
-              <a:rPr lang="hu-HU" dirty="0" err="1" smtClean="0"/>
-              <a:t>very</a:t>
-            </a:r>
-            <a:r>
-              <a:rPr lang="hu-HU" dirty="0" smtClean="0"/>
-              <a:t> </a:t>
-            </a:r>
-            <a:r>
-              <a:rPr lang="hu-HU" dirty="0" err="1" smtClean="0"/>
-              <a:t>large</a:t>
-            </a:r>
-            <a:r>
-              <a:rPr lang="hu-HU" dirty="0" smtClean="0"/>
-              <a:t> </a:t>
-            </a:r>
-            <a:r>
-              <a:rPr lang="hu-HU" dirty="0" err="1" smtClean="0"/>
-              <a:t>plain-text</a:t>
-            </a:r>
-            <a:r>
-              <a:rPr lang="hu-HU" dirty="0" smtClean="0"/>
-              <a:t> </a:t>
-            </a:r>
-            <a:r>
-              <a:rPr lang="hu-HU" dirty="0" err="1" smtClean="0"/>
-              <a:t>corpora</a:t>
-            </a:r>
-            <a:r>
-              <a:rPr lang="hu-HU" dirty="0" smtClean="0"/>
-              <a:t> (100M+ </a:t>
-            </a:r>
-            <a:r>
-              <a:rPr lang="hu-HU" dirty="0" err="1" smtClean="0"/>
-              <a:t>word</a:t>
-            </a:r>
-            <a:r>
-              <a:rPr lang="hu-HU" dirty="0" smtClean="0"/>
-              <a:t> </a:t>
-            </a:r>
-            <a:r>
-              <a:rPr lang="hu-HU" dirty="0" err="1" smtClean="0"/>
-              <a:t>tokens</a:t>
-            </a:r>
-            <a:r>
-              <a:rPr lang="hu-HU" dirty="0" smtClean="0"/>
+              <a:rPr lang="hu-HU" dirty="0" smtClean="0"/>
+              <a:t>nagyon </a:t>
+            </a:r>
+            <a:r>
+              <a:rPr lang="hu-HU" dirty="0"/>
+              <a:t>nagy </a:t>
+            </a:r>
+            <a:r>
+              <a:rPr lang="hu-HU" dirty="0" smtClean="0"/>
+              <a:t>sima szövegkorpuszokat </a:t>
+            </a:r>
+            <a:r>
+              <a:rPr lang="hu-HU" dirty="0"/>
+              <a:t>(100M+ </a:t>
+            </a:r>
+            <a:r>
+              <a:rPr lang="hu-HU" dirty="0" err="1"/>
+              <a:t>szótoken</a:t>
+            </a:r>
+            <a:r>
+              <a:rPr lang="hu-HU" dirty="0"/>
               <a:t>) </a:t>
             </a:r>
             <a:r>
-              <a:rPr lang="hu-HU" dirty="0" err="1" smtClean="0"/>
-              <a:t>in</a:t>
-            </a:r>
-            <a:r>
-              <a:rPr lang="hu-HU" dirty="0" smtClean="0"/>
-              <a:t> a </a:t>
-            </a:r>
-            <a:r>
-              <a:rPr lang="hu-HU" dirty="0" err="1" smtClean="0"/>
-              <a:t>matter</a:t>
-            </a:r>
-            <a:r>
-              <a:rPr lang="hu-HU" dirty="0" smtClean="0"/>
-              <a:t> of </a:t>
-            </a:r>
-            <a:r>
-              <a:rPr lang="hu-HU" dirty="0" err="1" smtClean="0"/>
-              <a:t>seconds</a:t>
-            </a:r>
-            <a:r>
-              <a:rPr lang="hu-HU" dirty="0" smtClean="0"/>
-              <a:t> </a:t>
-            </a:r>
-            <a:r>
-              <a:rPr lang="hu-HU" dirty="0" err="1" smtClean="0"/>
-              <a:t>as</a:t>
-            </a:r>
-            <a:r>
-              <a:rPr lang="hu-HU" dirty="0" smtClean="0"/>
-              <a:t> most; O(</a:t>
+              <a:rPr lang="hu-HU" dirty="0" smtClean="0"/>
+              <a:t>is másodpercek alatt feldolgoz; O(</a:t>
             </a:r>
             <a:r>
               <a:rPr lang="hu-HU" i="1" dirty="0" smtClean="0"/>
@@ -12395,427 +11083,154 @@
             </a:r>
             <a:r>
               <a:rPr lang="hu-HU" dirty="0" smtClean="0"/>
-              <a:t>), </a:t>
-            </a:r>
-            <a:r>
-              <a:rPr lang="hu-HU" i="1" dirty="0" err="1" smtClean="0"/>
-              <a:t>n</a:t>
-            </a:r>
-            <a:r>
-              <a:rPr lang="hu-HU" dirty="0" smtClean="0"/>
-              <a:t> being </a:t>
-            </a:r>
+              <a:t>), ahol </a:t>
+            </a:r>
+            <a:r>
+              <a:rPr lang="hu-HU" i="1" dirty="0" smtClean="0"/>
+              <a:t>n </a:t>
+            </a:r>
+            <a:r>
+              <a:rPr lang="hu-HU" dirty="0" smtClean="0"/>
+              <a:t>a korpusz hossza karakterekben mérve</a:t>
+            </a:r>
+            <a:endParaRPr lang="hu-HU" dirty="0" smtClean="0"/>
+          </a:p>
+          <a:p>
+            <a:pPr lvl="1"/>
+            <a:r>
+              <a:rPr lang="en-GB" dirty="0" err="1"/>
+              <a:t>párhuzamosítható</a:t>
+            </a:r>
+            <a:r>
+              <a:rPr lang="en-GB" dirty="0"/>
+              <a:t> a </a:t>
+            </a:r>
+            <a:r>
+              <a:rPr lang="en-GB" dirty="0" err="1"/>
+              <a:t>bemenetek</a:t>
+            </a:r>
+            <a:r>
+              <a:rPr lang="en-GB" dirty="0"/>
+              <a:t> </a:t>
+            </a:r>
+            <a:r>
+              <a:rPr lang="en-GB" dirty="0" err="1"/>
+              <a:t>szálak</a:t>
+            </a:r>
+            <a:r>
+              <a:rPr lang="en-GB" dirty="0"/>
+              <a:t> / </a:t>
+            </a:r>
+            <a:r>
+              <a:rPr lang="en-GB" dirty="0" err="1"/>
+              <a:t>magok</a:t>
+            </a:r>
+            <a:r>
+              <a:rPr lang="en-GB" dirty="0"/>
+              <a:t> </a:t>
+            </a:r>
+            <a:r>
+              <a:rPr lang="en-GB" dirty="0" err="1"/>
+              <a:t>közötti</a:t>
+            </a:r>
+            <a:r>
+              <a:rPr lang="en-GB" dirty="0"/>
+              <a:t> </a:t>
+            </a:r>
+            <a:r>
+              <a:rPr lang="en-GB" dirty="0" err="1"/>
+              <a:t>elosztásával</a:t>
+            </a:r>
+            <a:endParaRPr lang="hu-HU" dirty="0" smtClean="0"/>
+          </a:p>
+          <a:p>
+            <a:pPr lvl="1"/>
             <a:r>
               <a:rPr lang="hu-HU" dirty="0" err="1" smtClean="0"/>
-              <a:t>the</a:t>
-            </a:r>
-            <a:r>
-              <a:rPr lang="hu-HU" dirty="0" smtClean="0"/>
-              <a:t> </a:t>
+              <a:t>hash-táblázatban</a:t>
+            </a:r>
+            <a:r>
+              <a:rPr lang="hu-HU" dirty="0" smtClean="0"/>
+              <a:t> tárolt </a:t>
+            </a:r>
+            <a:r>
+              <a:rPr lang="hu-HU" b="1" dirty="0" smtClean="0"/>
+              <a:t>index </a:t>
+            </a:r>
+            <a:r>
+              <a:rPr lang="hu-HU" dirty="0" smtClean="0"/>
+              <a:t>alapján a </a:t>
+            </a:r>
+            <a:r>
+              <a:rPr lang="hu-HU" b="1" dirty="0" smtClean="0"/>
+              <a:t>visszakeresés gyorsabb </a:t>
+            </a:r>
+            <a:r>
+              <a:rPr lang="hu-HU" dirty="0" smtClean="0"/>
+              <a:t>(konstans idejű), de sokkal több előkészítést és nagyon sok tárhelyet igényel</a:t>
+            </a:r>
+          </a:p>
+          <a:p>
+            <a:pPr lvl="2"/>
+            <a:r>
+              <a:rPr lang="hu-HU" dirty="0" smtClean="0"/>
+              <a:t>kérdés, hogy az idő vagy a memória a fontosabb</a:t>
+            </a:r>
+          </a:p>
+          <a:p>
+            <a:r>
+              <a:rPr lang="hu-HU" dirty="0" smtClean="0"/>
+              <a:t>Reguláris kifejezéseket </a:t>
+            </a:r>
+            <a:r>
+              <a:rPr lang="hu-HU" b="1" dirty="0" smtClean="0"/>
+              <a:t>viszonylag könnyű írni</a:t>
+            </a:r>
+            <a:r>
+              <a:rPr lang="hu-HU" dirty="0" smtClean="0"/>
+              <a:t>, de esetenként </a:t>
+            </a:r>
+            <a:r>
+              <a:rPr lang="hu-HU" b="1" dirty="0" smtClean="0"/>
+              <a:t>nagyon nehezen olvashatóak </a:t>
+            </a:r>
+            <a:r>
+              <a:rPr lang="hu-HU" dirty="0" smtClean="0"/>
+              <a:t>és </a:t>
+            </a:r>
+            <a:r>
+              <a:rPr lang="hu-HU" b="1" dirty="0" smtClean="0"/>
+              <a:t>nehéz hibát keresni bennük</a:t>
+            </a:r>
+            <a:r>
+              <a:rPr lang="hu-HU" dirty="0" smtClean="0"/>
+              <a:t>, </a:t>
+            </a:r>
+            <a:r>
+              <a:rPr lang="hu-HU" dirty="0"/>
+              <a:t>ezért általában </a:t>
+            </a:r>
+            <a:r>
+              <a:rPr lang="hu-HU" dirty="0" smtClean="0"/>
+              <a:t>érdemes egy </a:t>
+            </a:r>
+            <a:r>
+              <a:rPr lang="hu-HU" dirty="0"/>
+              <a:t>WYSIWYG </a:t>
             </a:r>
             <a:r>
               <a:rPr lang="hu-HU" dirty="0" err="1" smtClean="0"/>
-              <a:t>length</a:t>
-            </a:r>
-            <a:r>
-              <a:rPr lang="hu-HU" dirty="0" smtClean="0"/>
-              <a:t> of </a:t>
-            </a:r>
-            <a:r>
-              <a:rPr lang="hu-HU" dirty="0" err="1" smtClean="0"/>
-              <a:t>the</a:t>
-            </a:r>
-            <a:r>
-              <a:rPr lang="hu-HU" dirty="0" smtClean="0"/>
-              <a:t> corpus</a:t>
-            </a:r>
-          </a:p>
-          <a:p>
-            <a:pPr lvl="1"/>
-            <a:r>
-              <a:rPr lang="hu-HU" dirty="0" err="1" smtClean="0"/>
-              <a:t>can</a:t>
-            </a:r>
-            <a:r>
-              <a:rPr lang="hu-HU" dirty="0" smtClean="0"/>
-              <a:t> be </a:t>
-            </a:r>
-            <a:r>
-              <a:rPr lang="hu-HU" dirty="0" err="1" smtClean="0"/>
-              <a:t>parallelised</a:t>
-            </a:r>
-            <a:r>
-              <a:rPr lang="hu-HU" dirty="0" smtClean="0"/>
-              <a:t> </a:t>
-            </a:r>
-            <a:r>
-              <a:rPr lang="hu-HU" dirty="0" err="1" smtClean="0"/>
-              <a:t>by</a:t>
-            </a:r>
-            <a:r>
-              <a:rPr lang="hu-HU" dirty="0" smtClean="0"/>
-              <a:t> </a:t>
-            </a:r>
-            <a:r>
-              <a:rPr lang="hu-HU" dirty="0" err="1" smtClean="0"/>
-              <a:t>distributing</a:t>
-            </a:r>
-            <a:r>
-              <a:rPr lang="hu-HU" dirty="0" smtClean="0"/>
-              <a:t> </a:t>
-            </a:r>
-            <a:r>
-              <a:rPr lang="hu-HU" dirty="0" err="1" smtClean="0"/>
-              <a:t>inputs</a:t>
-            </a:r>
-            <a:r>
-              <a:rPr lang="hu-HU" dirty="0" smtClean="0"/>
-              <a:t> </a:t>
-            </a:r>
-            <a:r>
-              <a:rPr lang="hu-HU" dirty="0" err="1" smtClean="0"/>
-              <a:t>between</a:t>
-            </a:r>
-            <a:r>
-              <a:rPr lang="hu-HU" dirty="0" smtClean="0"/>
-              <a:t> </a:t>
-            </a:r>
-            <a:r>
-              <a:rPr lang="hu-HU" dirty="0" err="1" smtClean="0"/>
-              <a:t>threads</a:t>
-            </a:r>
-            <a:r>
-              <a:rPr lang="hu-HU" dirty="0" smtClean="0"/>
-              <a:t> / </a:t>
-            </a:r>
-            <a:r>
-              <a:rPr lang="hu-HU" dirty="0" err="1" smtClean="0"/>
-              <a:t>cores</a:t>
-            </a:r>
-            <a:endParaRPr lang="hu-HU" dirty="0" smtClean="0"/>
-          </a:p>
-          <a:p>
-            <a:pPr lvl="1"/>
-            <a:r>
-              <a:rPr lang="hu-HU" dirty="0" err="1" smtClean="0"/>
-              <a:t>retrieval</a:t>
-            </a:r>
-            <a:r>
-              <a:rPr lang="hu-HU" dirty="0" smtClean="0"/>
-              <a:t> </a:t>
-            </a:r>
-            <a:r>
-              <a:rPr lang="hu-HU" dirty="0" err="1" smtClean="0"/>
-              <a:t>using</a:t>
-            </a:r>
-            <a:r>
-              <a:rPr lang="hu-HU" dirty="0" smtClean="0"/>
-              <a:t> a </a:t>
-            </a:r>
-            <a:r>
-              <a:rPr lang="hu-HU" dirty="0" err="1" smtClean="0"/>
-              <a:t>hash-table-based</a:t>
-            </a:r>
-            <a:r>
-              <a:rPr lang="hu-HU" dirty="0" smtClean="0"/>
-              <a:t> </a:t>
-            </a:r>
-            <a:r>
-              <a:rPr lang="hu-HU" b="1" dirty="0" smtClean="0"/>
-              <a:t>index is </a:t>
-            </a:r>
-            <a:r>
-              <a:rPr lang="hu-HU" b="1" dirty="0" err="1" smtClean="0"/>
-              <a:t>faster</a:t>
-            </a:r>
-            <a:r>
-              <a:rPr lang="hu-HU" b="1" dirty="0" smtClean="0"/>
-              <a:t> </a:t>
-            </a:r>
-            <a:r>
-              <a:rPr lang="hu-HU" dirty="0" smtClean="0"/>
-              <a:t>(</a:t>
-            </a:r>
-            <a:r>
-              <a:rPr lang="hu-HU" dirty="0" err="1" smtClean="0"/>
-              <a:t>constant</a:t>
-            </a:r>
-            <a:r>
-              <a:rPr lang="hu-HU" dirty="0" smtClean="0"/>
-              <a:t> </a:t>
-            </a:r>
-            <a:r>
-              <a:rPr lang="hu-HU" dirty="0" err="1" smtClean="0"/>
-              <a:t>time</a:t>
-            </a:r>
-            <a:r>
-              <a:rPr lang="hu-HU" dirty="0" smtClean="0"/>
-              <a:t>), </a:t>
-            </a:r>
-            <a:r>
-              <a:rPr lang="hu-HU" dirty="0" err="1" smtClean="0"/>
-              <a:t>but</a:t>
-            </a:r>
-            <a:r>
-              <a:rPr lang="hu-HU" dirty="0" smtClean="0"/>
-              <a:t> </a:t>
-            </a:r>
-            <a:r>
-              <a:rPr lang="hu-HU" dirty="0" err="1" smtClean="0"/>
-              <a:t>requires</a:t>
-            </a:r>
-            <a:r>
-              <a:rPr lang="hu-HU" dirty="0" smtClean="0"/>
-              <a:t> far more </a:t>
-            </a:r>
-            <a:r>
-              <a:rPr lang="hu-HU" dirty="0" err="1" smtClean="0"/>
-              <a:t>preparation</a:t>
-            </a:r>
-            <a:r>
-              <a:rPr lang="hu-HU" dirty="0" smtClean="0"/>
-              <a:t> and a </a:t>
-            </a:r>
-            <a:r>
-              <a:rPr lang="hu-HU" dirty="0" err="1" smtClean="0"/>
-              <a:t>lot</a:t>
-            </a:r>
-            <a:r>
-              <a:rPr lang="hu-HU" dirty="0" smtClean="0"/>
-              <a:t> of </a:t>
-            </a:r>
-            <a:r>
-              <a:rPr lang="hu-HU" dirty="0" err="1" smtClean="0"/>
-              <a:t>storage</a:t>
-            </a:r>
-            <a:r>
-              <a:rPr lang="hu-HU" dirty="0" smtClean="0"/>
-              <a:t> </a:t>
-            </a:r>
-            <a:r>
-              <a:rPr lang="hu-HU" dirty="0" err="1" smtClean="0"/>
-              <a:t>space</a:t>
-            </a:r>
-            <a:endParaRPr lang="hu-HU" dirty="0" smtClean="0"/>
-          </a:p>
-          <a:p>
-            <a:pPr lvl="2"/>
-            <a:r>
-              <a:rPr lang="hu-HU" dirty="0" err="1" smtClean="0"/>
-              <a:t>time</a:t>
-            </a:r>
-            <a:r>
-              <a:rPr lang="hu-HU" dirty="0" smtClean="0"/>
-              <a:t> vs. </a:t>
-            </a:r>
-            <a:r>
-              <a:rPr lang="hu-HU" dirty="0" err="1" smtClean="0"/>
-              <a:t>memory</a:t>
-            </a:r>
-            <a:r>
-              <a:rPr lang="hu-HU" dirty="0" smtClean="0"/>
-              <a:t> / </a:t>
-            </a:r>
-            <a:r>
-              <a:rPr lang="hu-HU" dirty="0" err="1" smtClean="0"/>
-              <a:t>storage</a:t>
-            </a:r>
-            <a:r>
-              <a:rPr lang="hu-HU" dirty="0" smtClean="0"/>
-              <a:t> </a:t>
-            </a:r>
-            <a:r>
-              <a:rPr lang="hu-HU" dirty="0" err="1" smtClean="0"/>
-              <a:t>tradeoff</a:t>
-            </a:r>
-            <a:endParaRPr lang="hu-HU" dirty="0" smtClean="0"/>
-          </a:p>
-          <a:p>
-            <a:r>
-              <a:rPr lang="hu-HU" dirty="0" err="1" smtClean="0"/>
-              <a:t>Regular</a:t>
-            </a:r>
-            <a:r>
-              <a:rPr lang="hu-HU" dirty="0" smtClean="0"/>
-              <a:t> </a:t>
-            </a:r>
-            <a:r>
-              <a:rPr lang="hu-HU" dirty="0" err="1" smtClean="0"/>
-              <a:t>expressions</a:t>
-            </a:r>
-            <a:r>
-              <a:rPr lang="hu-HU" dirty="0" smtClean="0"/>
-              <a:t> </a:t>
-            </a:r>
-            <a:r>
-              <a:rPr lang="hu-HU" dirty="0" err="1" smtClean="0"/>
-              <a:t>are</a:t>
-            </a:r>
-            <a:r>
-              <a:rPr lang="hu-HU" dirty="0" smtClean="0"/>
-              <a:t> </a:t>
-            </a:r>
-            <a:r>
-              <a:rPr lang="hu-HU" b="1" dirty="0" err="1" smtClean="0"/>
-              <a:t>relatively</a:t>
-            </a:r>
-            <a:r>
-              <a:rPr lang="hu-HU" b="1" dirty="0" smtClean="0"/>
-              <a:t> </a:t>
-            </a:r>
-            <a:r>
-              <a:rPr lang="hu-HU" b="1" dirty="0" err="1" smtClean="0"/>
-              <a:t>easy</a:t>
-            </a:r>
-            <a:r>
-              <a:rPr lang="hu-HU" b="1" dirty="0" smtClean="0"/>
-              <a:t> </a:t>
-            </a:r>
-            <a:r>
-              <a:rPr lang="hu-HU" b="1" dirty="0" err="1" smtClean="0"/>
-              <a:t>to</a:t>
-            </a:r>
-            <a:r>
-              <a:rPr lang="hu-HU" b="1" dirty="0" smtClean="0"/>
-              <a:t> </a:t>
-            </a:r>
-            <a:r>
-              <a:rPr lang="hu-HU" b="1" dirty="0" err="1" smtClean="0"/>
-              <a:t>write</a:t>
-            </a:r>
-            <a:r>
-              <a:rPr lang="hu-HU" b="1" dirty="0" smtClean="0"/>
-              <a:t> </a:t>
-            </a:r>
-            <a:r>
-              <a:rPr lang="hu-HU" dirty="0" err="1" smtClean="0"/>
-              <a:t>but</a:t>
-            </a:r>
-            <a:r>
-              <a:rPr lang="hu-HU" dirty="0" smtClean="0"/>
-              <a:t> </a:t>
-            </a:r>
-            <a:r>
-              <a:rPr lang="hu-HU" dirty="0" err="1" smtClean="0"/>
-              <a:t>can</a:t>
-            </a:r>
-            <a:r>
-              <a:rPr lang="hu-HU" dirty="0" smtClean="0"/>
-              <a:t> be </a:t>
-            </a:r>
-            <a:r>
-              <a:rPr lang="hu-HU" b="1" dirty="0" err="1" smtClean="0"/>
-              <a:t>very</a:t>
-            </a:r>
-            <a:r>
-              <a:rPr lang="hu-HU" b="1" dirty="0" smtClean="0"/>
-              <a:t> </a:t>
-            </a:r>
-            <a:r>
-              <a:rPr lang="hu-HU" b="1" dirty="0" err="1" smtClean="0"/>
-              <a:t>hard</a:t>
-            </a:r>
-            <a:r>
-              <a:rPr lang="hu-HU" b="1" dirty="0" smtClean="0"/>
-              <a:t> </a:t>
-            </a:r>
-            <a:r>
-              <a:rPr lang="hu-HU" b="1" dirty="0" err="1" smtClean="0"/>
-              <a:t>to</a:t>
-            </a:r>
-            <a:r>
-              <a:rPr lang="hu-HU" b="1" dirty="0" smtClean="0"/>
-              <a:t> </a:t>
-            </a:r>
-            <a:r>
-              <a:rPr lang="hu-HU" b="1" dirty="0" err="1" smtClean="0"/>
-              <a:t>read</a:t>
-            </a:r>
-            <a:r>
-              <a:rPr lang="hu-HU" b="1" dirty="0" smtClean="0"/>
-              <a:t> and </a:t>
-            </a:r>
-            <a:r>
-              <a:rPr lang="hu-HU" b="1" dirty="0" err="1" smtClean="0"/>
-              <a:t>to</a:t>
-            </a:r>
-            <a:r>
-              <a:rPr lang="hu-HU" b="1" dirty="0" smtClean="0"/>
-              <a:t> </a:t>
-            </a:r>
-            <a:r>
-              <a:rPr lang="hu-HU" b="1" dirty="0" err="1" smtClean="0"/>
-              <a:t>debug</a:t>
-            </a:r>
-            <a:r>
-              <a:rPr lang="hu-HU" dirty="0" smtClean="0"/>
-              <a:t>, </a:t>
-            </a:r>
-            <a:r>
-              <a:rPr lang="hu-HU" dirty="0" err="1" smtClean="0"/>
-              <a:t>using</a:t>
-            </a:r>
-            <a:r>
-              <a:rPr lang="hu-HU" dirty="0" smtClean="0"/>
-              <a:t> a WYSIWYG </a:t>
-            </a:r>
-            <a:r>
-              <a:rPr lang="hu-HU" dirty="0" err="1" smtClean="0"/>
-              <a:t>regex</a:t>
-            </a:r>
-            <a:r>
-              <a:rPr lang="hu-HU" dirty="0" smtClean="0"/>
-              <a:t> </a:t>
-            </a:r>
-            <a:r>
-              <a:rPr lang="hu-HU" dirty="0" err="1" smtClean="0"/>
-              <a:t>evaluation</a:t>
-            </a:r>
-            <a:r>
-              <a:rPr lang="hu-HU" dirty="0" smtClean="0"/>
-              <a:t> </a:t>
-            </a:r>
-            <a:r>
-              <a:rPr lang="hu-HU" dirty="0" err="1" smtClean="0"/>
-              <a:t>tool</a:t>
-            </a:r>
-            <a:r>
-              <a:rPr lang="hu-HU" dirty="0" smtClean="0"/>
-              <a:t> </a:t>
-            </a:r>
-            <a:r>
-              <a:rPr lang="hu-HU" dirty="0" err="1" smtClean="0"/>
-              <a:t>like</a:t>
-            </a:r>
-            <a:r>
-              <a:rPr lang="hu-HU" dirty="0" smtClean="0"/>
-              <a:t> </a:t>
+              <a:t>regexkiértékelő</a:t>
+            </a:r>
+            <a:r>
+              <a:rPr lang="hu-HU" dirty="0" smtClean="0"/>
+              <a:t> eszközt használni, mint amilyen a </a:t>
             </a:r>
             <a:r>
               <a:rPr lang="hu-HU" dirty="0" err="1" smtClean="0"/>
               <a:t>regexr</a:t>
             </a:r>
-            <a:r>
-              <a:rPr lang="hu-HU" dirty="0" smtClean="0"/>
-              <a:t> is </a:t>
-            </a:r>
-            <a:r>
-              <a:rPr lang="hu-HU" dirty="0" err="1" smtClean="0"/>
-              <a:t>generally</a:t>
-            </a:r>
-            <a:r>
-              <a:rPr lang="hu-HU" dirty="0" smtClean="0"/>
-              <a:t> a </a:t>
-            </a:r>
-            <a:r>
-              <a:rPr lang="hu-HU" dirty="0" err="1" smtClean="0"/>
-              <a:t>good</a:t>
-            </a:r>
-            <a:r>
-              <a:rPr lang="hu-HU" dirty="0" smtClean="0"/>
-              <a:t> idea.</a:t>
-            </a:r>
-            <a:endParaRPr lang="en-GB" dirty="0"/>
+            <a:endParaRPr lang="hu-HU" dirty="0"/>
           </a:p>
         </p:txBody>
       </p:sp>
@@ -12902,383 +11317,238 @@
         <p:spPr/>
         <p:txBody>
           <a:bodyPr>
-            <a:normAutofit fontScale="62500" lnSpcReduction="20000"/>
+            <a:normAutofit fontScale="55000" lnSpcReduction="20000"/>
           </a:bodyPr>
           <a:lstStyle/>
           <a:p>
             <a:r>
+              <a:rPr lang="hu-HU" dirty="0" smtClean="0"/>
+              <a:t>A Python beépített </a:t>
+            </a:r>
+            <a:r>
+              <a:rPr lang="hu-HU" dirty="0" smtClean="0">
+                <a:latin typeface="Courier New" panose="02070309020205020404" pitchFamily="49" charset="0"/>
+                <a:cs typeface="Courier New" panose="02070309020205020404" pitchFamily="49" charset="0"/>
+              </a:rPr>
+              <a:t>re</a:t>
+            </a:r>
+            <a:r>
+              <a:rPr lang="hu-HU" dirty="0" smtClean="0"/>
+              <a:t> könyvtára a legfontosabb eszköz, illetve ennek harmadik féltől származó, sokkal több funkciót kínáló kiterjesztése, a </a:t>
+            </a:r>
+            <a:r>
+              <a:rPr lang="hu-HU" dirty="0" err="1" smtClean="0">
+                <a:latin typeface="Courier New" panose="02070309020205020404" pitchFamily="49" charset="0"/>
+                <a:cs typeface="Courier New" panose="02070309020205020404" pitchFamily="49" charset="0"/>
+              </a:rPr>
+              <a:t>regex</a:t>
+            </a:r>
+            <a:r>
+              <a:rPr lang="hu-HU" dirty="0" smtClean="0">
+                <a:latin typeface="Courier New" panose="02070309020205020404" pitchFamily="49" charset="0"/>
+                <a:cs typeface="Courier New" panose="02070309020205020404" pitchFamily="49" charset="0"/>
+              </a:rPr>
+              <a:t> </a:t>
+            </a:r>
+            <a:r>
+              <a:rPr lang="hu-HU" dirty="0" smtClean="0"/>
+              <a:t>könyvtár; az interfészük megegyezik</a:t>
+            </a:r>
+          </a:p>
+          <a:p>
+            <a:pPr lvl="1"/>
+            <a:r>
+              <a:rPr lang="hu-HU" b="1" dirty="0" smtClean="0"/>
+              <a:t>nagyon </a:t>
+            </a:r>
+            <a:r>
+              <a:rPr lang="en-GB" b="1" dirty="0" err="1" smtClean="0"/>
+              <a:t>gyors</a:t>
+            </a:r>
+            <a:r>
+              <a:rPr lang="en-GB" dirty="0"/>
+              <a:t>, </a:t>
+            </a:r>
+            <a:r>
+              <a:rPr lang="hu-HU" dirty="0" smtClean="0"/>
+              <a:t>erőteljesen</a:t>
+            </a:r>
+            <a:r>
+              <a:rPr lang="en-GB" dirty="0" smtClean="0"/>
+              <a:t> </a:t>
+            </a:r>
+            <a:r>
+              <a:rPr lang="en-GB" b="1" dirty="0" err="1"/>
+              <a:t>optimalizált</a:t>
+            </a:r>
+            <a:r>
+              <a:rPr lang="en-GB" dirty="0"/>
+              <a:t> </a:t>
+            </a:r>
+            <a:r>
+              <a:rPr lang="hu-HU" dirty="0" smtClean="0"/>
+              <a:t>implementáció</a:t>
+            </a:r>
+            <a:r>
+              <a:rPr lang="en-GB" dirty="0" smtClean="0"/>
+              <a:t>, </a:t>
+            </a:r>
+            <a:r>
+              <a:rPr lang="en-GB" dirty="0"/>
+              <a:t>a </a:t>
+            </a:r>
+            <a:r>
+              <a:rPr lang="en-GB" dirty="0" err="1" smtClean="0"/>
+              <a:t>regexmint</a:t>
+            </a:r>
+            <a:r>
+              <a:rPr lang="hu-HU" dirty="0" smtClean="0"/>
+              <a:t>át</a:t>
+            </a:r>
+            <a:r>
+              <a:rPr lang="en-GB" dirty="0" smtClean="0"/>
+              <a:t> </a:t>
+            </a:r>
+            <a:r>
+              <a:rPr lang="en-GB" b="1" dirty="0" err="1"/>
+              <a:t>egyszer</a:t>
+            </a:r>
+            <a:r>
+              <a:rPr lang="en-GB" b="1" dirty="0"/>
+              <a:t> </a:t>
+            </a:r>
+            <a:r>
+              <a:rPr lang="en-GB" dirty="0" err="1" smtClean="0"/>
+              <a:t>fordít</a:t>
+            </a:r>
+            <a:r>
+              <a:rPr lang="hu-HU" dirty="0" smtClean="0"/>
+              <a:t>ja</a:t>
+            </a:r>
+            <a:r>
+              <a:rPr lang="en-GB" dirty="0" smtClean="0"/>
+              <a:t> </a:t>
+            </a:r>
+            <a:r>
+              <a:rPr lang="hu-HU" dirty="0" smtClean="0"/>
+              <a:t>le </a:t>
+            </a:r>
+            <a:r>
+              <a:rPr lang="en-GB" dirty="0" err="1" smtClean="0"/>
+              <a:t>egy</a:t>
+            </a:r>
+            <a:r>
+              <a:rPr lang="en-GB" dirty="0" smtClean="0"/>
+              <a:t> </a:t>
+            </a:r>
+            <a:r>
+              <a:rPr lang="en-GB" dirty="0" err="1"/>
+              <a:t>gépi</a:t>
+            </a:r>
+            <a:r>
+              <a:rPr lang="hu-HU" dirty="0"/>
+              <a:t> </a:t>
+            </a:r>
+            <a:r>
+              <a:rPr lang="en-GB" dirty="0" err="1"/>
+              <a:t>kód</a:t>
+            </a:r>
+            <a:r>
+              <a:rPr lang="hu-HU" dirty="0" err="1"/>
+              <a:t>ban</a:t>
+            </a:r>
+            <a:r>
+              <a:rPr lang="hu-HU" dirty="0"/>
+              <a:t> implementált </a:t>
+            </a:r>
+            <a:r>
+              <a:rPr lang="en-GB" dirty="0" err="1" smtClean="0"/>
+              <a:t>véges</a:t>
+            </a:r>
+            <a:r>
+              <a:rPr lang="en-GB" dirty="0" smtClean="0"/>
+              <a:t> </a:t>
+            </a:r>
+            <a:r>
+              <a:rPr lang="hu-HU" dirty="0" smtClean="0"/>
+              <a:t>automatává</a:t>
+            </a:r>
+            <a:r>
+              <a:rPr lang="en-GB" dirty="0" smtClean="0"/>
+              <a:t>, </a:t>
+            </a:r>
+            <a:r>
+              <a:rPr lang="en-GB" dirty="0" err="1"/>
+              <a:t>ezt</a:t>
+            </a:r>
+            <a:r>
+              <a:rPr lang="en-GB" dirty="0"/>
+              <a:t> </a:t>
+            </a:r>
+            <a:r>
+              <a:rPr lang="hu-HU" dirty="0" smtClean="0"/>
+              <a:t>a lefordított részprogramot utána a </a:t>
+            </a:r>
+            <a:r>
               <a:rPr lang="hu-HU" dirty="0" err="1" smtClean="0"/>
-              <a:t>Regular</a:t>
-            </a:r>
-            <a:r>
-              <a:rPr lang="hu-HU" dirty="0" smtClean="0"/>
-              <a:t> </a:t>
-            </a:r>
-            <a:r>
-              <a:rPr lang="hu-HU" dirty="0" err="1" smtClean="0"/>
-              <a:t>expressions</a:t>
-            </a:r>
-            <a:r>
-              <a:rPr lang="hu-HU" dirty="0" smtClean="0"/>
-              <a:t> </a:t>
-            </a:r>
-            <a:r>
-              <a:rPr lang="hu-HU" dirty="0" err="1" smtClean="0"/>
-              <a:t>in</a:t>
-            </a:r>
-            <a:r>
-              <a:rPr lang="hu-HU" dirty="0" smtClean="0"/>
-              <a:t> Python:</a:t>
-            </a:r>
+              <a:t>regexmotor</a:t>
+            </a:r>
+            <a:r>
+              <a:rPr lang="hu-HU" dirty="0" smtClean="0"/>
+              <a:t> egy </a:t>
+            </a:r>
+            <a:r>
+              <a:rPr lang="en-GB" b="1" dirty="0" err="1" smtClean="0"/>
+              <a:t>gyorsítótárban</a:t>
+            </a:r>
+            <a:r>
+              <a:rPr lang="en-GB" b="1" dirty="0" smtClean="0"/>
+              <a:t> </a:t>
+            </a:r>
+            <a:r>
+              <a:rPr lang="en-GB" dirty="0" err="1" smtClean="0"/>
+              <a:t>tárolja</a:t>
+            </a:r>
+            <a:r>
+              <a:rPr lang="en-GB" dirty="0" smtClean="0"/>
+              <a:t> </a:t>
+            </a:r>
+            <a:r>
+              <a:rPr lang="en-GB" dirty="0"/>
+              <a:t>a </a:t>
+            </a:r>
+            <a:r>
+              <a:rPr lang="en-GB" dirty="0" err="1" smtClean="0"/>
+              <a:t>memóriában</a:t>
+            </a:r>
+            <a:endParaRPr lang="hu-HU" dirty="0" smtClean="0"/>
           </a:p>
           <a:p>
             <a:pPr lvl="1"/>
             <a:r>
-              <a:rPr lang="hu-HU" dirty="0" err="1" smtClean="0"/>
-              <a:t>also</a:t>
-            </a:r>
-            <a:r>
-              <a:rPr lang="hu-HU" dirty="0" smtClean="0"/>
-              <a:t> </a:t>
-            </a:r>
-            <a:r>
-              <a:rPr lang="hu-HU" dirty="0" err="1" smtClean="0"/>
-              <a:t>very</a:t>
-            </a:r>
-            <a:r>
-              <a:rPr lang="hu-HU" dirty="0" smtClean="0"/>
-              <a:t> </a:t>
-            </a:r>
-            <a:r>
-              <a:rPr lang="hu-HU" dirty="0" err="1" smtClean="0"/>
-              <a:t>fast</a:t>
-            </a:r>
-            <a:r>
-              <a:rPr lang="hu-HU" dirty="0" smtClean="0"/>
-              <a:t>, </a:t>
-            </a:r>
-            <a:r>
-              <a:rPr lang="hu-HU" dirty="0" err="1" smtClean="0"/>
-              <a:t>highly</a:t>
-            </a:r>
-            <a:r>
-              <a:rPr lang="hu-HU" dirty="0" smtClean="0"/>
-              <a:t> </a:t>
-            </a:r>
-            <a:r>
-              <a:rPr lang="hu-HU" dirty="0" err="1" smtClean="0"/>
-              <a:t>optimised</a:t>
-            </a:r>
-            <a:r>
-              <a:rPr lang="hu-HU" dirty="0" smtClean="0"/>
-              <a:t> </a:t>
-            </a:r>
-            <a:r>
-              <a:rPr lang="hu-HU" dirty="0" err="1" smtClean="0"/>
-              <a:t>implementation</a:t>
-            </a:r>
-            <a:r>
-              <a:rPr lang="hu-HU" dirty="0" smtClean="0"/>
-              <a:t>, </a:t>
-            </a:r>
-            <a:r>
-              <a:rPr lang="hu-HU" dirty="0" err="1" smtClean="0"/>
-              <a:t>the</a:t>
-            </a:r>
-            <a:r>
-              <a:rPr lang="hu-HU" dirty="0" smtClean="0"/>
-              <a:t> </a:t>
-            </a:r>
-            <a:r>
-              <a:rPr lang="hu-HU" dirty="0" err="1" smtClean="0"/>
-              <a:t>regex</a:t>
-            </a:r>
-            <a:r>
-              <a:rPr lang="hu-HU" dirty="0" smtClean="0"/>
-              <a:t> </a:t>
-            </a:r>
-            <a:r>
-              <a:rPr lang="hu-HU" dirty="0" err="1" smtClean="0"/>
-              <a:t>pattern</a:t>
-            </a:r>
-            <a:r>
-              <a:rPr lang="hu-HU" dirty="0" smtClean="0"/>
-              <a:t> is </a:t>
-            </a:r>
-            <a:r>
-              <a:rPr lang="hu-HU" dirty="0" err="1" smtClean="0"/>
-              <a:t>compiled</a:t>
-            </a:r>
-            <a:r>
-              <a:rPr lang="hu-HU" dirty="0" smtClean="0"/>
-              <a:t> </a:t>
-            </a:r>
-            <a:r>
-              <a:rPr lang="hu-HU" b="1" dirty="0" err="1" smtClean="0"/>
-              <a:t>once</a:t>
-            </a:r>
-            <a:r>
-              <a:rPr lang="hu-HU" b="1" dirty="0" smtClean="0"/>
-              <a:t> </a:t>
-            </a:r>
-            <a:r>
-              <a:rPr lang="hu-HU" dirty="0" err="1" smtClean="0"/>
-              <a:t>into</a:t>
-            </a:r>
-            <a:r>
-              <a:rPr lang="hu-HU" dirty="0" smtClean="0"/>
-              <a:t> a </a:t>
-            </a:r>
-            <a:r>
-              <a:rPr lang="hu-HU" dirty="0" err="1" smtClean="0"/>
-              <a:t>finite-state</a:t>
-            </a:r>
-            <a:r>
-              <a:rPr lang="hu-HU" dirty="0" smtClean="0"/>
-              <a:t> </a:t>
-            </a:r>
-            <a:r>
-              <a:rPr lang="hu-HU" dirty="0" err="1" smtClean="0"/>
-              <a:t>machine</a:t>
-            </a:r>
-            <a:r>
-              <a:rPr lang="hu-HU" dirty="0" smtClean="0"/>
-              <a:t> </a:t>
-            </a:r>
-            <a:r>
-              <a:rPr lang="hu-HU" dirty="0" err="1" smtClean="0"/>
-              <a:t>in</a:t>
-            </a:r>
-            <a:r>
-              <a:rPr lang="hu-HU" dirty="0" smtClean="0"/>
-              <a:t> </a:t>
-            </a:r>
-            <a:r>
-              <a:rPr lang="hu-HU" dirty="0" err="1" smtClean="0"/>
-              <a:t>the</a:t>
-            </a:r>
-            <a:r>
-              <a:rPr lang="hu-HU" dirty="0" smtClean="0"/>
-              <a:t> </a:t>
-            </a:r>
-            <a:r>
-              <a:rPr lang="hu-HU" dirty="0" err="1" smtClean="0"/>
-              <a:t>form</a:t>
-            </a:r>
-            <a:r>
-              <a:rPr lang="hu-HU" dirty="0" smtClean="0"/>
-              <a:t> of </a:t>
-            </a:r>
-            <a:r>
-              <a:rPr lang="hu-HU" dirty="0" err="1" smtClean="0"/>
-              <a:t>machine</a:t>
-            </a:r>
-            <a:r>
-              <a:rPr lang="hu-HU" dirty="0" smtClean="0"/>
-              <a:t> </a:t>
-            </a:r>
-            <a:r>
-              <a:rPr lang="hu-HU" dirty="0" err="1" smtClean="0"/>
-              <a:t>code</a:t>
-            </a:r>
-            <a:r>
-              <a:rPr lang="hu-HU" dirty="0" smtClean="0"/>
-              <a:t>, </a:t>
-            </a:r>
-            <a:r>
-              <a:rPr lang="hu-HU" dirty="0" err="1" smtClean="0"/>
-              <a:t>this</a:t>
-            </a:r>
-            <a:r>
-              <a:rPr lang="hu-HU" dirty="0" smtClean="0"/>
-              <a:t> </a:t>
-            </a:r>
-            <a:r>
-              <a:rPr lang="hu-HU" dirty="0" err="1" smtClean="0"/>
-              <a:t>machine</a:t>
-            </a:r>
-            <a:r>
-              <a:rPr lang="hu-HU" dirty="0" smtClean="0"/>
-              <a:t> is </a:t>
-            </a:r>
-            <a:r>
-              <a:rPr lang="hu-HU" dirty="0" err="1" smtClean="0"/>
-              <a:t>then</a:t>
-            </a:r>
-            <a:r>
-              <a:rPr lang="hu-HU" dirty="0" smtClean="0"/>
-              <a:t> </a:t>
-            </a:r>
-            <a:r>
-              <a:rPr lang="hu-HU" dirty="0" err="1" smtClean="0"/>
-              <a:t>cached</a:t>
-            </a:r>
-            <a:r>
-              <a:rPr lang="hu-HU" dirty="0" smtClean="0"/>
-              <a:t> </a:t>
-            </a:r>
-            <a:r>
-              <a:rPr lang="hu-HU" dirty="0" err="1" smtClean="0"/>
-              <a:t>by</a:t>
-            </a:r>
-            <a:r>
-              <a:rPr lang="hu-HU" dirty="0" smtClean="0"/>
-              <a:t> </a:t>
-            </a:r>
-            <a:r>
-              <a:rPr lang="hu-HU" dirty="0" err="1" smtClean="0"/>
-              <a:t>the</a:t>
-            </a:r>
-            <a:r>
-              <a:rPr lang="hu-HU" dirty="0" smtClean="0"/>
-              <a:t> </a:t>
-            </a:r>
-            <a:r>
-              <a:rPr lang="hu-HU" dirty="0" err="1" smtClean="0"/>
-              <a:t>regex</a:t>
-            </a:r>
-            <a:r>
-              <a:rPr lang="hu-HU" dirty="0" smtClean="0"/>
-              <a:t> </a:t>
-            </a:r>
-            <a:r>
-              <a:rPr lang="hu-HU" dirty="0" err="1" smtClean="0"/>
-              <a:t>engine</a:t>
-            </a:r>
-            <a:r>
-              <a:rPr lang="hu-HU" dirty="0" smtClean="0"/>
-              <a:t> </a:t>
-            </a:r>
-            <a:r>
-              <a:rPr lang="hu-HU" dirty="0" err="1" smtClean="0"/>
-              <a:t>in</a:t>
-            </a:r>
-            <a:r>
-              <a:rPr lang="hu-HU" dirty="0" smtClean="0"/>
-              <a:t> </a:t>
-            </a:r>
-            <a:r>
-              <a:rPr lang="hu-HU" dirty="0" err="1" smtClean="0"/>
-              <a:t>memory</a:t>
-            </a:r>
-            <a:endParaRPr lang="hu-HU" dirty="0" smtClean="0"/>
-          </a:p>
-          <a:p>
-            <a:pPr lvl="1"/>
-            <a:r>
-              <a:rPr lang="hu-HU" dirty="0" err="1" smtClean="0"/>
-              <a:t>two</a:t>
-            </a:r>
-            <a:r>
-              <a:rPr lang="hu-HU" dirty="0" smtClean="0"/>
-              <a:t> </a:t>
-            </a:r>
-            <a:r>
-              <a:rPr lang="hu-HU" dirty="0" err="1" smtClean="0"/>
-              <a:t>interface</a:t>
-            </a:r>
-            <a:r>
-              <a:rPr lang="hu-HU" dirty="0" smtClean="0"/>
-              <a:t> </a:t>
-            </a:r>
-            <a:r>
-              <a:rPr lang="hu-HU" dirty="0" err="1" smtClean="0"/>
-              <a:t>styles</a:t>
-            </a:r>
-            <a:r>
-              <a:rPr lang="hu-HU" dirty="0" smtClean="0"/>
-              <a:t>, </a:t>
-            </a:r>
-            <a:r>
-              <a:rPr lang="hu-HU" dirty="0" err="1" smtClean="0"/>
-              <a:t>same</a:t>
-            </a:r>
-            <a:r>
-              <a:rPr lang="hu-HU" dirty="0" smtClean="0"/>
-              <a:t> </a:t>
-            </a:r>
-            <a:r>
-              <a:rPr lang="hu-HU" dirty="0" err="1" smtClean="0"/>
-              <a:t>names</a:t>
-            </a:r>
-            <a:r>
-              <a:rPr lang="hu-HU" dirty="0" smtClean="0"/>
-              <a:t> and </a:t>
-            </a:r>
-            <a:r>
-              <a:rPr lang="hu-HU" dirty="0" err="1" smtClean="0"/>
-              <a:t>arguments</a:t>
-            </a:r>
-            <a:r>
-              <a:rPr lang="hu-HU" dirty="0" smtClean="0"/>
-              <a:t>:</a:t>
+              <a:rPr lang="hu-HU" dirty="0" smtClean="0"/>
+              <a:t>két interfészstílus, azonos nevekkel és argumentumokkal:</a:t>
             </a:r>
           </a:p>
           <a:p>
             <a:pPr lvl="2"/>
             <a:r>
-              <a:rPr lang="hu-HU" dirty="0" err="1" smtClean="0"/>
-              <a:t>function</a:t>
-            </a:r>
-            <a:endParaRPr lang="hu-HU" dirty="0" smtClean="0"/>
+              <a:rPr lang="hu-HU" dirty="0" smtClean="0"/>
+              <a:t>függvény</a:t>
+            </a:r>
           </a:p>
           <a:p>
             <a:pPr lvl="2"/>
             <a:r>
-              <a:rPr lang="hu-HU" dirty="0" err="1" smtClean="0"/>
-              <a:t>object</a:t>
-            </a:r>
-            <a:r>
-              <a:rPr lang="hu-HU" dirty="0" smtClean="0"/>
-              <a:t> </a:t>
-            </a:r>
-            <a:r>
-              <a:rPr lang="hu-HU" dirty="0" err="1" smtClean="0"/>
-              <a:t>method</a:t>
-            </a:r>
-            <a:endParaRPr lang="hu-HU" dirty="0" smtClean="0"/>
+              <a:rPr lang="hu-HU" dirty="0" smtClean="0"/>
+              <a:t>objektummetódus</a:t>
+            </a:r>
           </a:p>
           <a:p>
             <a:pPr lvl="2"/>
             <a:r>
-              <a:rPr lang="hu-HU" dirty="0" err="1" smtClean="0"/>
-              <a:t>gratuitous</a:t>
-            </a:r>
-            <a:r>
-              <a:rPr lang="hu-HU" dirty="0" smtClean="0"/>
-              <a:t> </a:t>
-            </a:r>
-            <a:r>
-              <a:rPr lang="hu-HU" dirty="0" err="1" smtClean="0"/>
-              <a:t>synonymy</a:t>
-            </a:r>
-            <a:r>
-              <a:rPr lang="hu-HU" dirty="0" smtClean="0"/>
-              <a:t>, </a:t>
-            </a:r>
-            <a:r>
-              <a:rPr lang="hu-HU" dirty="0" err="1" smtClean="0"/>
-              <a:t>contrary</a:t>
-            </a:r>
-            <a:r>
-              <a:rPr lang="hu-HU" dirty="0" smtClean="0"/>
-              <a:t> </a:t>
-            </a:r>
-            <a:r>
-              <a:rPr lang="hu-HU" dirty="0" err="1" smtClean="0"/>
-              <a:t>to</a:t>
-            </a:r>
-            <a:r>
-              <a:rPr lang="hu-HU" dirty="0" smtClean="0"/>
-              <a:t> </a:t>
-            </a:r>
-            <a:r>
-              <a:rPr lang="hu-HU" dirty="0" err="1" smtClean="0"/>
-              <a:t>the</a:t>
-            </a:r>
-            <a:r>
-              <a:rPr lang="hu-HU" dirty="0" smtClean="0"/>
-              <a:t> Zen of Python: „</a:t>
+              <a:rPr lang="hu-HU" dirty="0" smtClean="0"/>
+              <a:t>felesleges szinonímia, ellentétek a Python zenjével: „</a:t>
             </a:r>
             <a:r>
               <a:rPr lang="en-GB" dirty="0" smtClean="0"/>
@@ -13332,163 +11602,79 @@
           <a:p>
             <a:pPr lvl="1"/>
             <a:r>
+              <a:rPr lang="en-GB" dirty="0"/>
+              <a:t>a </a:t>
+            </a:r>
+            <a:r>
+              <a:rPr lang="en-GB" dirty="0" err="1" smtClean="0"/>
+              <a:t>minták</a:t>
+            </a:r>
+            <a:r>
               <a:rPr lang="hu-HU" dirty="0" err="1" smtClean="0"/>
-              <a:t>patterns</a:t>
-            </a:r>
-            <a:r>
-              <a:rPr lang="hu-HU" dirty="0" smtClean="0"/>
-              <a:t> </a:t>
+              <a:t>at</a:t>
+            </a:r>
+            <a:r>
+              <a:rPr lang="en-GB" dirty="0" smtClean="0"/>
+              <a:t> </a:t>
+            </a:r>
+            <a:r>
+              <a:rPr lang="en-GB" dirty="0" err="1"/>
+              <a:t>normál</a:t>
+            </a:r>
+            <a:r>
+              <a:rPr lang="en-GB" dirty="0"/>
+              <a:t> </a:t>
+            </a:r>
+            <a:r>
+              <a:rPr lang="en-GB" dirty="0" smtClean="0"/>
+              <a:t>s</a:t>
+            </a:r>
+            <a:r>
+              <a:rPr lang="hu-HU" dirty="0" smtClean="0"/>
+              <a:t>z</a:t>
+            </a:r>
+            <a:r>
+              <a:rPr lang="en-GB" dirty="0" err="1" smtClean="0"/>
+              <a:t>tringként</a:t>
+            </a:r>
+            <a:r>
+              <a:rPr lang="en-GB" dirty="0" smtClean="0"/>
+              <a:t> </a:t>
+            </a:r>
+            <a:r>
+              <a:rPr lang="hu-HU" dirty="0" smtClean="0"/>
+              <a:t>adjuk át, vagy </a:t>
+            </a:r>
+            <a:r>
+              <a:rPr lang="hu-HU" b="1" i="1" dirty="0"/>
+              <a:t>r</a:t>
+            </a:r>
+            <a:r>
+              <a:rPr lang="hu-HU" dirty="0"/>
+              <a:t> előtaggal </a:t>
             </a:r>
             <a:r>
               <a:rPr lang="hu-HU" dirty="0" err="1" smtClean="0"/>
-              <a:t>are</a:t>
-            </a:r>
-            <a:r>
-              <a:rPr lang="hu-HU" dirty="0" smtClean="0"/>
-              <a:t> </a:t>
+              <a:t>regexmintaként</a:t>
+            </a:r>
+            <a:r>
+              <a:rPr lang="hu-HU" dirty="0" smtClean="0"/>
+              <a:t> </a:t>
+            </a:r>
+            <a:r>
+              <a:rPr lang="hu-HU" dirty="0"/>
+              <a:t>megjelölt </a:t>
             </a:r>
             <a:r>
               <a:rPr lang="hu-HU" dirty="0" err="1" smtClean="0"/>
-              <a:t>passed</a:t>
-            </a:r>
-            <a:r>
-              <a:rPr lang="hu-HU" dirty="0" smtClean="0"/>
-              <a:t> </a:t>
-            </a:r>
-            <a:r>
-              <a:rPr lang="hu-HU" dirty="0" err="1" smtClean="0"/>
-              <a:t>as</a:t>
-            </a:r>
-            <a:r>
-              <a:rPr lang="hu-HU" dirty="0" smtClean="0"/>
-              <a:t> a </a:t>
-            </a:r>
-            <a:r>
-              <a:rPr lang="hu-HU" dirty="0" err="1" smtClean="0"/>
-              <a:t>normal</a:t>
-            </a:r>
-            <a:r>
-              <a:rPr lang="hu-HU" dirty="0" smtClean="0"/>
-              <a:t> </a:t>
-            </a:r>
-            <a:r>
-              <a:rPr lang="hu-HU" dirty="0" err="1" smtClean="0"/>
-              <a:t>string</a:t>
-            </a:r>
-            <a:r>
-              <a:rPr lang="hu-HU" dirty="0" smtClean="0"/>
-              <a:t> </a:t>
-            </a:r>
-            <a:r>
-              <a:rPr lang="hu-HU" dirty="0" err="1" smtClean="0"/>
-              <a:t>or</a:t>
-            </a:r>
-            <a:r>
-              <a:rPr lang="hu-HU" dirty="0" smtClean="0"/>
-              <a:t>, </a:t>
-            </a:r>
-            <a:r>
-              <a:rPr lang="hu-HU" dirty="0" err="1" smtClean="0"/>
-              <a:t>alternatively</a:t>
-            </a:r>
-            <a:r>
-              <a:rPr lang="hu-HU" dirty="0" smtClean="0"/>
-              <a:t>, </a:t>
-            </a:r>
-            <a:r>
-              <a:rPr lang="hu-HU" dirty="0" err="1" smtClean="0"/>
-              <a:t>a</a:t>
-            </a:r>
-            <a:r>
-              <a:rPr lang="hu-HU" dirty="0" smtClean="0"/>
-              <a:t> </a:t>
-            </a:r>
-            <a:r>
-              <a:rPr lang="hu-HU" dirty="0" err="1" smtClean="0"/>
-              <a:t>string</a:t>
-            </a:r>
-            <a:r>
-              <a:rPr lang="hu-HU" dirty="0" smtClean="0"/>
-              <a:t> </a:t>
-            </a:r>
-            <a:r>
-              <a:rPr lang="hu-HU" dirty="0" err="1" smtClean="0"/>
-              <a:t>marked</a:t>
-            </a:r>
-            <a:r>
-              <a:rPr lang="hu-HU" dirty="0" smtClean="0"/>
-              <a:t> </a:t>
-            </a:r>
-            <a:r>
-              <a:rPr lang="hu-HU" dirty="0" err="1" smtClean="0"/>
-              <a:t>as</a:t>
-            </a:r>
-            <a:r>
-              <a:rPr lang="hu-HU" dirty="0" smtClean="0"/>
-              <a:t> </a:t>
-            </a:r>
-            <a:r>
-              <a:rPr lang="hu-HU" dirty="0" err="1" smtClean="0"/>
-              <a:t>a</a:t>
-            </a:r>
-            <a:r>
-              <a:rPr lang="hu-HU" dirty="0" smtClean="0"/>
-              <a:t> </a:t>
-            </a:r>
-            <a:r>
-              <a:rPr lang="hu-HU" dirty="0" err="1" smtClean="0"/>
-              <a:t>regex</a:t>
-            </a:r>
-            <a:r>
-              <a:rPr lang="hu-HU" dirty="0" smtClean="0"/>
-              <a:t> </a:t>
-            </a:r>
-            <a:r>
-              <a:rPr lang="hu-HU" dirty="0" err="1" smtClean="0"/>
-              <a:t>pattern</a:t>
-            </a:r>
-            <a:r>
-              <a:rPr lang="hu-HU" dirty="0" smtClean="0"/>
-              <a:t> </a:t>
-            </a:r>
-            <a:r>
-              <a:rPr lang="hu-HU" dirty="0" err="1" smtClean="0"/>
-              <a:t>by</a:t>
-            </a:r>
-            <a:r>
-              <a:rPr lang="hu-HU" dirty="0" smtClean="0"/>
-              <a:t> </a:t>
-            </a:r>
-            <a:r>
-              <a:rPr lang="hu-HU" dirty="0" err="1" smtClean="0"/>
-              <a:t>the</a:t>
-            </a:r>
-            <a:r>
-              <a:rPr lang="hu-HU" dirty="0" smtClean="0"/>
-              <a:t> </a:t>
-            </a:r>
-            <a:r>
-              <a:rPr lang="hu-HU" b="1" dirty="0" err="1" smtClean="0"/>
-              <a:t>prefix</a:t>
-            </a:r>
-            <a:r>
-              <a:rPr lang="hu-HU" b="1" dirty="0" smtClean="0"/>
-              <a:t> </a:t>
-            </a:r>
-            <a:r>
-              <a:rPr lang="hu-HU" b="1" i="1" dirty="0" smtClean="0"/>
-              <a:t>r</a:t>
-            </a:r>
-            <a:r>
-              <a:rPr lang="hu-HU" b="1" dirty="0"/>
-              <a:t>:</a:t>
+              <a:t>sztringként</a:t>
             </a:r>
             <a:r>
               <a:rPr lang="hu-HU" dirty="0"/>
-              <a:t> </a:t>
-            </a:r>
-            <a:r>
-              <a:rPr lang="hu-HU" dirty="0" err="1">
+              <a:t>: </a:t>
+            </a:r>
+            <a:r>
+              <a:rPr lang="hu-HU" dirty="0" smtClean="0">
                 <a:latin typeface="Courier New" panose="02070309020205020404" pitchFamily="49" charset="0"/>
                 <a:cs typeface="Courier New" panose="02070309020205020404" pitchFamily="49" charset="0"/>
               </a:rPr>
@@ -13523,403 +11709,172 @@
           <a:p>
             <a:pPr lvl="2"/>
             <a:r>
-              <a:rPr lang="hu-HU" dirty="0" err="1"/>
-              <a:t>T</a:t>
-            </a:r>
-            <a:r>
-              <a:rPr lang="hu-HU" dirty="0" err="1" smtClean="0"/>
-              <a:t>his</a:t>
-            </a:r>
-            <a:r>
-              <a:rPr lang="hu-HU" dirty="0" smtClean="0"/>
-              <a:t> is </a:t>
-            </a:r>
-            <a:r>
-              <a:rPr lang="hu-HU" dirty="0" err="1" smtClean="0"/>
-              <a:t>important</a:t>
-            </a:r>
-            <a:r>
-              <a:rPr lang="hu-HU" dirty="0" smtClean="0"/>
-              <a:t> </a:t>
-            </a:r>
-            <a:r>
-              <a:rPr lang="hu-HU" dirty="0" err="1" smtClean="0"/>
-              <a:t>if</a:t>
-            </a:r>
-            <a:r>
-              <a:rPr lang="hu-HU" dirty="0" smtClean="0"/>
-              <a:t> </a:t>
-            </a:r>
-            <a:r>
-              <a:rPr lang="hu-HU" dirty="0" err="1" smtClean="0"/>
-              <a:t>the</a:t>
-            </a:r>
-            <a:r>
-              <a:rPr lang="hu-HU" dirty="0" smtClean="0"/>
-              <a:t> </a:t>
-            </a:r>
-            <a:r>
-              <a:rPr lang="hu-HU" dirty="0" err="1" smtClean="0"/>
-              <a:t>pattern</a:t>
-            </a:r>
-            <a:r>
-              <a:rPr lang="hu-HU" dirty="0" smtClean="0"/>
-              <a:t> </a:t>
-            </a:r>
-            <a:r>
-              <a:rPr lang="hu-HU" dirty="0" err="1" smtClean="0"/>
-              <a:t>contains</a:t>
+              <a:rPr lang="en-GB" dirty="0" err="1"/>
+              <a:t>Ez</a:t>
+            </a:r>
+            <a:r>
+              <a:rPr lang="en-GB" dirty="0"/>
+              <a:t> </a:t>
+            </a:r>
+            <a:r>
+              <a:rPr lang="hu-HU" dirty="0" smtClean="0"/>
+              <a:t>akkor </a:t>
+            </a:r>
+            <a:r>
+              <a:rPr lang="en-GB" dirty="0" err="1" smtClean="0"/>
+              <a:t>fontos</a:t>
+            </a:r>
+            <a:r>
+              <a:rPr lang="en-GB" dirty="0"/>
+              <a:t>, ha a </a:t>
+            </a:r>
+            <a:r>
+              <a:rPr lang="en-GB" dirty="0" err="1"/>
+              <a:t>minta</a:t>
+            </a:r>
+            <a:r>
+              <a:rPr lang="en-GB" dirty="0"/>
+              <a:t> </a:t>
+            </a:r>
+            <a:r>
+              <a:rPr lang="en-GB" dirty="0" err="1"/>
+              <a:t>olyan</a:t>
+            </a:r>
+            <a:r>
+              <a:rPr lang="en-GB" dirty="0"/>
+              <a:t> </a:t>
+            </a:r>
+            <a:r>
+              <a:rPr lang="en-GB" b="1" dirty="0" err="1" smtClean="0"/>
+              <a:t>regexspecifikus</a:t>
+            </a:r>
+            <a:r>
+              <a:rPr lang="en-GB" b="1" dirty="0" smtClean="0"/>
+              <a:t> escape</a:t>
+            </a:r>
+            <a:r>
+              <a:rPr lang="hu-HU" b="1" dirty="0" smtClean="0"/>
+              <a:t>-</a:t>
+            </a:r>
+            <a:r>
+              <a:rPr lang="en-GB" b="1" dirty="0" err="1" smtClean="0"/>
+              <a:t>szekvenciát</a:t>
+            </a:r>
+            <a:r>
+              <a:rPr lang="en-GB" dirty="0" smtClean="0"/>
+              <a:t> </a:t>
+            </a:r>
+            <a:r>
+              <a:rPr lang="en-GB" dirty="0" err="1"/>
+              <a:t>tartalmaz</a:t>
+            </a:r>
+            <a:r>
+              <a:rPr lang="en-GB" dirty="0"/>
+              <a:t>, </a:t>
+            </a:r>
+            <a:r>
+              <a:rPr lang="hu-HU" dirty="0" smtClean="0"/>
+              <a:t>amely </a:t>
+            </a:r>
+            <a:r>
+              <a:rPr lang="en-GB" dirty="0" err="1" smtClean="0"/>
+              <a:t>nincsenek</a:t>
+            </a:r>
+            <a:r>
+              <a:rPr lang="en-GB" dirty="0" smtClean="0"/>
+              <a:t> </a:t>
+            </a:r>
+            <a:r>
+              <a:rPr lang="en-GB" dirty="0" err="1"/>
+              <a:t>definiálva</a:t>
+            </a:r>
+            <a:r>
+              <a:rPr lang="en-GB" dirty="0"/>
+              <a:t> a Python </a:t>
+            </a:r>
+            <a:r>
+              <a:rPr lang="en-GB" dirty="0" smtClean="0"/>
+              <a:t>s</a:t>
+            </a:r>
+            <a:r>
+              <a:rPr lang="hu-HU" dirty="0" smtClean="0"/>
+              <a:t>z</a:t>
+            </a:r>
+            <a:r>
+              <a:rPr lang="en-GB" dirty="0" err="1" smtClean="0"/>
+              <a:t>tringek</a:t>
+            </a:r>
+            <a:r>
+              <a:rPr lang="hu-HU" dirty="0" smtClean="0"/>
+              <a:t>re; </a:t>
             </a:r>
             <a:r>
               <a:rPr lang="hu-HU" dirty="0"/>
-              <a:t> a </a:t>
-            </a:r>
-            <a:r>
-              <a:rPr lang="hu-HU" b="1" dirty="0" err="1"/>
-              <a:t>regex-specific</a:t>
-            </a:r>
-            <a:r>
-              <a:rPr lang="hu-HU" b="1" dirty="0"/>
-              <a:t> </a:t>
-            </a:r>
-            <a:r>
-              <a:rPr lang="hu-HU" b="1" dirty="0" err="1" smtClean="0"/>
-              <a:t>escape</a:t>
-            </a:r>
-            <a:r>
-              <a:rPr lang="hu-HU" b="1" dirty="0" smtClean="0"/>
-              <a:t> </a:t>
-            </a:r>
-            <a:r>
-              <a:rPr lang="hu-HU" b="1" dirty="0" err="1" smtClean="0"/>
-              <a:t>sequence</a:t>
-            </a:r>
-            <a:r>
-              <a:rPr lang="hu-HU" b="1" dirty="0" smtClean="0"/>
-              <a:t> </a:t>
-            </a:r>
-            <a:r>
-              <a:rPr lang="hu-HU" dirty="0" err="1" smtClean="0"/>
-              <a:t>like</a:t>
-            </a:r>
-            <a:r>
-              <a:rPr lang="hu-HU" dirty="0" smtClean="0"/>
-              <a:t> </a:t>
-            </a:r>
-            <a:r>
-              <a:rPr lang="hu-HU" dirty="0" err="1" smtClean="0"/>
-              <a:t>these</a:t>
-            </a:r>
-            <a:r>
-              <a:rPr lang="hu-HU" dirty="0" smtClean="0"/>
-              <a:t> </a:t>
-            </a:r>
-            <a:r>
-              <a:rPr lang="hu-HU" dirty="0" err="1" smtClean="0"/>
-              <a:t>that</a:t>
-            </a:r>
-            <a:r>
-              <a:rPr lang="hu-HU" dirty="0" smtClean="0"/>
-              <a:t> </a:t>
-            </a:r>
-            <a:r>
-              <a:rPr lang="hu-HU" dirty="0" err="1" smtClean="0"/>
-              <a:t>are</a:t>
-            </a:r>
-            <a:r>
-              <a:rPr lang="hu-HU" dirty="0" smtClean="0"/>
-              <a:t> </a:t>
-            </a:r>
-            <a:r>
-              <a:rPr lang="hu-HU" dirty="0" err="1" smtClean="0"/>
-              <a:t>not</a:t>
-            </a:r>
-            <a:r>
-              <a:rPr lang="hu-HU" dirty="0" smtClean="0"/>
-              <a:t> </a:t>
-            </a:r>
-            <a:r>
-              <a:rPr lang="hu-HU" dirty="0" err="1" smtClean="0"/>
-              <a:t>defined</a:t>
-            </a:r>
-            <a:r>
-              <a:rPr lang="hu-HU" dirty="0" smtClean="0"/>
-              <a:t> </a:t>
-            </a:r>
-            <a:r>
-              <a:rPr lang="hu-HU" dirty="0" err="1" smtClean="0"/>
-              <a:t>for</a:t>
-            </a:r>
-            <a:r>
-              <a:rPr lang="hu-HU" dirty="0" smtClean="0"/>
-              <a:t> Python </a:t>
-            </a:r>
-            <a:r>
-              <a:rPr lang="hu-HU" dirty="0" err="1" smtClean="0"/>
-              <a:t>strings</a:t>
-            </a:r>
-            <a:r>
-              <a:rPr lang="hu-HU" dirty="0" smtClean="0"/>
-              <a:t>; </a:t>
-            </a:r>
-            <a:r>
-              <a:rPr lang="hu-HU" dirty="0" err="1" smtClean="0"/>
-              <a:t>leaving</a:t>
-            </a:r>
-            <a:r>
-              <a:rPr lang="hu-HU" dirty="0" smtClean="0"/>
-              <a:t> out </a:t>
-            </a:r>
-            <a:r>
-              <a:rPr lang="hu-HU" dirty="0" err="1" smtClean="0"/>
-              <a:t>the</a:t>
-            </a:r>
-            <a:r>
-              <a:rPr lang="hu-HU" dirty="0" smtClean="0"/>
-              <a:t> </a:t>
+              <a:t>más esetekben </a:t>
             </a:r>
             <a:r>
               <a:rPr lang="hu-HU" i="1" dirty="0" smtClean="0"/>
               <a:t>r </a:t>
             </a:r>
             <a:r>
+              <a:rPr lang="hu-HU" dirty="0" smtClean="0"/>
+              <a:t>előtag </a:t>
+            </a:r>
+            <a:r>
+              <a:rPr lang="hu-HU" dirty="0"/>
+              <a:t>elhagyása nem vált ki </a:t>
+            </a:r>
+            <a:r>
+              <a:rPr lang="hu-HU" dirty="0" smtClean="0"/>
+              <a:t>hibát és nem okoz gondot, de az átláthatóság kedvéért ilyen esetekben is ajánlott a minta elé tenni az </a:t>
+            </a:r>
+            <a:r>
+              <a:rPr lang="hu-HU" i="1" dirty="0" smtClean="0"/>
+              <a:t>r</a:t>
+            </a:r>
+            <a:r>
+              <a:rPr lang="hu-HU" dirty="0" smtClean="0"/>
+              <a:t>-t</a:t>
+            </a:r>
+            <a:endParaRPr lang="hu-HU" dirty="0"/>
+          </a:p>
+          <a:p>
+            <a:pPr lvl="1"/>
+            <a:r>
+              <a:rPr lang="hu-HU" b="1" dirty="0" smtClean="0"/>
+              <a:t>az említett bináris paramétereket </a:t>
+            </a:r>
+            <a:r>
+              <a:rPr lang="hu-HU" dirty="0"/>
+              <a:t>a </a:t>
+            </a:r>
+            <a:r>
               <a:rPr lang="hu-HU" dirty="0" err="1" smtClean="0"/>
-              <a:t>prefix</a:t>
-            </a:r>
-            <a:r>
-              <a:rPr lang="hu-HU" dirty="0" smtClean="0"/>
-              <a:t> </a:t>
+              <a:t>regexmetódusok</a:t>
+            </a:r>
+            <a:r>
+              <a:rPr lang="hu-HU" dirty="0" smtClean="0"/>
+              <a:t> </a:t>
+            </a:r>
+            <a:r>
+              <a:rPr lang="hu-HU" dirty="0"/>
+              <a:t>vagy </a:t>
             </a:r>
             <a:r>
               <a:rPr lang="hu-HU" dirty="0" err="1" smtClean="0"/>
-              <a:t>doesn</a:t>
-            </a:r>
-            <a:r>
-              <a:rPr lang="hu-HU" dirty="0" smtClean="0"/>
-              <a:t>’t </a:t>
-            </a:r>
-            <a:r>
-              <a:rPr lang="hu-HU" dirty="0" err="1" smtClean="0"/>
-              <a:t>trigger</a:t>
-            </a:r>
-            <a:r>
-              <a:rPr lang="hu-HU" dirty="0" smtClean="0"/>
-              <a:t> </a:t>
-            </a:r>
-            <a:r>
-              <a:rPr lang="hu-HU" dirty="0" err="1" smtClean="0"/>
-              <a:t>any</a:t>
-            </a:r>
-            <a:r>
-              <a:rPr lang="hu-HU" dirty="0" smtClean="0"/>
-              <a:t> </a:t>
-            </a:r>
-            <a:r>
-              <a:rPr lang="hu-HU" dirty="0" err="1" smtClean="0"/>
-              <a:t>errors</a:t>
-            </a:r>
-            <a:r>
-              <a:rPr lang="hu-HU" dirty="0" smtClean="0"/>
-              <a:t> </a:t>
-            </a:r>
-            <a:r>
-              <a:rPr lang="hu-HU" dirty="0" err="1" smtClean="0"/>
-              <a:t>or</a:t>
-            </a:r>
-            <a:r>
-              <a:rPr lang="hu-HU" dirty="0" smtClean="0"/>
-              <a:t> </a:t>
-            </a:r>
-            <a:r>
-              <a:rPr lang="hu-HU" dirty="0" err="1" smtClean="0"/>
-              <a:t>cause</a:t>
-            </a:r>
-            <a:r>
-              <a:rPr lang="hu-HU" dirty="0" smtClean="0"/>
-              <a:t> </a:t>
-            </a:r>
-            <a:r>
-              <a:rPr lang="hu-HU" dirty="0" err="1" smtClean="0"/>
-              <a:t>problems</a:t>
-            </a:r>
-            <a:r>
-              <a:rPr lang="hu-HU" dirty="0" smtClean="0"/>
-              <a:t> </a:t>
-            </a:r>
-            <a:r>
-              <a:rPr lang="hu-HU" dirty="0" err="1" smtClean="0"/>
-              <a:t>with</a:t>
-            </a:r>
-            <a:r>
-              <a:rPr lang="hu-HU" dirty="0" smtClean="0"/>
-              <a:t> </a:t>
-            </a:r>
-            <a:r>
-              <a:rPr lang="hu-HU" dirty="0" err="1" smtClean="0"/>
-              <a:t>other</a:t>
-            </a:r>
-            <a:r>
-              <a:rPr lang="hu-HU" dirty="0" smtClean="0"/>
-              <a:t> </a:t>
-            </a:r>
-            <a:r>
-              <a:rPr lang="hu-HU" dirty="0" err="1" smtClean="0"/>
-              <a:t>patterns</a:t>
-            </a:r>
-            <a:r>
-              <a:rPr lang="hu-HU" dirty="0" smtClean="0"/>
-              <a:t>, </a:t>
-            </a:r>
-            <a:r>
-              <a:rPr lang="hu-HU" dirty="0" err="1" smtClean="0"/>
-              <a:t>but</a:t>
-            </a:r>
-            <a:r>
-              <a:rPr lang="hu-HU" dirty="0" smtClean="0"/>
-              <a:t> </a:t>
-            </a:r>
-            <a:r>
-              <a:rPr lang="hu-HU" dirty="0" err="1" smtClean="0"/>
-              <a:t>adding</a:t>
-            </a:r>
-            <a:r>
-              <a:rPr lang="hu-HU" dirty="0" smtClean="0"/>
-              <a:t> </a:t>
-            </a:r>
-            <a:r>
-              <a:rPr lang="hu-HU" i="1" dirty="0" smtClean="0"/>
-              <a:t>r </a:t>
-            </a:r>
-            <a:r>
-              <a:rPr lang="hu-HU" dirty="0" smtClean="0"/>
-              <a:t>is </a:t>
-            </a:r>
-            <a:r>
-              <a:rPr lang="hu-HU" dirty="0" err="1" smtClean="0"/>
-              <a:t>still</a:t>
-            </a:r>
-            <a:r>
-              <a:rPr lang="hu-HU" dirty="0" smtClean="0"/>
-              <a:t> </a:t>
-            </a:r>
-            <a:r>
-              <a:rPr lang="hu-HU" dirty="0" err="1" smtClean="0"/>
-              <a:t>good</a:t>
-            </a:r>
-            <a:r>
-              <a:rPr lang="hu-HU" dirty="0" smtClean="0"/>
-              <a:t> </a:t>
-            </a:r>
-            <a:r>
-              <a:rPr lang="hu-HU" dirty="0" err="1" smtClean="0"/>
-              <a:t>practice</a:t>
-            </a:r>
-            <a:r>
-              <a:rPr lang="hu-HU" dirty="0" smtClean="0"/>
-              <a:t> </a:t>
-            </a:r>
-            <a:r>
-              <a:rPr lang="hu-HU" dirty="0" err="1" smtClean="0"/>
-              <a:t>for</a:t>
-            </a:r>
-            <a:r>
-              <a:rPr lang="hu-HU" dirty="0" smtClean="0"/>
-              <a:t> </a:t>
-            </a:r>
-            <a:r>
-              <a:rPr lang="hu-HU" dirty="0" err="1" smtClean="0"/>
-              <a:t>clarity</a:t>
-            </a:r>
-            <a:r>
-              <a:rPr lang="hu-HU" dirty="0" smtClean="0"/>
-              <a:t>.</a:t>
-            </a:r>
-          </a:p>
-          <a:p>
-            <a:pPr lvl="1"/>
-            <a:r>
-              <a:rPr lang="hu-HU" b="1" dirty="0" err="1" smtClean="0"/>
-              <a:t>flags</a:t>
+              <a:t>-függvények</a:t>
+            </a:r>
+            <a:r>
+              <a:rPr lang="hu-HU" dirty="0" smtClean="0"/>
+              <a:t> </a:t>
             </a:r>
             <a:r>
               <a:rPr lang="hu-HU" b="1" dirty="0" smtClean="0"/>
-              <a:t> </a:t>
-            </a:r>
-            <a:r>
-              <a:rPr lang="hu-HU" b="1" dirty="0" err="1" smtClean="0"/>
-              <a:t>are</a:t>
-            </a:r>
-            <a:r>
-              <a:rPr lang="hu-HU" b="1" dirty="0" smtClean="0"/>
-              <a:t> </a:t>
-            </a:r>
-            <a:r>
-              <a:rPr lang="hu-HU" b="1" dirty="0" err="1" smtClean="0"/>
-              <a:t>passed</a:t>
-            </a:r>
-            <a:r>
-              <a:rPr lang="hu-HU" b="1" dirty="0" smtClean="0"/>
-              <a:t> </a:t>
-            </a:r>
-            <a:r>
-              <a:rPr lang="hu-HU" b="1" dirty="0" err="1" smtClean="0"/>
-              <a:t>as</a:t>
-            </a:r>
-            <a:r>
-              <a:rPr lang="hu-HU" b="1" dirty="0" smtClean="0"/>
-              <a:t> </a:t>
-            </a:r>
-            <a:r>
-              <a:rPr lang="hu-HU" b="1" dirty="0" err="1" smtClean="0"/>
-              <a:t>arguments</a:t>
-            </a:r>
-            <a:r>
-              <a:rPr lang="hu-HU" b="1" dirty="0" smtClean="0"/>
-              <a:t> </a:t>
-            </a:r>
-            <a:r>
-              <a:rPr lang="hu-HU" dirty="0" smtClean="0"/>
-              <a:t>of </a:t>
-            </a:r>
-            <a:r>
-              <a:rPr lang="hu-HU" dirty="0" err="1" smtClean="0"/>
-              <a:t>the</a:t>
-            </a:r>
-            <a:r>
-              <a:rPr lang="hu-HU" dirty="0" smtClean="0"/>
-              <a:t> </a:t>
-            </a:r>
-            <a:r>
-              <a:rPr lang="hu-HU" dirty="0" err="1" smtClean="0"/>
-              <a:t>regex</a:t>
-            </a:r>
-            <a:r>
-              <a:rPr lang="hu-HU" dirty="0" smtClean="0"/>
-              <a:t> </a:t>
-            </a:r>
-            <a:r>
-              <a:rPr lang="hu-HU" dirty="0" err="1" smtClean="0"/>
-              <a:t>methods</a:t>
-            </a:r>
-            <a:r>
-              <a:rPr lang="hu-HU" dirty="0" smtClean="0"/>
-              <a:t> </a:t>
-            </a:r>
-            <a:r>
-              <a:rPr lang="hu-HU" dirty="0" err="1" smtClean="0"/>
-              <a:t>or</a:t>
-            </a:r>
-            <a:r>
-              <a:rPr lang="hu-HU" dirty="0" smtClean="0"/>
-              <a:t> </a:t>
-            </a:r>
-            <a:r>
-              <a:rPr lang="hu-HU" dirty="0" err="1" smtClean="0"/>
-              <a:t>functions</a:t>
-            </a:r>
-            <a:r>
-              <a:rPr lang="hu-HU" dirty="0" smtClean="0"/>
-              <a:t>: </a:t>
+              <a:t>argumentumaként</a:t>
+            </a:r>
+            <a:r>
+              <a:rPr lang="hu-HU" dirty="0" smtClean="0"/>
+              <a:t> adjuk át: </a:t>
             </a:r>
             <a:r>
               <a:rPr lang="hu-HU" dirty="0" err="1" smtClean="0">
@@ -13965,32 +11920,16 @@
               <a:t>(</a:t>
             </a:r>
             <a:r>
-              <a:rPr lang="hu-HU" b="1" dirty="0" err="1" smtClean="0"/>
-              <a:t>same</a:t>
+              <a:rPr lang="hu-HU" b="1" dirty="0"/>
+              <a:t>ugyanaz a betű, nagybetűvel</a:t>
+            </a:r>
+            <a:r>
+              <a:rPr lang="hu-HU" dirty="0" smtClean="0"/>
+              <a:t>), </a:t>
             </a:r>
             <a:r>
               <a:rPr lang="hu-HU" b="1" dirty="0" smtClean="0"/>
-              <a:t> </a:t>
-            </a:r>
-            <a:r>
-              <a:rPr lang="hu-HU" b="1" dirty="0" err="1" smtClean="0"/>
-              <a:t>letter</a:t>
-            </a:r>
-            <a:r>
-              <a:rPr lang="hu-HU" b="1" dirty="0" smtClean="0"/>
-              <a:t>, </a:t>
-            </a:r>
-            <a:r>
-              <a:rPr lang="hu-HU" b="1" dirty="0" err="1" smtClean="0"/>
-              <a:t>uppercase</a:t>
-            </a:r>
-            <a:r>
-              <a:rPr lang="hu-HU" dirty="0" smtClean="0"/>
-              <a:t>), </a:t>
-            </a:r>
-            <a:r>
-              <a:rPr lang="hu-HU" b="1" dirty="0" smtClean="0"/>
-              <a:t>no </a:t>
+              <a:t>nincs </a:t>
             </a:r>
             <a:r>
               <a:rPr lang="hu-HU" b="1" dirty="0" err="1" smtClean="0">
@@ -14008,191 +11947,64 @@
               <a:t>(</a:t>
             </a:r>
             <a:r>
-              <a:rPr lang="hu-HU" dirty="0" err="1" smtClean="0"/>
-              <a:t>global</a:t>
-            </a:r>
-            <a:r>
-              <a:rPr lang="hu-HU" dirty="0" smtClean="0"/>
-              <a:t> </a:t>
-            </a:r>
-            <a:r>
-              <a:rPr lang="hu-HU" dirty="0" err="1" smtClean="0"/>
-              <a:t>or</a:t>
-            </a:r>
-            <a:r>
-              <a:rPr lang="hu-HU" dirty="0" smtClean="0"/>
-              <a:t> </a:t>
-            </a:r>
-            <a:r>
-              <a:rPr lang="hu-HU" dirty="0" err="1" smtClean="0"/>
-              <a:t>single</a:t>
-            </a:r>
-            <a:r>
-              <a:rPr lang="hu-HU" dirty="0" smtClean="0"/>
-              <a:t> </a:t>
-            </a:r>
-            <a:r>
-              <a:rPr lang="hu-HU" dirty="0" err="1" smtClean="0"/>
-              <a:t>search</a:t>
-            </a:r>
-            <a:r>
-              <a:rPr lang="hu-HU" dirty="0" smtClean="0"/>
-              <a:t> </a:t>
-            </a:r>
-            <a:r>
-              <a:rPr lang="hu-HU" dirty="0" err="1" smtClean="0"/>
-              <a:t>handled</a:t>
-            </a:r>
-            <a:r>
-              <a:rPr lang="hu-HU" dirty="0" smtClean="0"/>
-              <a:t> </a:t>
-            </a:r>
-            <a:r>
-              <a:rPr lang="hu-HU" dirty="0" err="1" smtClean="0"/>
-              <a:t>by</a:t>
-            </a:r>
-            <a:r>
-              <a:rPr lang="hu-HU" dirty="0" smtClean="0"/>
-              <a:t> </a:t>
-            </a:r>
-            <a:r>
-              <a:rPr lang="hu-HU" dirty="0" err="1" smtClean="0"/>
-              <a:t>different</a:t>
-            </a:r>
-            <a:r>
-              <a:rPr lang="hu-HU" dirty="0" smtClean="0"/>
-              <a:t> </a:t>
-            </a:r>
-            <a:r>
-              <a:rPr lang="hu-HU" dirty="0" err="1" smtClean="0"/>
-              <a:t>functions</a:t>
-            </a:r>
-            <a:r>
-              <a:rPr lang="hu-HU" dirty="0" smtClean="0"/>
-              <a:t>/</a:t>
-            </a:r>
-            <a:r>
-              <a:rPr lang="hu-HU" dirty="0" err="1" smtClean="0"/>
-              <a:t>methods</a:t>
+              <a:rPr lang="hu-HU" dirty="0"/>
+              <a:t>a globális vagy egyszeri keresést különböző függvények/metódusok kezelik</a:t>
             </a:r>
             <a:r>
               <a:rPr lang="hu-HU" dirty="0" smtClean="0"/>
               <a:t>)</a:t>
             </a:r>
+            <a:endParaRPr lang="hu-HU" dirty="0" smtClean="0"/>
           </a:p>
           <a:p>
             <a:pPr lvl="2"/>
             <a:r>
-              <a:rPr lang="hu-HU" dirty="0" err="1"/>
-              <a:t>not</a:t>
+              <a:rPr lang="hu-HU" dirty="0" smtClean="0"/>
+              <a:t>tehát ezeket </a:t>
+            </a:r>
+            <a:r>
+              <a:rPr lang="en-GB" dirty="0" err="1" smtClean="0"/>
+              <a:t>nem</a:t>
+            </a:r>
+            <a:r>
+              <a:rPr lang="en-GB" dirty="0" smtClean="0"/>
+              <a:t> </a:t>
+            </a:r>
+            <a:r>
+              <a:rPr lang="en-GB" dirty="0"/>
+              <a:t>a </a:t>
+            </a:r>
+            <a:r>
+              <a:rPr lang="en-GB" dirty="0" err="1"/>
+              <a:t>minta</a:t>
+            </a:r>
+            <a:r>
+              <a:rPr lang="en-GB" dirty="0"/>
+              <a:t> </a:t>
+            </a:r>
+            <a:r>
+              <a:rPr lang="hu-HU" dirty="0" smtClean="0"/>
+              <a:t>után írjuk közvetlenül</a:t>
+            </a:r>
+            <a:endParaRPr lang="hu-HU" dirty="0" smtClean="0"/>
+          </a:p>
+          <a:p>
+            <a:pPr lvl="2"/>
+            <a:r>
+              <a:rPr lang="hu-HU" dirty="0" smtClean="0"/>
+              <a:t>több paramétert a bitenként </a:t>
             </a:r>
             <a:r>
               <a:rPr lang="hu-HU" dirty="0"/>
-              <a:t> </a:t>
-            </a:r>
-            <a:r>
-              <a:rPr lang="hu-HU" dirty="0" err="1"/>
-              <a:t>as</a:t>
-            </a:r>
-            <a:r>
-              <a:rPr lang="hu-HU" dirty="0"/>
-              <a:t> a </a:t>
-            </a:r>
-            <a:r>
-              <a:rPr lang="hu-HU" dirty="0" err="1"/>
-              <a:t>suffix</a:t>
-            </a:r>
-            <a:r>
-              <a:rPr lang="hu-HU" dirty="0"/>
-              <a:t> </a:t>
-            </a:r>
-            <a:r>
-              <a:rPr lang="hu-HU" dirty="0" err="1"/>
-              <a:t>after</a:t>
-            </a:r>
-            <a:r>
-              <a:rPr lang="hu-HU" dirty="0"/>
-              <a:t> </a:t>
-            </a:r>
-            <a:r>
-              <a:rPr lang="hu-HU" dirty="0" err="1"/>
-              <a:t>the</a:t>
-            </a:r>
-            <a:r>
-              <a:rPr lang="hu-HU" dirty="0"/>
-              <a:t> </a:t>
-            </a:r>
-            <a:r>
-              <a:rPr lang="hu-HU" dirty="0" err="1" smtClean="0"/>
-              <a:t>pattern</a:t>
-            </a:r>
-            <a:endParaRPr lang="hu-HU" dirty="0" smtClean="0"/>
-          </a:p>
-          <a:p>
-            <a:pPr lvl="2"/>
-            <a:r>
-              <a:rPr lang="hu-HU" dirty="0" err="1" smtClean="0"/>
-              <a:t>several</a:t>
-            </a:r>
-            <a:r>
-              <a:rPr lang="hu-HU" dirty="0" smtClean="0"/>
-              <a:t> </a:t>
-            </a:r>
-            <a:r>
-              <a:rPr lang="hu-HU" dirty="0" err="1" smtClean="0"/>
-              <a:t>flags</a:t>
-            </a:r>
-            <a:r>
-              <a:rPr lang="hu-HU" dirty="0" smtClean="0"/>
-              <a:t> </a:t>
-            </a:r>
-            <a:r>
-              <a:rPr lang="hu-HU" dirty="0" err="1" smtClean="0"/>
-              <a:t>are</a:t>
-            </a:r>
-            <a:r>
-              <a:rPr lang="hu-HU" dirty="0" smtClean="0"/>
-              <a:t> </a:t>
-            </a:r>
-            <a:r>
-              <a:rPr lang="hu-HU" dirty="0" err="1" smtClean="0"/>
-              <a:t>combined</a:t>
-            </a:r>
-            <a:r>
-              <a:rPr lang="hu-HU" dirty="0" smtClean="0"/>
-              <a:t> </a:t>
-            </a:r>
-            <a:r>
-              <a:rPr lang="hu-HU" dirty="0" err="1" smtClean="0"/>
-              <a:t>using</a:t>
-            </a:r>
-            <a:r>
-              <a:rPr lang="hu-HU" dirty="0" smtClean="0"/>
-              <a:t> </a:t>
-            </a:r>
-            <a:r>
-              <a:rPr lang="hu-HU" dirty="0" err="1" smtClean="0"/>
-              <a:t>bitwise</a:t>
-            </a:r>
-            <a:r>
-              <a:rPr lang="hu-HU" dirty="0" smtClean="0"/>
-              <a:t> </a:t>
-            </a:r>
-            <a:r>
-              <a:rPr lang="hu-HU" dirty="0" err="1" smtClean="0"/>
-              <a:t>or</a:t>
-            </a:r>
-            <a:r>
-              <a:rPr lang="hu-HU" dirty="0" smtClean="0"/>
-              <a:t>, |, </a:t>
-            </a:r>
-            <a:r>
-              <a:rPr lang="hu-HU" dirty="0" err="1" smtClean="0"/>
-              <a:t>e.g</a:t>
-            </a:r>
-            <a:r>
-              <a:rPr lang="hu-HU" dirty="0" smtClean="0"/>
-              <a:t>. </a:t>
+              <a:t>vagy </a:t>
+            </a:r>
+            <a:r>
+              <a:rPr lang="hu-HU" dirty="0" smtClean="0"/>
+              <a:t>| művelettel kapcsolhatunk össze, pl.</a:t>
+            </a:r>
+            <a:r>
+              <a:rPr lang="hu-HU" dirty="0" smtClean="0"/>
+              <a:t> </a:t>
             </a:r>
             <a:r>
               <a:rPr lang="hu-HU" dirty="0" err="1" smtClean="0">
@@ -14295,18 +12107,15 @@
         <p:spPr/>
         <p:txBody>
           <a:bodyPr>
-            <a:normAutofit fontScale="77500" lnSpcReduction="20000"/>
+            <a:normAutofit fontScale="70000" lnSpcReduction="20000"/>
           </a:bodyPr>
           <a:lstStyle/>
           <a:p>
             <a:r>
-              <a:rPr lang="hu-HU" dirty="0" err="1" smtClean="0"/>
-              <a:t>Functions</a:t>
-            </a:r>
-            <a:r>
-              <a:rPr lang="hu-HU" dirty="0" smtClean="0"/>
-              <a:t>:</a:t>
-            </a:r>
+              <a:rPr lang="hu-HU" dirty="0" smtClean="0"/>
+              <a:t>Függvények:</a:t>
+            </a:r>
+            <a:endParaRPr lang="hu-HU" dirty="0" smtClean="0"/>
           </a:p>
           <a:p>
             <a:pPr lvl="1" algn="just"/>
@@ -14335,40 +12144,216 @@
               <a:t>): </a:t>
             </a:r>
             <a:r>
+              <a:rPr lang="hu-HU" b="1" dirty="0" smtClean="0"/>
+              <a:t>lefordítja </a:t>
+            </a:r>
+            <a:r>
+              <a:rPr lang="hu-HU" dirty="0" smtClean="0"/>
+              <a:t>a </a:t>
+            </a:r>
+            <a:r>
+              <a:rPr lang="hu-HU" i="1" dirty="0" err="1" smtClean="0"/>
+              <a:t>pattern</a:t>
+            </a:r>
+            <a:r>
+              <a:rPr lang="hu-HU" i="1" dirty="0" smtClean="0"/>
+              <a:t> </a:t>
+            </a:r>
+            <a:r>
               <a:rPr lang="hu-HU" dirty="0" err="1" smtClean="0"/>
-              <a:t>compiles</a:t>
-            </a:r>
-            <a:r>
-              <a:rPr lang="hu-HU" dirty="0" smtClean="0"/>
-              <a:t> a </a:t>
+              <a:t>mintasztringet</a:t>
+            </a:r>
+            <a:r>
+              <a:rPr lang="hu-HU" dirty="0" smtClean="0"/>
+              <a:t> </a:t>
+            </a:r>
+            <a:r>
+              <a:rPr lang="hu-HU" i="1" dirty="0" err="1" smtClean="0"/>
+              <a:t>re.Pattern</a:t>
+            </a:r>
+            <a:r>
+              <a:rPr lang="hu-HU" i="1" dirty="0" smtClean="0"/>
+              <a:t> </a:t>
+            </a:r>
+            <a:r>
+              <a:rPr lang="hu-HU" dirty="0" smtClean="0"/>
+              <a:t>objektummá, ami aztán változóértékként megjegyezhető</a:t>
+            </a:r>
+          </a:p>
+          <a:p>
+            <a:pPr lvl="2" algn="just"/>
+            <a:r>
+              <a:rPr lang="hu-HU" dirty="0" smtClean="0"/>
+              <a:t>ezen az objektumon tudjuk az </a:t>
             </a:r>
             <a:r>
               <a:rPr lang="hu-HU" dirty="0" err="1" smtClean="0"/>
-              <a:t>regex</a:t>
-            </a:r>
-            <a:r>
-              <a:rPr lang="hu-HU" dirty="0" smtClean="0"/>
-              <a:t> </a:t>
+              <a:t>OO</a:t>
+            </a:r>
+            <a:r>
+              <a:rPr lang="hu-HU" dirty="0" smtClean="0"/>
+              <a:t> metódusokat hívni, így ha az </a:t>
             </a:r>
             <a:r>
               <a:rPr lang="hu-HU" dirty="0" err="1" smtClean="0"/>
-              <a:t>pattern</a:t>
-            </a:r>
-            <a:r>
-              <a:rPr lang="hu-HU" dirty="0" smtClean="0"/>
-              <a:t> </a:t>
+              <a:t>OO</a:t>
+            </a:r>
+            <a:r>
+              <a:rPr lang="hu-HU" dirty="0" smtClean="0"/>
+              <a:t> interfészt akarjuk használni, a fordítási lépés szükséges</a:t>
+            </a:r>
+          </a:p>
+          <a:p>
+            <a:pPr lvl="2" algn="just"/>
+            <a:r>
+              <a:rPr lang="hu-HU" dirty="0" smtClean="0"/>
+              <a:t>azonban </a:t>
+            </a:r>
+            <a:r>
+              <a:rPr lang="hu-HU" b="1" dirty="0" smtClean="0"/>
+              <a:t>ha a függvényalapú interfészt </a:t>
+            </a:r>
+            <a:r>
+              <a:rPr lang="hu-HU" dirty="0" smtClean="0"/>
+              <a:t>használjuk, akkor felesleges, hely- és időpazarlás, és így </a:t>
+            </a:r>
+            <a:r>
+              <a:rPr lang="hu-HU" b="1" dirty="0" smtClean="0"/>
+              <a:t>helytelen gyakorlat</a:t>
+            </a:r>
+          </a:p>
+          <a:p>
+            <a:pPr lvl="3" algn="just"/>
+            <a:r>
+              <a:rPr lang="hu-HU" b="1" dirty="0" smtClean="0"/>
+              <a:t>csak </a:t>
+            </a:r>
+            <a:r>
+              <a:rPr lang="hu-HU" dirty="0" smtClean="0"/>
+              <a:t>akkor használjuk, ha több mint 20 mintát ismételten, felváltva véletlenszerű sorrendben használ a program</a:t>
+            </a:r>
+          </a:p>
+          <a:p>
+            <a:pPr lvl="3" algn="just"/>
+            <a:r>
+              <a:rPr lang="hu-HU" dirty="0" smtClean="0"/>
+              <a:t>de akkor ne, ha a program egyetlen vagy pár mintát használ egy ciklusban ismételten, aztán a program egy másik pontján egy másik mintát ismételten stb.</a:t>
+            </a:r>
+            <a:endParaRPr lang="hu-HU" dirty="0" smtClean="0"/>
+          </a:p>
+          <a:p>
+            <a:pPr lvl="2"/>
+            <a:r>
+              <a:rPr lang="hu-HU" dirty="0" smtClean="0"/>
+              <a:t>ennek oka, hogy </a:t>
+            </a:r>
+            <a:r>
+              <a:rPr lang="hu-HU" b="1" dirty="0" smtClean="0"/>
+              <a:t>a többi függvény </a:t>
+            </a:r>
+            <a:r>
+              <a:rPr lang="hu-HU" dirty="0" smtClean="0"/>
+              <a:t>(</a:t>
             </a:r>
             <a:r>
               <a:rPr lang="hu-HU" dirty="0" err="1" smtClean="0"/>
-              <a:t>string</a:t>
-            </a:r>
-            <a:r>
-              <a:rPr lang="hu-HU" dirty="0" smtClean="0"/>
-              <a:t> </a:t>
+              <a:t>search</a:t>
+            </a:r>
+            <a:r>
+              <a:rPr lang="hu-HU" dirty="0" smtClean="0"/>
+              <a:t>, </a:t>
             </a:r>
             <a:r>
               <a:rPr lang="hu-HU" dirty="0" err="1" smtClean="0"/>
-              <a:t>into</a:t>
+              <a:t>match</a:t>
+            </a:r>
+            <a:r>
+              <a:rPr lang="hu-HU" dirty="0" smtClean="0"/>
+              <a:t>, </a:t>
+            </a:r>
+            <a:r>
+              <a:rPr lang="hu-HU" dirty="0" err="1" smtClean="0"/>
+              <a:t>findall</a:t>
+            </a:r>
+            <a:r>
+              <a:rPr lang="hu-HU" dirty="0" smtClean="0"/>
+              <a:t>, </a:t>
+            </a:r>
+            <a:r>
+              <a:rPr lang="hu-HU" dirty="0" err="1" smtClean="0"/>
+              <a:t>sub</a:t>
+            </a:r>
+            <a:r>
+              <a:rPr lang="hu-HU" dirty="0" smtClean="0"/>
+              <a:t>, </a:t>
+            </a:r>
+            <a:r>
+              <a:rPr lang="hu-HU" dirty="0" smtClean="0"/>
+              <a:t>stb</a:t>
+            </a:r>
+            <a:r>
+              <a:rPr lang="hu-HU" dirty="0" smtClean="0"/>
+              <a:t>.) automatikusan lefordítja az argumentumként kapott mintát (gyakorlatilag meghívja rá a </a:t>
+            </a:r>
+            <a:r>
+              <a:rPr lang="hu-HU" i="1" dirty="0" err="1" smtClean="0"/>
+              <a:t>compile</a:t>
+            </a:r>
+            <a:r>
+              <a:rPr lang="hu-HU" i="1" dirty="0" smtClean="0"/>
+              <a:t> </a:t>
+            </a:r>
+            <a:r>
+              <a:rPr lang="hu-HU" dirty="0" smtClean="0"/>
+              <a:t>függvényt), és a lefordított mintákat egy központi </a:t>
+            </a:r>
+            <a:r>
+              <a:rPr lang="hu-HU" dirty="0" err="1" smtClean="0"/>
+              <a:t>gyorsítótárban</a:t>
+            </a:r>
+            <a:r>
+              <a:rPr lang="hu-HU" dirty="0" smtClean="0"/>
+              <a:t> helyezi el. Amíg él az </a:t>
+            </a:r>
+            <a:r>
+              <a:rPr lang="hu-HU" dirty="0" err="1" smtClean="0"/>
+              <a:t>interpreter</a:t>
+            </a:r>
+            <a:r>
+              <a:rPr lang="hu-HU" dirty="0" smtClean="0"/>
+              <a:t>, ezek a függvények </a:t>
+            </a:r>
+            <a:r>
+              <a:rPr lang="hu-HU" b="1" dirty="0" smtClean="0"/>
+              <a:t>nem fordítják le újra </a:t>
+            </a:r>
+            <a:r>
+              <a:rPr lang="hu-HU" dirty="0" smtClean="0"/>
+              <a:t>a </a:t>
+            </a:r>
+            <a:r>
+              <a:rPr lang="hu-HU" dirty="0" err="1" smtClean="0"/>
+              <a:t>sztringként</a:t>
+            </a:r>
+            <a:r>
+              <a:rPr lang="hu-HU" dirty="0" smtClean="0"/>
+              <a:t> átadott mintát, hanem kikeresik a </a:t>
+            </a:r>
+            <a:r>
+              <a:rPr lang="hu-HU" dirty="0" err="1" smtClean="0"/>
+              <a:t>gyorsítótárból</a:t>
+            </a:r>
+            <a:endParaRPr lang="hu-HU" dirty="0" smtClean="0"/>
+          </a:p>
+          <a:p>
+            <a:pPr lvl="3"/>
+            <a:r>
+              <a:rPr lang="hu-HU" dirty="0" smtClean="0"/>
+              <a:t>tehát explicit fordítás akkor kell, ha más minták időközben kiszorították a </a:t>
+            </a:r>
+            <a:r>
+              <a:rPr lang="hu-HU" dirty="0" err="1" smtClean="0"/>
+              <a:t>gyorsítótárból</a:t>
             </a:r>
             <a:r>
               <a:rPr lang="hu-HU" dirty="0" smtClean="0"/>
@@ -14380,898 +12365,22 @@
             </a:r>
             <a:r>
               <a:rPr lang="hu-HU" dirty="0" smtClean="0"/>
-              <a:t> </a:t>
-            </a:r>
-            <a:r>
-              <a:rPr lang="hu-HU" i="1" dirty="0" err="1" smtClean="0"/>
-              <a:t>re.Pattern</a:t>
-            </a:r>
-            <a:r>
-              <a:rPr lang="hu-HU" i="1" dirty="0" smtClean="0"/>
-              <a:t> </a:t>
+              <a:t> korábban lefordított mintát</a:t>
+            </a:r>
+          </a:p>
+          <a:p>
+            <a:pPr lvl="3"/>
+            <a:r>
+              <a:rPr lang="hu-HU" dirty="0" smtClean="0"/>
+              <a:t>a </a:t>
             </a:r>
             <a:r>
               <a:rPr lang="hu-HU" dirty="0" err="1" smtClean="0"/>
-              <a:t>object</a:t>
-            </a:r>
-            <a:r>
-              <a:rPr lang="hu-HU" dirty="0"/>
-              <a:t> </a:t>
-            </a:r>
-            <a:r>
-              <a:rPr lang="hu-HU" dirty="0" err="1" smtClean="0"/>
-              <a:t>which</a:t>
-            </a:r>
-            <a:r>
-              <a:rPr lang="hu-HU" dirty="0" smtClean="0"/>
-              <a:t> is </a:t>
-            </a:r>
-            <a:r>
-              <a:rPr lang="hu-HU" dirty="0" err="1" smtClean="0"/>
-              <a:t>then</a:t>
-            </a:r>
-            <a:r>
-              <a:rPr lang="hu-HU" dirty="0" smtClean="0"/>
-              <a:t> </a:t>
-            </a:r>
-            <a:r>
-              <a:rPr lang="hu-HU" dirty="0" err="1" smtClean="0"/>
-              <a:t>stored</a:t>
-            </a:r>
-            <a:r>
-              <a:rPr lang="hu-HU" dirty="0" smtClean="0"/>
-              <a:t> </a:t>
-            </a:r>
-            <a:r>
-              <a:rPr lang="hu-HU" dirty="0" err="1" smtClean="0"/>
-              <a:t>as</a:t>
-            </a:r>
-            <a:r>
-              <a:rPr lang="hu-HU" dirty="0" smtClean="0"/>
-              <a:t> </a:t>
-            </a:r>
-            <a:r>
-              <a:rPr lang="hu-HU" dirty="0" err="1" smtClean="0"/>
-              <a:t>the</a:t>
-            </a:r>
-            <a:r>
-              <a:rPr lang="hu-HU" dirty="0" smtClean="0"/>
-              <a:t> </a:t>
-            </a:r>
-            <a:r>
-              <a:rPr lang="hu-HU" dirty="0" err="1" smtClean="0"/>
-              <a:t>value</a:t>
-            </a:r>
-            <a:r>
-              <a:rPr lang="hu-HU" dirty="0" smtClean="0"/>
-              <a:t> of a </a:t>
-            </a:r>
-            <a:r>
-              <a:rPr lang="hu-HU" dirty="0" err="1" smtClean="0"/>
-              <a:t>variable</a:t>
-            </a:r>
-            <a:endParaRPr lang="hu-HU" dirty="0" smtClean="0"/>
-          </a:p>
-          <a:p>
-            <a:pPr lvl="2" algn="just"/>
-            <a:r>
-              <a:rPr lang="hu-HU" dirty="0" err="1" smtClean="0"/>
-              <a:t>this</a:t>
-            </a:r>
-            <a:r>
-              <a:rPr lang="hu-HU" dirty="0" smtClean="0"/>
-              <a:t> </a:t>
-            </a:r>
-            <a:r>
-              <a:rPr lang="hu-HU" dirty="0" err="1" smtClean="0"/>
-              <a:t>object</a:t>
-            </a:r>
-            <a:r>
-              <a:rPr lang="hu-HU" dirty="0" smtClean="0"/>
-              <a:t> is </a:t>
-            </a:r>
-            <a:r>
-              <a:rPr lang="hu-HU" dirty="0" err="1" smtClean="0"/>
-              <a:t>what</a:t>
-            </a:r>
-            <a:r>
-              <a:rPr lang="hu-HU" dirty="0" smtClean="0"/>
-              <a:t> </a:t>
-            </a:r>
-            <a:r>
-              <a:rPr lang="hu-HU" dirty="0" err="1" smtClean="0"/>
-              <a:t>the</a:t>
-            </a:r>
-            <a:r>
-              <a:rPr lang="hu-HU" dirty="0" smtClean="0"/>
-              <a:t> </a:t>
-            </a:r>
-            <a:r>
-              <a:rPr lang="hu-HU" dirty="0" err="1" smtClean="0"/>
-              <a:t>OO</a:t>
-            </a:r>
-            <a:r>
-              <a:rPr lang="hu-HU" dirty="0" smtClean="0"/>
-              <a:t> </a:t>
-            </a:r>
-            <a:r>
-              <a:rPr lang="hu-HU" dirty="0" err="1" smtClean="0"/>
-              <a:t>methods</a:t>
-            </a:r>
-            <a:r>
-              <a:rPr lang="hu-HU" dirty="0" smtClean="0"/>
-              <a:t> </a:t>
-            </a:r>
-            <a:r>
-              <a:rPr lang="hu-HU" dirty="0" err="1" smtClean="0"/>
-              <a:t>are</a:t>
-            </a:r>
-            <a:r>
-              <a:rPr lang="hu-HU" dirty="0" smtClean="0"/>
-              <a:t> </a:t>
-            </a:r>
-            <a:r>
-              <a:rPr lang="hu-HU" dirty="0" err="1" smtClean="0"/>
-              <a:t>called</a:t>
-            </a:r>
-            <a:r>
-              <a:rPr lang="hu-HU" dirty="0" smtClean="0"/>
-              <a:t> </a:t>
-            </a:r>
-            <a:r>
-              <a:rPr lang="hu-HU" dirty="0" err="1" smtClean="0"/>
-              <a:t>on</a:t>
-            </a:r>
-            <a:r>
-              <a:rPr lang="hu-HU" dirty="0" smtClean="0"/>
-              <a:t>, </a:t>
-            </a:r>
-            <a:r>
-              <a:rPr lang="hu-HU" dirty="0" err="1" smtClean="0"/>
-              <a:t>thus</a:t>
-            </a:r>
-            <a:r>
-              <a:rPr lang="hu-HU" dirty="0" smtClean="0"/>
-              <a:t> a </a:t>
-            </a:r>
-            <a:r>
-              <a:rPr lang="hu-HU" dirty="0" err="1" smtClean="0"/>
-              <a:t>necessary</a:t>
-            </a:r>
-            <a:r>
-              <a:rPr lang="hu-HU" dirty="0" smtClean="0"/>
-              <a:t> </a:t>
-            </a:r>
-            <a:r>
-              <a:rPr lang="hu-HU" dirty="0" err="1" smtClean="0"/>
-              <a:t>step</a:t>
-            </a:r>
-            <a:r>
-              <a:rPr lang="hu-HU" dirty="0" smtClean="0"/>
-              <a:t> </a:t>
-            </a:r>
-            <a:r>
-              <a:rPr lang="hu-HU" dirty="0" err="1" smtClean="0"/>
-              <a:t>if</a:t>
-            </a:r>
-            <a:r>
-              <a:rPr lang="hu-HU" dirty="0" smtClean="0"/>
-              <a:t> </a:t>
-            </a:r>
-            <a:r>
-              <a:rPr lang="hu-HU" dirty="0" err="1" smtClean="0"/>
-              <a:t>that</a:t>
-            </a:r>
-            <a:r>
-              <a:rPr lang="hu-HU" dirty="0" smtClean="0"/>
-              <a:t> </a:t>
-            </a:r>
-            <a:r>
-              <a:rPr lang="hu-HU" dirty="0" err="1" smtClean="0"/>
-              <a:t>interface</a:t>
-            </a:r>
-            <a:r>
-              <a:rPr lang="hu-HU" dirty="0" smtClean="0"/>
-              <a:t> is </a:t>
-            </a:r>
-            <a:r>
-              <a:rPr lang="hu-HU" dirty="0" err="1" smtClean="0"/>
-              <a:t>used</a:t>
-            </a:r>
-            <a:endParaRPr lang="hu-HU" dirty="0" smtClean="0"/>
-          </a:p>
-          <a:p>
-            <a:pPr lvl="2"/>
-            <a:r>
-              <a:rPr lang="hu-HU" dirty="0" err="1" smtClean="0"/>
-              <a:t>however</a:t>
-            </a:r>
-            <a:r>
-              <a:rPr lang="hu-HU" dirty="0" smtClean="0"/>
-              <a:t>, </a:t>
-            </a:r>
-            <a:r>
-              <a:rPr lang="hu-HU" dirty="0" err="1" smtClean="0"/>
-              <a:t>usually</a:t>
-            </a:r>
-            <a:r>
-              <a:rPr lang="hu-HU" dirty="0" smtClean="0"/>
-              <a:t> </a:t>
-            </a:r>
-            <a:r>
-              <a:rPr lang="hu-HU" dirty="0" err="1" smtClean="0"/>
-              <a:t>superfluous</a:t>
-            </a:r>
-            <a:r>
-              <a:rPr lang="hu-HU" dirty="0" smtClean="0"/>
-              <a:t>, </a:t>
-            </a:r>
-            <a:r>
-              <a:rPr lang="hu-HU" dirty="0" err="1" smtClean="0"/>
-              <a:t>boilerplate</a:t>
-            </a:r>
-            <a:r>
-              <a:rPr lang="hu-HU" dirty="0" smtClean="0"/>
-              <a:t> </a:t>
-            </a:r>
-            <a:r>
-              <a:rPr lang="hu-HU" dirty="0" err="1" smtClean="0"/>
-              <a:t>code</a:t>
-            </a:r>
-            <a:r>
-              <a:rPr lang="hu-HU" dirty="0" smtClean="0"/>
-              <a:t>, </a:t>
-            </a:r>
-            <a:r>
-              <a:rPr lang="hu-HU" dirty="0" err="1" smtClean="0"/>
-              <a:t>waste</a:t>
-            </a:r>
-            <a:r>
-              <a:rPr lang="hu-HU" dirty="0" smtClean="0"/>
-              <a:t> of </a:t>
-            </a:r>
-            <a:r>
-              <a:rPr lang="hu-HU" dirty="0" err="1" smtClean="0"/>
-              <a:t>time</a:t>
-            </a:r>
-            <a:r>
-              <a:rPr lang="hu-HU" dirty="0" smtClean="0"/>
-              <a:t> and </a:t>
-            </a:r>
-            <a:r>
-              <a:rPr lang="hu-HU" dirty="0" err="1" smtClean="0"/>
-              <a:t>space</a:t>
-            </a:r>
-            <a:r>
-              <a:rPr lang="hu-HU" dirty="0" smtClean="0"/>
-              <a:t>, </a:t>
-            </a:r>
-            <a:r>
-              <a:rPr lang="hu-HU" dirty="0" err="1" smtClean="0"/>
-              <a:t>and</a:t>
-            </a:r>
-            <a:r>
-              <a:rPr lang="hu-HU" dirty="0" smtClean="0"/>
-              <a:t> </a:t>
-            </a:r>
-            <a:r>
-              <a:rPr lang="hu-HU" dirty="0" err="1" smtClean="0"/>
-              <a:t>thus</a:t>
-            </a:r>
-            <a:r>
-              <a:rPr lang="hu-HU" dirty="0" smtClean="0"/>
-              <a:t> </a:t>
-            </a:r>
-            <a:r>
-              <a:rPr lang="hu-HU" b="1" dirty="0" err="1" smtClean="0"/>
-              <a:t>bad</a:t>
-            </a:r>
-            <a:r>
-              <a:rPr lang="hu-HU" b="1" dirty="0" smtClean="0"/>
-              <a:t> </a:t>
-            </a:r>
-            <a:r>
-              <a:rPr lang="hu-HU" b="1" dirty="0" err="1" smtClean="0"/>
-              <a:t>practice</a:t>
-            </a:r>
-            <a:r>
-              <a:rPr lang="hu-HU" b="1" dirty="0" smtClean="0"/>
-              <a:t> </a:t>
-            </a:r>
-            <a:r>
-              <a:rPr lang="hu-HU" dirty="0" err="1" smtClean="0"/>
-              <a:t>if</a:t>
-            </a:r>
-            <a:r>
-              <a:rPr lang="hu-HU" dirty="0" smtClean="0"/>
-              <a:t> </a:t>
-            </a:r>
-            <a:r>
-              <a:rPr lang="hu-HU" dirty="0" err="1" smtClean="0"/>
-              <a:t>used</a:t>
-            </a:r>
-            <a:r>
-              <a:rPr lang="hu-HU" dirty="0" smtClean="0"/>
-              <a:t> </a:t>
-            </a:r>
-            <a:r>
-              <a:rPr lang="hu-HU" dirty="0" err="1" smtClean="0"/>
-              <a:t>with</a:t>
-            </a:r>
-            <a:r>
-              <a:rPr lang="hu-HU" dirty="0" smtClean="0"/>
-              <a:t> </a:t>
-            </a:r>
-            <a:r>
-              <a:rPr lang="hu-HU" dirty="0" err="1" smtClean="0"/>
-              <a:t>the</a:t>
-            </a:r>
-            <a:r>
-              <a:rPr lang="hu-HU" dirty="0" smtClean="0"/>
-              <a:t> </a:t>
-            </a:r>
-            <a:r>
-              <a:rPr lang="hu-HU" b="1" dirty="0" err="1" smtClean="0"/>
-              <a:t>function-based</a:t>
-            </a:r>
-            <a:r>
-              <a:rPr lang="hu-HU" b="1" dirty="0" smtClean="0"/>
-              <a:t> </a:t>
-            </a:r>
-            <a:r>
-              <a:rPr lang="hu-HU" b="1" dirty="0" err="1" smtClean="0"/>
-              <a:t>interface</a:t>
-            </a:r>
-            <a:endParaRPr lang="hu-HU" b="1" dirty="0" smtClean="0"/>
-          </a:p>
-          <a:p>
-            <a:pPr lvl="3"/>
-            <a:r>
-              <a:rPr lang="hu-HU" b="1" dirty="0" err="1" smtClean="0"/>
-              <a:t>only</a:t>
-            </a:r>
-            <a:r>
-              <a:rPr lang="hu-HU" b="1" dirty="0" smtClean="0"/>
-              <a:t> </a:t>
-            </a:r>
-            <a:r>
-              <a:rPr lang="hu-HU" dirty="0" err="1" smtClean="0"/>
-              <a:t>do</a:t>
-            </a:r>
-            <a:r>
-              <a:rPr lang="hu-HU" dirty="0" smtClean="0"/>
-              <a:t> </a:t>
-            </a:r>
-            <a:r>
-              <a:rPr lang="hu-HU" dirty="0" err="1" smtClean="0"/>
-              <a:t>this</a:t>
-            </a:r>
-            <a:r>
-              <a:rPr lang="hu-HU" dirty="0" smtClean="0"/>
-              <a:t> </a:t>
-            </a:r>
-            <a:r>
-              <a:rPr lang="hu-HU" dirty="0" err="1" smtClean="0"/>
-              <a:t>if</a:t>
-            </a:r>
-            <a:r>
-              <a:rPr lang="hu-HU" dirty="0" smtClean="0"/>
-              <a:t> </a:t>
-            </a:r>
-            <a:r>
-              <a:rPr lang="hu-HU" dirty="0" err="1" smtClean="0"/>
-              <a:t>the</a:t>
-            </a:r>
-            <a:r>
-              <a:rPr lang="hu-HU" dirty="0" smtClean="0"/>
-              <a:t> program </a:t>
-            </a:r>
-            <a:r>
-              <a:rPr lang="hu-HU" dirty="0" err="1" smtClean="0"/>
-              <a:t>uses</a:t>
-            </a:r>
-            <a:r>
-              <a:rPr lang="hu-HU" dirty="0" smtClean="0"/>
-              <a:t> 20+ </a:t>
-            </a:r>
-            <a:r>
-              <a:rPr lang="hu-HU" dirty="0" err="1" smtClean="0"/>
-              <a:t>patterns</a:t>
-            </a:r>
-            <a:r>
-              <a:rPr lang="hu-HU" dirty="0" smtClean="0"/>
-              <a:t> </a:t>
-            </a:r>
-            <a:r>
-              <a:rPr lang="hu-HU" dirty="0" err="1" smtClean="0"/>
-              <a:t>repeatedly</a:t>
-            </a:r>
-            <a:r>
-              <a:rPr lang="hu-HU" dirty="0" smtClean="0"/>
-              <a:t> and </a:t>
-            </a:r>
-            <a:r>
-              <a:rPr lang="hu-HU" dirty="0" err="1" smtClean="0"/>
-              <a:t>in</a:t>
-            </a:r>
-            <a:r>
-              <a:rPr lang="hu-HU" dirty="0" smtClean="0"/>
-              <a:t> random </a:t>
-            </a:r>
-            <a:r>
-              <a:rPr lang="hu-HU" dirty="0" err="1" smtClean="0"/>
-              <a:t>order</a:t>
-            </a:r>
-            <a:endParaRPr lang="hu-HU" dirty="0"/>
-          </a:p>
-          <a:p>
-            <a:pPr lvl="3"/>
-            <a:r>
-              <a:rPr lang="hu-HU" dirty="0" err="1" smtClean="0"/>
-              <a:t>not</a:t>
-            </a:r>
-            <a:r>
-              <a:rPr lang="hu-HU" dirty="0" smtClean="0"/>
-              <a:t> </a:t>
-            </a:r>
-            <a:r>
-              <a:rPr lang="hu-HU" dirty="0" err="1" smtClean="0"/>
-              <a:t>when</a:t>
-            </a:r>
-            <a:r>
-              <a:rPr lang="hu-HU" dirty="0" smtClean="0"/>
-              <a:t> </a:t>
-            </a:r>
-            <a:r>
-              <a:rPr lang="hu-HU" dirty="0" err="1" smtClean="0"/>
-              <a:t>one</a:t>
-            </a:r>
-            <a:r>
-              <a:rPr lang="hu-HU" dirty="0" smtClean="0"/>
-              <a:t> </a:t>
-            </a:r>
-            <a:r>
-              <a:rPr lang="hu-HU" dirty="0" err="1" smtClean="0"/>
-              <a:t>pattern</a:t>
-            </a:r>
-            <a:r>
-              <a:rPr lang="hu-HU" dirty="0" smtClean="0"/>
-              <a:t> is </a:t>
-            </a:r>
-            <a:r>
-              <a:rPr lang="hu-HU" dirty="0" err="1" smtClean="0"/>
-              <a:t>used</a:t>
-            </a:r>
-            <a:r>
-              <a:rPr lang="hu-HU" dirty="0" smtClean="0"/>
-              <a:t> </a:t>
-            </a:r>
-            <a:r>
-              <a:rPr lang="hu-HU" dirty="0" err="1" smtClean="0"/>
-              <a:t>in</a:t>
-            </a:r>
-            <a:r>
-              <a:rPr lang="hu-HU" dirty="0" smtClean="0"/>
-              <a:t> a </a:t>
-            </a:r>
-            <a:r>
-              <a:rPr lang="hu-HU" dirty="0" err="1" smtClean="0"/>
-              <a:t>loop</a:t>
-            </a:r>
-            <a:r>
-              <a:rPr lang="hu-HU" dirty="0" smtClean="0"/>
-              <a:t> </a:t>
-            </a:r>
-            <a:r>
-              <a:rPr lang="hu-HU" dirty="0" err="1" smtClean="0"/>
-              <a:t>many</a:t>
-            </a:r>
-            <a:r>
-              <a:rPr lang="hu-HU" dirty="0" smtClean="0"/>
-              <a:t> </a:t>
-            </a:r>
-            <a:r>
-              <a:rPr lang="hu-HU" dirty="0" err="1" smtClean="0"/>
-              <a:t>times</a:t>
-            </a:r>
-            <a:r>
-              <a:rPr lang="hu-HU" dirty="0" smtClean="0"/>
-              <a:t> over, </a:t>
-            </a:r>
-            <a:r>
-              <a:rPr lang="hu-HU" dirty="0" err="1" smtClean="0"/>
-              <a:t>later</a:t>
-            </a:r>
-            <a:r>
-              <a:rPr lang="hu-HU" dirty="0" smtClean="0"/>
-              <a:t> </a:t>
-            </a:r>
-            <a:r>
-              <a:rPr lang="hu-HU" dirty="0" err="1" smtClean="0"/>
-              <a:t>another</a:t>
-            </a:r>
-            <a:r>
-              <a:rPr lang="hu-HU" dirty="0" smtClean="0"/>
-              <a:t> </a:t>
-            </a:r>
-            <a:r>
-              <a:rPr lang="hu-HU" dirty="0" err="1" smtClean="0"/>
-              <a:t>pattern</a:t>
-            </a:r>
-            <a:r>
-              <a:rPr lang="hu-HU" dirty="0" smtClean="0"/>
-              <a:t> </a:t>
-            </a:r>
-            <a:r>
-              <a:rPr lang="hu-HU" dirty="0" err="1" smtClean="0"/>
-              <a:t>many</a:t>
-            </a:r>
-            <a:r>
-              <a:rPr lang="hu-HU" dirty="0" smtClean="0"/>
-              <a:t> </a:t>
-            </a:r>
-            <a:r>
-              <a:rPr lang="hu-HU" dirty="0" err="1" smtClean="0"/>
-              <a:t>times</a:t>
-            </a:r>
-            <a:r>
-              <a:rPr lang="hu-HU" dirty="0" smtClean="0"/>
-              <a:t> </a:t>
-            </a:r>
-            <a:r>
-              <a:rPr lang="hu-HU" dirty="0" err="1" smtClean="0"/>
-              <a:t>over</a:t>
-            </a:r>
-            <a:r>
-              <a:rPr lang="hu-HU" dirty="0" smtClean="0"/>
-              <a:t>, etc.</a:t>
-            </a:r>
-          </a:p>
-          <a:p>
-            <a:pPr lvl="2"/>
-            <a:r>
-              <a:rPr lang="hu-HU" dirty="0" err="1" smtClean="0"/>
-              <a:t>reason</a:t>
-            </a:r>
-            <a:r>
-              <a:rPr lang="hu-HU" dirty="0" smtClean="0"/>
-              <a:t>: </a:t>
-            </a:r>
-            <a:r>
-              <a:rPr lang="hu-HU" b="1" dirty="0" err="1" smtClean="0"/>
-              <a:t>all</a:t>
-            </a:r>
-            <a:r>
-              <a:rPr lang="hu-HU" b="1" dirty="0" smtClean="0"/>
-              <a:t> </a:t>
-            </a:r>
-            <a:r>
-              <a:rPr lang="hu-HU" b="1" dirty="0" err="1" smtClean="0"/>
-              <a:t>other</a:t>
-            </a:r>
-            <a:r>
-              <a:rPr lang="hu-HU" b="1" dirty="0" smtClean="0"/>
-              <a:t> </a:t>
-            </a:r>
-            <a:r>
-              <a:rPr lang="hu-HU" b="1" dirty="0" err="1" smtClean="0"/>
-              <a:t>functions</a:t>
-            </a:r>
-            <a:r>
-              <a:rPr lang="hu-HU" b="1" dirty="0" smtClean="0"/>
-              <a:t> </a:t>
-            </a:r>
-            <a:r>
-              <a:rPr lang="hu-HU" dirty="0" smtClean="0"/>
-              <a:t>(</a:t>
-            </a:r>
-            <a:r>
-              <a:rPr lang="hu-HU" dirty="0" err="1" smtClean="0"/>
-              <a:t>search</a:t>
-            </a:r>
-            <a:r>
-              <a:rPr lang="hu-HU" dirty="0" smtClean="0"/>
-              <a:t>, </a:t>
-            </a:r>
-            <a:r>
-              <a:rPr lang="hu-HU" dirty="0" err="1" smtClean="0"/>
-              <a:t>match</a:t>
-            </a:r>
-            <a:r>
-              <a:rPr lang="hu-HU" dirty="0" smtClean="0"/>
-              <a:t>, </a:t>
-            </a:r>
-            <a:r>
-              <a:rPr lang="hu-HU" dirty="0" err="1" smtClean="0"/>
-              <a:t>findall</a:t>
-            </a:r>
-            <a:r>
-              <a:rPr lang="hu-HU" dirty="0" smtClean="0"/>
-              <a:t>, </a:t>
-            </a:r>
-            <a:r>
-              <a:rPr lang="hu-HU" dirty="0" err="1" smtClean="0"/>
-              <a:t>sub</a:t>
-            </a:r>
-            <a:r>
-              <a:rPr lang="hu-HU" dirty="0" smtClean="0"/>
-              <a:t>, etc.) </a:t>
-            </a:r>
-            <a:r>
-              <a:rPr lang="hu-HU" b="1" dirty="0" err="1" smtClean="0"/>
-              <a:t>compile</a:t>
-            </a:r>
-            <a:r>
-              <a:rPr lang="hu-HU" b="1" dirty="0" smtClean="0"/>
-              <a:t> </a:t>
-            </a:r>
-            <a:r>
-              <a:rPr lang="hu-HU" dirty="0" err="1" smtClean="0"/>
-              <a:t>the</a:t>
-            </a:r>
-            <a:r>
-              <a:rPr lang="hu-HU" dirty="0" smtClean="0"/>
-              <a:t> </a:t>
-            </a:r>
-            <a:r>
-              <a:rPr lang="hu-HU" dirty="0" err="1" smtClean="0"/>
-              <a:t>pattern</a:t>
-            </a:r>
-            <a:r>
-              <a:rPr lang="hu-HU" dirty="0" smtClean="0"/>
-              <a:t> </a:t>
-            </a:r>
-            <a:r>
-              <a:rPr lang="hu-HU" dirty="0" err="1" smtClean="0"/>
-              <a:t>passed</a:t>
-            </a:r>
-            <a:r>
-              <a:rPr lang="hu-HU" dirty="0" smtClean="0"/>
-              <a:t> </a:t>
-            </a:r>
-            <a:r>
-              <a:rPr lang="hu-HU" dirty="0" err="1" smtClean="0"/>
-              <a:t>to</a:t>
-            </a:r>
-            <a:r>
-              <a:rPr lang="hu-HU" dirty="0" smtClean="0"/>
-              <a:t> </a:t>
-            </a:r>
-            <a:r>
-              <a:rPr lang="hu-HU" dirty="0" err="1" smtClean="0"/>
-              <a:t>them</a:t>
-            </a:r>
-            <a:r>
-              <a:rPr lang="hu-HU" dirty="0" smtClean="0"/>
-              <a:t> </a:t>
-            </a:r>
-            <a:r>
-              <a:rPr lang="hu-HU" dirty="0" err="1" smtClean="0"/>
-              <a:t>automatically</a:t>
-            </a:r>
-            <a:r>
-              <a:rPr lang="hu-HU" dirty="0" smtClean="0"/>
-              <a:t> and </a:t>
-            </a:r>
-            <a:r>
-              <a:rPr lang="hu-HU" dirty="0" err="1" smtClean="0"/>
-              <a:t>store</a:t>
-            </a:r>
-            <a:r>
-              <a:rPr lang="hu-HU" dirty="0" smtClean="0"/>
-              <a:t> </a:t>
-            </a:r>
-            <a:r>
-              <a:rPr lang="hu-HU" dirty="0" err="1" smtClean="0"/>
-              <a:t>it</a:t>
-            </a:r>
-            <a:r>
-              <a:rPr lang="hu-HU" dirty="0" smtClean="0"/>
-              <a:t> </a:t>
-            </a:r>
-            <a:r>
-              <a:rPr lang="hu-HU" dirty="0" err="1" smtClean="0"/>
-              <a:t>in</a:t>
-            </a:r>
-            <a:r>
-              <a:rPr lang="hu-HU" dirty="0" smtClean="0"/>
-              <a:t> a </a:t>
-            </a:r>
-            <a:r>
-              <a:rPr lang="hu-HU" dirty="0" err="1" smtClean="0"/>
-              <a:t>central</a:t>
-            </a:r>
-            <a:r>
-              <a:rPr lang="hu-HU" dirty="0" smtClean="0"/>
-              <a:t> </a:t>
-            </a:r>
-            <a:r>
-              <a:rPr lang="hu-HU" b="1" dirty="0" smtClean="0"/>
-              <a:t>cache </a:t>
-            </a:r>
-            <a:r>
-              <a:rPr lang="hu-HU" dirty="0" err="1" smtClean="0"/>
-              <a:t>during</a:t>
-            </a:r>
-            <a:r>
-              <a:rPr lang="hu-HU" dirty="0" smtClean="0"/>
-              <a:t> </a:t>
-            </a:r>
-            <a:r>
-              <a:rPr lang="hu-HU" dirty="0" err="1" smtClean="0"/>
-              <a:t>the</a:t>
-            </a:r>
-            <a:r>
-              <a:rPr lang="hu-HU" dirty="0" smtClean="0"/>
-              <a:t> </a:t>
-            </a:r>
-            <a:r>
-              <a:rPr lang="hu-HU" dirty="0" err="1" smtClean="0"/>
-              <a:t>lifetime</a:t>
-            </a:r>
-            <a:r>
-              <a:rPr lang="hu-HU" dirty="0" smtClean="0"/>
-              <a:t> of </a:t>
-            </a:r>
-            <a:r>
-              <a:rPr lang="hu-HU" dirty="0" err="1" smtClean="0"/>
-              <a:t>the</a:t>
-            </a:r>
-            <a:r>
-              <a:rPr lang="hu-HU" dirty="0" smtClean="0"/>
-              <a:t> </a:t>
-            </a:r>
-            <a:r>
-              <a:rPr lang="hu-HU" dirty="0" err="1" smtClean="0"/>
-              <a:t>interpreter</a:t>
-            </a:r>
-            <a:r>
-              <a:rPr lang="hu-HU" dirty="0" smtClean="0"/>
-              <a:t>, </a:t>
-            </a:r>
-            <a:r>
-              <a:rPr lang="hu-HU" dirty="0" err="1" smtClean="0"/>
-              <a:t>the</a:t>
-            </a:r>
-            <a:r>
-              <a:rPr lang="hu-HU" dirty="0" smtClean="0"/>
-              <a:t> </a:t>
-            </a:r>
-            <a:r>
-              <a:rPr lang="hu-HU" dirty="0" err="1" smtClean="0"/>
-              <a:t>compiled</a:t>
-            </a:r>
-            <a:r>
-              <a:rPr lang="hu-HU" dirty="0" smtClean="0"/>
-              <a:t> </a:t>
-            </a:r>
-            <a:r>
-              <a:rPr lang="hu-HU" dirty="0" err="1" smtClean="0"/>
-              <a:t>pattern</a:t>
-            </a:r>
-            <a:r>
-              <a:rPr lang="hu-HU" dirty="0" smtClean="0"/>
-              <a:t> is </a:t>
-            </a:r>
-            <a:r>
-              <a:rPr lang="hu-HU" dirty="0" err="1" smtClean="0"/>
-              <a:t>looked</a:t>
-            </a:r>
-            <a:r>
-              <a:rPr lang="hu-HU" dirty="0" smtClean="0"/>
-              <a:t> </a:t>
-            </a:r>
-            <a:r>
-              <a:rPr lang="hu-HU" dirty="0" err="1" smtClean="0"/>
-              <a:t>up</a:t>
-            </a:r>
-            <a:r>
-              <a:rPr lang="hu-HU" dirty="0" smtClean="0"/>
-              <a:t> and </a:t>
-            </a:r>
-            <a:r>
-              <a:rPr lang="hu-HU" b="1" dirty="0" err="1" smtClean="0"/>
-              <a:t>not</a:t>
-            </a:r>
-            <a:r>
-              <a:rPr lang="hu-HU" b="1" dirty="0" smtClean="0"/>
-              <a:t> </a:t>
-            </a:r>
-            <a:r>
-              <a:rPr lang="hu-HU" b="1" dirty="0" err="1" smtClean="0"/>
-              <a:t>recompiled</a:t>
-            </a:r>
-            <a:r>
-              <a:rPr lang="hu-HU" b="1" dirty="0"/>
-              <a:t> </a:t>
-            </a:r>
-            <a:r>
-              <a:rPr lang="hu-HU" dirty="0" err="1" smtClean="0"/>
-              <a:t>when</a:t>
-            </a:r>
-            <a:r>
-              <a:rPr lang="hu-HU" dirty="0" smtClean="0"/>
-              <a:t> </a:t>
-            </a:r>
-            <a:r>
-              <a:rPr lang="hu-HU" dirty="0" err="1" smtClean="0"/>
-              <a:t>passed</a:t>
-            </a:r>
-            <a:r>
-              <a:rPr lang="hu-HU" dirty="0" smtClean="0"/>
-              <a:t> </a:t>
-            </a:r>
-            <a:r>
-              <a:rPr lang="hu-HU" dirty="0" err="1" smtClean="0"/>
-              <a:t>as</a:t>
-            </a:r>
-            <a:r>
-              <a:rPr lang="hu-HU" dirty="0" smtClean="0"/>
-              <a:t> a </a:t>
-            </a:r>
-            <a:r>
-              <a:rPr lang="hu-HU" dirty="0" err="1" smtClean="0"/>
-              <a:t>string</a:t>
-            </a:r>
-            <a:endParaRPr lang="hu-HU" dirty="0" smtClean="0"/>
-          </a:p>
-          <a:p>
-            <a:pPr lvl="3"/>
-            <a:r>
-              <a:rPr lang="hu-HU" dirty="0" err="1" smtClean="0"/>
-              <a:t>size</a:t>
-            </a:r>
-            <a:r>
-              <a:rPr lang="hu-HU" dirty="0" smtClean="0"/>
-              <a:t> of </a:t>
-            </a:r>
-            <a:r>
-              <a:rPr lang="hu-HU" dirty="0" err="1" smtClean="0"/>
-              <a:t>the</a:t>
-            </a:r>
-            <a:r>
-              <a:rPr lang="hu-HU" dirty="0" smtClean="0"/>
-              <a:t> cache is </a:t>
-            </a:r>
-            <a:r>
-              <a:rPr lang="hu-HU" dirty="0" err="1" smtClean="0"/>
-              <a:t>undocumented</a:t>
-            </a:r>
-            <a:r>
-              <a:rPr lang="hu-HU" dirty="0" smtClean="0"/>
-              <a:t>, </a:t>
-            </a:r>
-            <a:r>
-              <a:rPr lang="hu-HU" dirty="0" err="1" smtClean="0"/>
-              <a:t>but</a:t>
-            </a:r>
-            <a:r>
-              <a:rPr lang="hu-HU" dirty="0" smtClean="0"/>
-              <a:t> </a:t>
-            </a:r>
-            <a:r>
-              <a:rPr lang="hu-HU" dirty="0" err="1" smtClean="0"/>
-              <a:t>should</a:t>
-            </a:r>
-            <a:r>
-              <a:rPr lang="hu-HU" dirty="0" smtClean="0"/>
-              <a:t> be </a:t>
-            </a:r>
-            <a:r>
-              <a:rPr lang="hu-HU" dirty="0" err="1" smtClean="0"/>
-              <a:t>larger</a:t>
-            </a:r>
-            <a:r>
-              <a:rPr lang="hu-HU" dirty="0" smtClean="0"/>
-              <a:t> </a:t>
-            </a:r>
-            <a:r>
-              <a:rPr lang="hu-HU" dirty="0" err="1" smtClean="0"/>
-              <a:t>than</a:t>
-            </a:r>
-            <a:r>
-              <a:rPr lang="hu-HU" dirty="0" smtClean="0"/>
-              <a:t> 10</a:t>
+              <a:t>gyorsítótár</a:t>
+            </a:r>
+            <a:r>
+              <a:rPr lang="hu-HU" dirty="0" smtClean="0"/>
+              <a:t> mérete nincs dokumentálva, de alighanem 10-nél több elem fér el benne</a:t>
             </a:r>
           </a:p>
         </p:txBody>
@@ -16028,18 +13137,15 @@
         </p:spPr>
         <p:txBody>
           <a:bodyPr>
-            <a:normAutofit fontScale="55000" lnSpcReduction="20000"/>
+            <a:normAutofit fontScale="62500" lnSpcReduction="20000"/>
           </a:bodyPr>
           <a:lstStyle/>
           <a:p>
             <a:r>
-              <a:rPr lang="hu-HU" dirty="0" err="1" smtClean="0"/>
-              <a:t>Functions</a:t>
-            </a:r>
-            <a:r>
-              <a:rPr lang="hu-HU" dirty="0" smtClean="0"/>
-              <a:t>:</a:t>
-            </a:r>
+              <a:rPr lang="hu-HU" dirty="0" smtClean="0"/>
+              <a:t>Függvények:</a:t>
+            </a:r>
+            <a:endParaRPr lang="hu-HU" dirty="0" smtClean="0"/>
           </a:p>
           <a:p>
             <a:pPr lvl="1"/>
@@ -16076,44 +13182,8 @@
               <a:t>): </a:t>
             </a:r>
             <a:r>
-              <a:rPr lang="hu-HU" dirty="0" err="1" smtClean="0"/>
-              <a:t>checks</a:t>
-            </a:r>
-            <a:r>
-              <a:rPr lang="hu-HU" dirty="0" smtClean="0"/>
-              <a:t> </a:t>
-            </a:r>
-            <a:r>
-              <a:rPr lang="hu-HU" dirty="0" err="1" smtClean="0"/>
-              <a:t>whether</a:t>
-            </a:r>
-            <a:r>
-              <a:rPr lang="hu-HU" dirty="0" smtClean="0"/>
-              <a:t> </a:t>
-            </a:r>
-            <a:r>
-              <a:rPr lang="hu-HU" b="1" dirty="0" err="1" smtClean="0"/>
-              <a:t>the</a:t>
-            </a:r>
-            <a:r>
-              <a:rPr lang="hu-HU" b="1" dirty="0" smtClean="0"/>
-              <a:t> </a:t>
-            </a:r>
-            <a:r>
-              <a:rPr lang="hu-HU" b="1" dirty="0" err="1" smtClean="0"/>
-              <a:t>beginning</a:t>
-            </a:r>
-            <a:r>
-              <a:rPr lang="hu-HU" b="1" dirty="0" smtClean="0"/>
-              <a:t> (</a:t>
-            </a:r>
-            <a:r>
-              <a:rPr lang="hu-HU" b="1" dirty="0" err="1" smtClean="0"/>
-              <a:t>prefix</a:t>
-            </a:r>
-            <a:r>
-              <a:rPr lang="hu-HU" b="1" dirty="0" smtClean="0"/>
-              <a:t>) of </a:t>
+              <a:rPr lang="hu-HU" dirty="0" smtClean="0"/>
+              <a:t>megvizsgálja, hogy a </a:t>
             </a:r>
             <a:r>
               <a:rPr lang="hu-HU" b="1" i="1" dirty="0" err="1" smtClean="0"/>
@@ -16124,18 +13194,25 @@
               <a:t> </a:t>
             </a:r>
             <a:r>
-              <a:rPr lang="hu-HU" dirty="0" err="1" smtClean="0"/>
-              <a:t>matches</a:t>
-            </a:r>
-            <a:r>
-              <a:rPr lang="hu-HU" dirty="0" smtClean="0"/>
-              <a:t> </a:t>
+              <a:rPr lang="hu-HU" b="1" dirty="0" smtClean="0"/>
+              <a:t>kezdetére (prefixumára) illeszkedik-e </a:t>
+            </a:r>
+            <a:r>
+              <a:rPr lang="hu-HU" dirty="0" smtClean="0"/>
+              <a:t>a </a:t>
             </a:r>
             <a:r>
               <a:rPr lang="hu-HU" i="1" dirty="0" err="1" smtClean="0"/>
               <a:t>pattern</a:t>
             </a:r>
-            <a:endParaRPr lang="hu-HU" i="1" dirty="0" smtClean="0"/>
+            <a:r>
+              <a:rPr lang="hu-HU" i="1" dirty="0" smtClean="0"/>
+              <a:t> </a:t>
+            </a:r>
+            <a:r>
+              <a:rPr lang="hu-HU" dirty="0" smtClean="0"/>
+              <a:t>minta</a:t>
+            </a:r>
           </a:p>
           <a:p>
             <a:pPr lvl="1"/>
@@ -16172,38 +13249,6 @@
               <a:t>): </a:t>
             </a:r>
             <a:r>
-              <a:rPr lang="hu-HU" dirty="0" err="1" smtClean="0"/>
-              <a:t>checks</a:t>
-            </a:r>
-            <a:r>
-              <a:rPr lang="hu-HU" dirty="0" smtClean="0"/>
-              <a:t> </a:t>
-            </a:r>
-            <a:r>
-              <a:rPr lang="hu-HU" dirty="0" err="1" smtClean="0"/>
-              <a:t>whether</a:t>
-            </a:r>
-            <a:r>
-              <a:rPr lang="hu-HU" dirty="0" smtClean="0"/>
-              <a:t> </a:t>
-            </a:r>
-            <a:r>
-              <a:rPr lang="hu-HU" b="1" dirty="0" err="1" smtClean="0"/>
-              <a:t>the</a:t>
-            </a:r>
-            <a:r>
-              <a:rPr lang="hu-HU" b="1" dirty="0" smtClean="0"/>
-              <a:t> </a:t>
-            </a:r>
-            <a:r>
-              <a:rPr lang="hu-HU" b="1" dirty="0" err="1" smtClean="0"/>
-              <a:t>whole</a:t>
-            </a:r>
-            <a:r>
-              <a:rPr lang="hu-HU" b="1" dirty="0" smtClean="0"/>
-              <a:t> </a:t>
-            </a:r>
-            <a:r>
               <a:rPr lang="hu-HU" b="1" i="1" dirty="0" err="1" smtClean="0"/>
               <a:t>string</a:t>
             </a:r>
@@ -16212,12 +13257,12 @@
               <a:t> </a:t>
             </a:r>
             <a:r>
-              <a:rPr lang="hu-HU" dirty="0" err="1" smtClean="0"/>
-              <a:t>matches</a:t>
-            </a:r>
-            <a:r>
-              <a:rPr lang="hu-HU" dirty="0" smtClean="0"/>
-              <a:t> </a:t>
+              <a:rPr lang="hu-HU" b="1" dirty="0" smtClean="0"/>
+              <a:t>egészére </a:t>
+            </a:r>
+            <a:r>
+              <a:rPr lang="hu-HU" dirty="0" smtClean="0"/>
+              <a:t>illeszkedik-e a </a:t>
             </a:r>
             <a:r>
               <a:rPr lang="hu-HU" i="1" dirty="0" err="1" smtClean="0"/>
@@ -16260,87 +13305,170 @@
               <a:t>): </a:t>
             </a:r>
             <a:r>
-              <a:rPr lang="hu-HU" b="1" dirty="0" err="1" smtClean="0"/>
-              <a:t>scans</a:t>
+              <a:rPr lang="hu-HU" i="1" dirty="0" err="1" smtClean="0"/>
+              <a:t>pattern</a:t>
+            </a:r>
+            <a:r>
+              <a:rPr lang="hu-HU" i="1" dirty="0" smtClean="0"/>
+              <a:t> </a:t>
             </a:r>
             <a:r>
               <a:rPr lang="hu-HU" b="1" dirty="0" smtClean="0"/>
-              <a:t> </a:t>
+              <a:t>előfordulásait keresi </a:t>
             </a:r>
             <a:r>
               <a:rPr lang="hu-HU" i="1" dirty="0" err="1" smtClean="0"/>
               <a:t>string</a:t>
             </a:r>
             <a:r>
+              <a:rPr lang="hu-HU" dirty="0" err="1" smtClean="0"/>
+              <a:t>-ben</a:t>
+            </a:r>
+            <a:r>
+              <a:rPr lang="hu-HU" dirty="0" smtClean="0"/>
+              <a:t>, visszaadja </a:t>
+            </a:r>
+            <a:r>
+              <a:rPr lang="hu-HU" b="1" dirty="0" smtClean="0"/>
+              <a:t>az első illeszkedést </a:t>
+            </a:r>
+            <a:r>
+              <a:rPr lang="hu-HU" dirty="0" smtClean="0"/>
+              <a:t>(</a:t>
+            </a:r>
+            <a:r>
+              <a:rPr lang="hu-HU" b="1" dirty="0" smtClean="0"/>
+              <a:t>nem „globális”</a:t>
+            </a:r>
+            <a:r>
+              <a:rPr lang="hu-HU" dirty="0" smtClean="0"/>
+              <a:t> illesztés)</a:t>
+            </a:r>
+          </a:p>
+          <a:p>
+            <a:pPr lvl="1"/>
+            <a:r>
+              <a:rPr lang="hu-HU" i="1" dirty="0" err="1" smtClean="0"/>
+              <a:t>re.findall</a:t>
+            </a:r>
+            <a:r>
               <a:rPr lang="hu-HU" i="1" dirty="0" smtClean="0"/>
-              <a:t> </a:t>
-            </a:r>
-            <a:r>
-              <a:rPr lang="hu-HU" dirty="0" err="1" smtClean="0"/>
-              <a:t>for</a:t>
-            </a:r>
-            <a:r>
-              <a:rPr lang="hu-HU" dirty="0" smtClean="0"/>
-              <a:t> </a:t>
+              <a:t>(</a:t>
             </a:r>
             <a:r>
               <a:rPr lang="hu-HU" i="1" dirty="0" err="1" smtClean="0"/>
               <a:t>pattern</a:t>
             </a:r>
             <a:r>
+              <a:rPr lang="hu-HU" i="1" dirty="0"/>
+              <a:t>, </a:t>
+            </a:r>
+            <a:r>
+              <a:rPr lang="hu-HU" i="1" dirty="0" err="1"/>
+              <a:t>string</a:t>
+            </a:r>
+            <a:r>
+              <a:rPr lang="hu-HU" i="1" dirty="0"/>
+              <a:t>, </a:t>
+            </a:r>
+            <a:r>
+              <a:rPr lang="hu-HU" i="1" dirty="0" err="1"/>
+              <a:t>flags</a:t>
+            </a:r>
+            <a:r>
+              <a:rPr lang="hu-HU" i="1" dirty="0" smtClean="0"/>
+              <a:t>): </a:t>
+            </a:r>
+            <a:r>
+              <a:rPr lang="hu-HU" b="1" dirty="0" smtClean="0"/>
+              <a:t>keres</a:t>
+            </a:r>
+            <a:r>
+              <a:rPr lang="hu-HU" dirty="0" smtClean="0"/>
+              <a:t>, </a:t>
+            </a:r>
+            <a:r>
+              <a:rPr lang="hu-HU" b="1" dirty="0" smtClean="0"/>
+              <a:t>listaként </a:t>
+            </a:r>
+            <a:r>
+              <a:rPr lang="hu-HU" dirty="0" smtClean="0"/>
+              <a:t>visszaadja az </a:t>
+            </a:r>
+            <a:r>
+              <a:rPr lang="hu-HU" b="1" dirty="0" smtClean="0"/>
+              <a:t>összes illeszkedést </a:t>
+            </a:r>
+            <a:r>
+              <a:rPr lang="hu-HU" dirty="0" smtClean="0"/>
+              <a:t>(</a:t>
+            </a:r>
+            <a:r>
+              <a:rPr lang="hu-HU" b="1" dirty="0" smtClean="0"/>
+              <a:t>globális</a:t>
+            </a:r>
+            <a:r>
+              <a:rPr lang="hu-HU" dirty="0" smtClean="0"/>
+              <a:t>)</a:t>
+            </a:r>
+          </a:p>
+          <a:p>
+            <a:pPr lvl="1"/>
+            <a:r>
+              <a:rPr lang="hu-HU" i="1" dirty="0" err="1" smtClean="0"/>
+              <a:t>re.finditer</a:t>
+            </a:r>
+            <a:r>
+              <a:rPr lang="hu-HU" i="1" dirty="0" smtClean="0"/>
+              <a:t>(</a:t>
+            </a:r>
+            <a:r>
+              <a:rPr lang="hu-HU" i="1" dirty="0" err="1" smtClean="0"/>
+              <a:t>pattern</a:t>
+            </a:r>
+            <a:r>
               <a:rPr lang="hu-HU" i="1" dirty="0" smtClean="0"/>
               <a:t>, </a:t>
             </a:r>
             <a:r>
+              <a:rPr lang="hu-HU" i="1" dirty="0" err="1" smtClean="0"/>
+              <a:t>string</a:t>
+            </a:r>
+            <a:r>
+              <a:rPr lang="hu-HU" i="1" dirty="0" smtClean="0"/>
+              <a:t>, </a:t>
+            </a:r>
+            <a:r>
+              <a:rPr lang="hu-HU" i="1" dirty="0" err="1" smtClean="0"/>
+              <a:t>flags</a:t>
+            </a:r>
+            <a:r>
+              <a:rPr lang="hu-HU" i="1" dirty="0" smtClean="0"/>
+              <a:t>): </a:t>
+            </a:r>
+            <a:r>
+              <a:rPr lang="hu-HU" dirty="0" smtClean="0"/>
+              <a:t>ugyanez, de illeszkedéseket adó </a:t>
+            </a:r>
+            <a:r>
               <a:rPr lang="hu-HU" b="1" dirty="0" err="1" smtClean="0"/>
-              <a:t>returns</a:t>
+              <a:t>iterátort</a:t>
             </a:r>
             <a:r>
               <a:rPr lang="hu-HU" b="1" dirty="0" smtClean="0"/>
               <a:t> </a:t>
             </a:r>
             <a:r>
-              <a:rPr lang="hu-HU" b="1" dirty="0" err="1" smtClean="0"/>
-              <a:t>first</a:t>
-            </a:r>
-            <a:r>
-              <a:rPr lang="hu-HU" b="1" dirty="0" smtClean="0"/>
-              <a:t> </a:t>
-            </a:r>
-            <a:r>
-              <a:rPr lang="hu-HU" b="1" dirty="0" err="1" smtClean="0"/>
-              <a:t>match</a:t>
-            </a:r>
-            <a:r>
-              <a:rPr lang="hu-HU" b="1" dirty="0" smtClean="0"/>
-              <a:t> </a:t>
-            </a:r>
-            <a:r>
-              <a:rPr lang="hu-HU" dirty="0" smtClean="0"/>
-              <a:t>(</a:t>
-            </a:r>
-            <a:r>
-              <a:rPr lang="hu-HU" b="1" dirty="0" err="1" smtClean="0"/>
-              <a:t>non-global</a:t>
-            </a:r>
-            <a:r>
-              <a:rPr lang="hu-HU" dirty="0" smtClean="0"/>
-              <a:t> </a:t>
-            </a:r>
-            <a:r>
-              <a:rPr lang="hu-HU" dirty="0" err="1" smtClean="0"/>
-              <a:t>matching</a:t>
-            </a:r>
-            <a:r>
-              <a:rPr lang="hu-HU" dirty="0" smtClean="0"/>
-              <a:t>)</a:t>
-            </a:r>
+              <a:rPr lang="hu-HU" dirty="0" smtClean="0"/>
+              <a:t>ad vissza, amit ciklusban használhatunk fel</a:t>
+            </a:r>
+            <a:endParaRPr lang="hu-HU" i="1" dirty="0" smtClean="0"/>
           </a:p>
           <a:p>
             <a:pPr lvl="1"/>
             <a:r>
               <a:rPr lang="hu-HU" i="1" dirty="0" err="1" smtClean="0"/>
-              <a:t>re.findall</a:t>
+              <a:t>re.split</a:t>
             </a:r>
             <a:r>
               <a:rPr lang="hu-HU" i="1" dirty="0" smtClean="0"/>
@@ -16351,19 +13479,19 @@
               <a:t>pattern</a:t>
             </a:r>
             <a:r>
-              <a:rPr lang="hu-HU" i="1" dirty="0"/>
+              <a:rPr lang="hu-HU" i="1" dirty="0" smtClean="0"/>
               <a:t>, </a:t>
             </a:r>
             <a:r>
-              <a:rPr lang="hu-HU" i="1" dirty="0" err="1"/>
+              <a:rPr lang="hu-HU" i="1" dirty="0" err="1" smtClean="0"/>
               <a:t>string</a:t>
             </a:r>
             <a:r>
-              <a:rPr lang="hu-HU" i="1" dirty="0"/>
+              <a:rPr lang="hu-HU" i="1" dirty="0" smtClean="0"/>
               <a:t>, </a:t>
             </a:r>
             <a:r>
-              <a:rPr lang="hu-HU" i="1" dirty="0" err="1"/>
+              <a:rPr lang="hu-HU" i="1" dirty="0" err="1" smtClean="0"/>
               <a:t>flags</a:t>
             </a:r>
             <a:r>
@@ -16371,76 +13499,32 @@
               <a:t>): </a:t>
             </a:r>
             <a:r>
-              <a:rPr lang="hu-HU" b="1" dirty="0" err="1" smtClean="0"/>
-              <a:t>scans</a:t>
-            </a:r>
-            <a:r>
-              <a:rPr lang="hu-HU" b="1" dirty="0" smtClean="0"/>
-              <a:t> </a:t>
+              <a:rPr lang="hu-HU" i="1" dirty="0" err="1" smtClean="0"/>
+              <a:t>pattern</a:t>
+            </a:r>
+            <a:r>
+              <a:rPr lang="hu-HU" i="1" dirty="0" smtClean="0"/>
+              <a:t> </a:t>
+            </a:r>
+            <a:r>
+              <a:rPr lang="hu-HU" dirty="0" smtClean="0"/>
+              <a:t>mentén felbontja </a:t>
             </a:r>
             <a:r>
               <a:rPr lang="hu-HU" i="1" dirty="0" err="1" smtClean="0"/>
               <a:t>string</a:t>
             </a:r>
             <a:r>
-              <a:rPr lang="hu-HU" dirty="0" smtClean="0"/>
-              <a:t>, </a:t>
-            </a:r>
-            <a:r>
-              <a:rPr lang="hu-HU" b="1" dirty="0" err="1" smtClean="0"/>
-              <a:t>returns</a:t>
-            </a:r>
-            <a:r>
-              <a:rPr lang="hu-HU" b="1" dirty="0" smtClean="0"/>
-              <a:t> </a:t>
-            </a:r>
-            <a:r>
-              <a:rPr lang="hu-HU" b="1" dirty="0" err="1" smtClean="0"/>
-              <a:t>all</a:t>
-            </a:r>
-            <a:r>
-              <a:rPr lang="hu-HU" b="1" dirty="0" smtClean="0"/>
-              <a:t> </a:t>
-            </a:r>
-            <a:r>
-              <a:rPr lang="hu-HU" b="1" dirty="0" err="1" smtClean="0"/>
-              <a:t>matches</a:t>
-            </a:r>
-            <a:r>
-              <a:rPr lang="hu-HU" b="1" dirty="0" smtClean="0"/>
-              <a:t> </a:t>
-            </a:r>
-            <a:r>
-              <a:rPr lang="hu-HU" dirty="0" smtClean="0"/>
-              <a:t>(</a:t>
-            </a:r>
-            <a:r>
-              <a:rPr lang="hu-HU" b="1" dirty="0" err="1" smtClean="0"/>
-              <a:t>global</a:t>
-            </a:r>
-            <a:r>
-              <a:rPr lang="hu-HU" dirty="0" smtClean="0"/>
-              <a:t>) </a:t>
-            </a:r>
-            <a:r>
               <a:rPr lang="hu-HU" dirty="0" err="1" smtClean="0"/>
-              <a:t>as</a:t>
-            </a:r>
-            <a:r>
-              <a:rPr lang="hu-HU" dirty="0" smtClean="0"/>
-              <a:t> a </a:t>
-            </a:r>
-            <a:r>
-              <a:rPr lang="hu-HU" b="1" dirty="0" err="1" smtClean="0"/>
-              <a:t>list</a:t>
-            </a:r>
-            <a:endParaRPr lang="hu-HU" b="1" dirty="0" smtClean="0"/>
-          </a:p>
-          <a:p>
-            <a:pPr lvl="1"/>
+              <a:t>-et</a:t>
+            </a:r>
+            <a:r>
+              <a:rPr lang="hu-HU" dirty="0" smtClean="0"/>
+              <a:t>, hasonló a </a:t>
+            </a:r>
             <a:r>
               <a:rPr lang="hu-HU" i="1" dirty="0" err="1" smtClean="0"/>
-              <a:t>re.finditer</a:t>
+              <a:t>str.split</a:t>
             </a:r>
             <a:r>
               <a:rPr lang="hu-HU" i="1" dirty="0" smtClean="0"/>
@@ -16448,6 +13532,30 @@
             </a:r>
             <a:r>
               <a:rPr lang="hu-HU" i="1" dirty="0" err="1" smtClean="0"/>
+              <a:t>delimiter</a:t>
+            </a:r>
+            <a:r>
+              <a:rPr lang="hu-HU" i="1" dirty="0" smtClean="0"/>
+              <a:t>) </a:t>
+            </a:r>
+            <a:r>
+              <a:rPr lang="hu-HU" dirty="0" smtClean="0"/>
+              <a:t>függvényhez, de annál rugalmasabb</a:t>
+            </a:r>
+            <a:endParaRPr lang="hu-HU" dirty="0" smtClean="0"/>
+          </a:p>
+          <a:p>
+            <a:pPr lvl="1"/>
+            <a:r>
+              <a:rPr lang="hu-HU" i="1" dirty="0" err="1" smtClean="0"/>
+              <a:t>re.sub</a:t>
+            </a:r>
+            <a:r>
+              <a:rPr lang="hu-HU" i="1" dirty="0" smtClean="0"/>
+              <a:t>(</a:t>
+            </a:r>
+            <a:r>
+              <a:rPr lang="hu-HU" i="1" dirty="0" err="1" smtClean="0"/>
               <a:t>pattern</a:t>
             </a:r>
             <a:r>
@@ -16456,7 +13564,7 @@
             </a:r>
             <a:r>
               <a:rPr lang="hu-HU" i="1" dirty="0" err="1" smtClean="0"/>
-              <a:t>string</a:t>
+              <a:t>repl</a:t>
             </a:r>
             <a:r>
               <a:rPr lang="hu-HU" i="1" dirty="0" smtClean="0"/>
@@ -16464,6 +13572,22 @@
             </a:r>
             <a:r>
               <a:rPr lang="hu-HU" i="1" dirty="0" err="1" smtClean="0"/>
+              <a:t>string</a:t>
+            </a:r>
+            <a:r>
+              <a:rPr lang="hu-HU" i="1" dirty="0" smtClean="0"/>
+              <a:t>, </a:t>
+            </a:r>
+            <a:r>
+              <a:rPr lang="hu-HU" i="1" dirty="0" err="1" smtClean="0"/>
+              <a:t>count</a:t>
+            </a:r>
+            <a:r>
+              <a:rPr lang="hu-HU" i="1" dirty="0" smtClean="0"/>
+              <a:t>, </a:t>
+            </a:r>
+            <a:r>
+              <a:rPr lang="hu-HU" i="1" dirty="0" err="1" smtClean="0"/>
               <a:t>flags</a:t>
             </a:r>
             <a:r>
@@ -16471,387 +13595,64 @@
               <a:t>): </a:t>
             </a:r>
             <a:r>
-              <a:rPr lang="hu-HU" dirty="0" err="1" smtClean="0"/>
-              <a:t>same</a:t>
-            </a:r>
-            <a:r>
-              <a:rPr lang="hu-HU" dirty="0" smtClean="0"/>
-              <a:t>, </a:t>
-            </a:r>
-            <a:r>
-              <a:rPr lang="hu-HU" dirty="0" err="1" smtClean="0"/>
-              <a:t>but</a:t>
-            </a:r>
-            <a:r>
-              <a:rPr lang="hu-HU" dirty="0" smtClean="0"/>
-              <a:t> </a:t>
-            </a:r>
-            <a:r>
-              <a:rPr lang="hu-HU" dirty="0" err="1" smtClean="0"/>
-              <a:t>returns</a:t>
-            </a:r>
-            <a:r>
-              <a:rPr lang="hu-HU" dirty="0" smtClean="0"/>
-              <a:t> an </a:t>
-            </a:r>
-            <a:r>
-              <a:rPr lang="hu-HU" b="1" dirty="0" err="1" smtClean="0"/>
-              <a:t>iterator</a:t>
-            </a:r>
-            <a:r>
-              <a:rPr lang="hu-HU" dirty="0" smtClean="0"/>
-              <a:t> </a:t>
-            </a:r>
-            <a:r>
-              <a:rPr lang="hu-HU" dirty="0" err="1" smtClean="0"/>
-              <a:t>yielding</a:t>
-            </a:r>
-            <a:r>
-              <a:rPr lang="hu-HU" dirty="0" smtClean="0"/>
-              <a:t> </a:t>
-            </a:r>
-            <a:r>
-              <a:rPr lang="hu-HU" dirty="0" err="1" smtClean="0"/>
-              <a:t>matches</a:t>
-            </a:r>
-            <a:r>
-              <a:rPr lang="hu-HU" dirty="0" smtClean="0"/>
-              <a:t>, </a:t>
-            </a:r>
-            <a:r>
-              <a:rPr lang="hu-HU" dirty="0" err="1" smtClean="0"/>
-              <a:t>to</a:t>
-            </a:r>
-            <a:r>
-              <a:rPr lang="hu-HU" dirty="0" smtClean="0"/>
-              <a:t> be </a:t>
-            </a:r>
-            <a:r>
-              <a:rPr lang="hu-HU" dirty="0" err="1" smtClean="0"/>
-              <a:t>used</a:t>
-            </a:r>
-            <a:r>
-              <a:rPr lang="hu-HU" dirty="0" smtClean="0"/>
-              <a:t> </a:t>
-            </a:r>
-            <a:r>
-              <a:rPr lang="hu-HU" dirty="0" err="1" smtClean="0"/>
-              <a:t>in</a:t>
-            </a:r>
-            <a:r>
-              <a:rPr lang="hu-HU" dirty="0" smtClean="0"/>
-              <a:t> a </a:t>
-            </a:r>
-            <a:r>
-              <a:rPr lang="hu-HU" dirty="0" err="1" smtClean="0"/>
-              <a:t>loop</a:t>
-            </a:r>
-            <a:endParaRPr lang="hu-HU" dirty="0" smtClean="0"/>
-          </a:p>
-          <a:p>
-            <a:pPr lvl="1"/>
-            <a:r>
-              <a:rPr lang="hu-HU" i="1" dirty="0" err="1" smtClean="0"/>
-              <a:t>re.split</a:t>
-            </a:r>
-            <a:r>
-              <a:rPr lang="hu-HU" i="1" dirty="0" smtClean="0"/>
-              <a:t>(</a:t>
-            </a:r>
-            <a:r>
               <a:rPr lang="hu-HU" i="1" dirty="0" err="1" smtClean="0"/>
               <a:t>pattern</a:t>
             </a:r>
             <a:r>
               <a:rPr lang="hu-HU" i="1" dirty="0" smtClean="0"/>
-              <a:t>, </a:t>
+              <a:t> </a:t>
+            </a:r>
+            <a:r>
+              <a:rPr lang="hu-HU" dirty="0" smtClean="0"/>
+              <a:t>minta első </a:t>
+            </a:r>
+            <a:r>
+              <a:rPr lang="hu-HU" i="1" dirty="0" err="1" smtClean="0"/>
+              <a:t>count</a:t>
+            </a:r>
+            <a:r>
+              <a:rPr lang="hu-HU" i="1" dirty="0" smtClean="0"/>
+              <a:t> </a:t>
+            </a:r>
+            <a:r>
+              <a:rPr lang="hu-HU" dirty="0" smtClean="0"/>
+              <a:t>darab előfordulását </a:t>
             </a:r>
             <a:r>
               <a:rPr lang="hu-HU" i="1" dirty="0" err="1" smtClean="0"/>
               <a:t>string</a:t>
             </a:r>
             <a:r>
-              <a:rPr lang="hu-HU" i="1" dirty="0" smtClean="0"/>
-              <a:t>, </a:t>
-            </a:r>
-            <a:r>
-              <a:rPr lang="hu-HU" i="1" dirty="0" err="1" smtClean="0"/>
-              <a:t>flags</a:t>
-            </a:r>
-            <a:r>
-              <a:rPr lang="hu-HU" i="1" dirty="0" smtClean="0"/>
-              <a:t>): </a:t>
-            </a:r>
-            <a:r>
               <a:rPr lang="hu-HU" dirty="0" err="1" smtClean="0"/>
-              <a:t>splits</a:t>
-            </a:r>
-            <a:r>
-              <a:rPr lang="hu-HU" dirty="0" smtClean="0"/>
-              <a:t> </a:t>
-            </a:r>
-            <a:r>
-              <a:rPr lang="hu-HU" dirty="0" err="1" smtClean="0"/>
-              <a:t>string</a:t>
-            </a:r>
-            <a:r>
-              <a:rPr lang="hu-HU" dirty="0" smtClean="0"/>
-              <a:t> </a:t>
-            </a:r>
-            <a:r>
-              <a:rPr lang="hu-HU" dirty="0" err="1" smtClean="0"/>
-              <a:t>on</a:t>
-            </a:r>
-            <a:r>
-              <a:rPr lang="hu-HU" dirty="0" smtClean="0"/>
-              <a:t> </a:t>
-            </a:r>
-            <a:r>
-              <a:rPr lang="hu-HU" dirty="0" err="1" smtClean="0"/>
-              <a:t>pattern</a:t>
-            </a:r>
-            <a:r>
-              <a:rPr lang="hu-HU" dirty="0" smtClean="0"/>
-              <a:t>, </a:t>
-            </a:r>
-            <a:r>
-              <a:rPr lang="hu-HU" dirty="0" err="1" smtClean="0"/>
-              <a:t>similar</a:t>
-            </a:r>
-            <a:r>
-              <a:rPr lang="hu-HU" dirty="0" smtClean="0"/>
-              <a:t> </a:t>
-            </a:r>
-            <a:r>
-              <a:rPr lang="hu-HU" dirty="0" err="1" smtClean="0"/>
-              <a:t>to</a:t>
-            </a:r>
-            <a:r>
-              <a:rPr lang="hu-HU" dirty="0" smtClean="0"/>
-              <a:t> </a:t>
-            </a:r>
-            <a:r>
-              <a:rPr lang="hu-HU" dirty="0" err="1" smtClean="0"/>
-              <a:t>but</a:t>
-            </a:r>
-            <a:r>
-              <a:rPr lang="hu-HU" dirty="0" smtClean="0"/>
-              <a:t> more </a:t>
-            </a:r>
-            <a:r>
-              <a:rPr lang="hu-HU" dirty="0" err="1" smtClean="0"/>
-              <a:t>flexible</a:t>
-            </a:r>
-            <a:r>
-              <a:rPr lang="hu-HU" dirty="0" smtClean="0"/>
-              <a:t> </a:t>
-            </a:r>
-            <a:r>
-              <a:rPr lang="hu-HU" dirty="0" err="1" smtClean="0"/>
-              <a:t>than</a:t>
-            </a:r>
-            <a:r>
-              <a:rPr lang="hu-HU" dirty="0" smtClean="0"/>
-              <a:t> </a:t>
-            </a:r>
-            <a:r>
-              <a:rPr lang="hu-HU" i="1" dirty="0" err="1" smtClean="0"/>
-              <a:t>str.split</a:t>
-            </a:r>
-            <a:r>
-              <a:rPr lang="hu-HU" i="1" dirty="0" smtClean="0"/>
-              <a:t>(</a:t>
-            </a:r>
-            <a:r>
-              <a:rPr lang="hu-HU" i="1" dirty="0" err="1" smtClean="0"/>
-              <a:t>delimiter</a:t>
-            </a:r>
-            <a:r>
-              <a:rPr lang="hu-HU" i="1" dirty="0" smtClean="0"/>
-              <a:t>)</a:t>
-            </a:r>
-          </a:p>
-          <a:p>
-            <a:pPr lvl="1"/>
-            <a:r>
-              <a:rPr lang="hu-HU" i="1" dirty="0" err="1" smtClean="0"/>
-              <a:t>re.sub</a:t>
-            </a:r>
-            <a:r>
-              <a:rPr lang="hu-HU" i="1" dirty="0" smtClean="0"/>
-              <a:t>(</a:t>
-            </a:r>
-            <a:r>
-              <a:rPr lang="hu-HU" i="1" dirty="0" err="1" smtClean="0"/>
-              <a:t>pattern</a:t>
-            </a:r>
-            <a:r>
-              <a:rPr lang="hu-HU" i="1" dirty="0" smtClean="0"/>
-              <a:t>, </a:t>
+              <a:t>-ben</a:t>
+            </a:r>
+            <a:r>
+              <a:rPr lang="hu-HU" dirty="0" smtClean="0"/>
+              <a:t> </a:t>
             </a:r>
             <a:r>
               <a:rPr lang="hu-HU" i="1" dirty="0" err="1" smtClean="0"/>
               <a:t>repl</a:t>
             </a:r>
             <a:r>
-              <a:rPr lang="hu-HU" i="1" dirty="0" smtClean="0"/>
-              <a:t>, </a:t>
-            </a:r>
-            <a:r>
-              <a:rPr lang="hu-HU" i="1" dirty="0" err="1" smtClean="0"/>
-              <a:t>string</a:t>
-            </a:r>
-            <a:r>
-              <a:rPr lang="hu-HU" i="1" dirty="0" smtClean="0"/>
-              <a:t>, </a:t>
-            </a:r>
-            <a:r>
-              <a:rPr lang="hu-HU" i="1" dirty="0" err="1" smtClean="0"/>
-              <a:t>count</a:t>
-            </a:r>
-            <a:r>
-              <a:rPr lang="hu-HU" i="1" dirty="0" smtClean="0"/>
-              <a:t>, </a:t>
-            </a:r>
-            <a:r>
-              <a:rPr lang="hu-HU" i="1" dirty="0" err="1" smtClean="0"/>
-              <a:t>flags</a:t>
-            </a:r>
-            <a:r>
-              <a:rPr lang="hu-HU" i="1" dirty="0" smtClean="0"/>
-              <a:t>): </a:t>
-            </a:r>
-            <a:r>
               <a:rPr lang="hu-HU" dirty="0" err="1" smtClean="0"/>
-              <a:t>substitutes</a:t>
-            </a:r>
-            <a:r>
-              <a:rPr lang="hu-HU" dirty="0" smtClean="0"/>
-              <a:t> </a:t>
-            </a:r>
-            <a:r>
-              <a:rPr lang="hu-HU" dirty="0" err="1" smtClean="0"/>
-              <a:t>the</a:t>
-            </a:r>
-            <a:r>
-              <a:rPr lang="hu-HU" dirty="0" smtClean="0"/>
-              <a:t> </a:t>
-            </a:r>
-            <a:r>
-              <a:rPr lang="hu-HU" dirty="0" err="1" smtClean="0"/>
-              <a:t>first</a:t>
-            </a:r>
-            <a:r>
-              <a:rPr lang="hu-HU" dirty="0" smtClean="0"/>
-              <a:t> </a:t>
-            </a:r>
-            <a:r>
-              <a:rPr lang="hu-HU" i="1" dirty="0" err="1" smtClean="0"/>
-              <a:t>count</a:t>
-            </a:r>
-            <a:r>
-              <a:rPr lang="hu-HU" i="1" dirty="0" smtClean="0"/>
-              <a:t> </a:t>
-            </a:r>
-            <a:r>
-              <a:rPr lang="hu-HU" dirty="0" smtClean="0"/>
-              <a:t>(</a:t>
-            </a:r>
-            <a:r>
-              <a:rPr lang="hu-HU" dirty="0" err="1" smtClean="0"/>
-              <a:t>default</a:t>
-            </a:r>
-            <a:r>
-              <a:rPr lang="hu-HU" dirty="0" smtClean="0"/>
-              <a:t>: </a:t>
-            </a:r>
-            <a:r>
-              <a:rPr lang="hu-HU" dirty="0" err="1" smtClean="0"/>
-              <a:t>all</a:t>
-            </a:r>
-            <a:r>
-              <a:rPr lang="hu-HU" dirty="0" smtClean="0"/>
-              <a:t>) </a:t>
-            </a:r>
-            <a:r>
-              <a:rPr lang="hu-HU" dirty="0" err="1" smtClean="0"/>
-              <a:t>matches</a:t>
-            </a:r>
-            <a:r>
-              <a:rPr lang="hu-HU" dirty="0" smtClean="0"/>
-              <a:t> of </a:t>
-            </a:r>
-            <a:r>
-              <a:rPr lang="hu-HU" i="1" dirty="0" err="1" smtClean="0"/>
-              <a:t>pattern</a:t>
-            </a:r>
-            <a:r>
-              <a:rPr lang="hu-HU" i="1" dirty="0" smtClean="0"/>
-              <a:t> </a:t>
-            </a:r>
-            <a:r>
-              <a:rPr lang="hu-HU" dirty="0" err="1" smtClean="0"/>
-              <a:t>in</a:t>
-            </a:r>
-            <a:r>
-              <a:rPr lang="hu-HU" dirty="0" smtClean="0"/>
-              <a:t> </a:t>
-            </a:r>
-            <a:r>
-              <a:rPr lang="hu-HU" i="1" dirty="0" err="1" smtClean="0"/>
-              <a:t>string</a:t>
-            </a:r>
-            <a:r>
-              <a:rPr lang="hu-HU" i="1" dirty="0" smtClean="0"/>
-              <a:t> </a:t>
-            </a:r>
-            <a:r>
-              <a:rPr lang="hu-HU" dirty="0" err="1" smtClean="0"/>
-              <a:t>by</a:t>
-            </a:r>
-            <a:r>
-              <a:rPr lang="hu-HU" dirty="0" smtClean="0"/>
-              <a:t> </a:t>
+              <a:t>-re</a:t>
+            </a:r>
+            <a:r>
+              <a:rPr lang="hu-HU" dirty="0" smtClean="0"/>
+              <a:t>; </a:t>
             </a:r>
             <a:r>
               <a:rPr lang="hu-HU" i="1" dirty="0" err="1" smtClean="0"/>
               <a:t>repl</a:t>
             </a:r>
             <a:r>
-              <a:rPr lang="hu-HU" i="1" dirty="0" smtClean="0"/>
-              <a:t>; </a:t>
-            </a:r>
-            <a:r>
-              <a:rPr lang="hu-HU" i="1" dirty="0" err="1" smtClean="0"/>
-              <a:t>repl</a:t>
-            </a:r>
-            <a:r>
-              <a:rPr lang="hu-HU" i="1" dirty="0" smtClean="0"/>
-              <a:t> </a:t>
-            </a:r>
-            <a:r>
               <a:rPr lang="hu-HU" dirty="0" err="1" smtClean="0"/>
-              <a:t>can</a:t>
-            </a:r>
-            <a:r>
-              <a:rPr lang="hu-HU" dirty="0" smtClean="0"/>
-              <a:t> </a:t>
-            </a:r>
-            <a:r>
-              <a:rPr lang="hu-HU" dirty="0" err="1" smtClean="0"/>
-              <a:t>contain</a:t>
-            </a:r>
-            <a:r>
-              <a:rPr lang="hu-HU" dirty="0" smtClean="0"/>
-              <a:t> </a:t>
-            </a:r>
-            <a:r>
-              <a:rPr lang="hu-HU" dirty="0" err="1" smtClean="0"/>
-              <a:t>backreferences</a:t>
-            </a:r>
-            <a:r>
-              <a:rPr lang="hu-HU" dirty="0" smtClean="0"/>
-              <a:t> </a:t>
+              <a:t>-ben</a:t>
+            </a:r>
+            <a:r>
+              <a:rPr lang="hu-HU" dirty="0" smtClean="0"/>
+              <a:t> lehetnek </a:t>
             </a:r>
             <a:r>
               <a:rPr lang="hu-HU" i="1" dirty="0" smtClean="0"/>
@@ -16859,31 +13660,7 @@
             </a:r>
             <a:r>
               <a:rPr lang="hu-HU" dirty="0" smtClean="0"/>
-              <a:t>etc. </a:t>
-            </a:r>
-            <a:r>
-              <a:rPr lang="hu-HU" dirty="0" err="1" smtClean="0"/>
-              <a:t>to</a:t>
-            </a:r>
-            <a:r>
-              <a:rPr lang="hu-HU" dirty="0" smtClean="0"/>
-              <a:t> </a:t>
-            </a:r>
-            <a:r>
-              <a:rPr lang="hu-HU" dirty="0" err="1" smtClean="0"/>
-              <a:t>matches</a:t>
-            </a:r>
-            <a:r>
-              <a:rPr lang="hu-HU" dirty="0" smtClean="0"/>
-              <a:t>, </a:t>
-            </a:r>
-            <a:r>
-              <a:rPr lang="hu-HU" dirty="0" err="1" smtClean="0"/>
-              <a:t>e.g</a:t>
-            </a:r>
-            <a:r>
-              <a:rPr lang="hu-HU" dirty="0" smtClean="0"/>
-              <a:t>. </a:t>
+              <a:t>stb. illeszkedésekre visszautaló hivatkozások, pl. </a:t>
             </a:r>
             <a:r>
               <a:rPr lang="hu-HU" dirty="0" err="1" smtClean="0"/>
@@ -16931,8 +13708,8 @@
           </a:p>
           <a:p>
             <a:r>
-              <a:rPr lang="hu-HU" dirty="0"/>
-              <a:t>The </a:t>
+              <a:rPr lang="hu-HU" dirty="0" smtClean="0"/>
+              <a:t>A </a:t>
             </a:r>
             <a:r>
               <a:rPr lang="hu-HU" dirty="0" err="1" smtClean="0"/>
@@ -16940,7 +13717,7 @@
             </a:r>
             <a:r>
               <a:rPr lang="hu-HU" dirty="0" smtClean="0"/>
-              <a:t> and </a:t>
+              <a:t> és </a:t>
             </a:r>
             <a:r>
               <a:rPr lang="hu-HU" dirty="0" err="1" smtClean="0"/>
@@ -16948,121 +13725,52 @@
             </a:r>
             <a:r>
               <a:rPr lang="hu-HU" dirty="0" smtClean="0"/>
-              <a:t> </a:t>
-            </a:r>
-            <a:r>
-              <a:rPr lang="hu-HU" dirty="0" err="1" smtClean="0"/>
-              <a:t>functions</a:t>
-            </a:r>
-            <a:r>
-              <a:rPr lang="hu-HU" dirty="0" smtClean="0"/>
-              <a:t> </a:t>
-            </a:r>
-            <a:r>
-              <a:rPr lang="hu-HU" dirty="0" err="1" smtClean="0"/>
-              <a:t>return</a:t>
-            </a:r>
-            <a:r>
-              <a:rPr lang="hu-HU" dirty="0" smtClean="0"/>
-              <a:t> </a:t>
+              <a:t> függvény </a:t>
             </a:r>
             <a:r>
               <a:rPr lang="hu-HU" i="1" dirty="0" err="1" smtClean="0"/>
               <a:t>None</a:t>
             </a:r>
             <a:r>
-              <a:rPr lang="hu-HU" i="1" dirty="0" smtClean="0"/>
-              <a:t> </a:t>
-            </a:r>
-            <a:r>
               <a:rPr lang="hu-HU" dirty="0" err="1" smtClean="0"/>
-              <a:t>if</a:t>
-            </a:r>
-            <a:r>
-              <a:rPr lang="hu-HU" dirty="0" smtClean="0"/>
-              <a:t> no </a:t>
-            </a:r>
-            <a:r>
-              <a:rPr lang="hu-HU" dirty="0" err="1" smtClean="0"/>
-              <a:t>match</a:t>
-            </a:r>
-            <a:r>
-              <a:rPr lang="hu-HU" dirty="0" smtClean="0"/>
-              <a:t> is </a:t>
-            </a:r>
-            <a:r>
-              <a:rPr lang="hu-HU" dirty="0" err="1" smtClean="0"/>
-              <a:t>found</a:t>
-            </a:r>
-            <a:r>
-              <a:rPr lang="hu-HU" dirty="0" smtClean="0"/>
-              <a:t>, and a </a:t>
+              <a:t>-t</a:t>
+            </a:r>
+            <a:r>
+              <a:rPr lang="hu-HU" dirty="0" smtClean="0"/>
+              <a:t> ad vissza, ha nincs találat, és </a:t>
             </a:r>
             <a:r>
               <a:rPr lang="hu-HU" i="1" dirty="0" err="1" smtClean="0"/>
               <a:t>re.Match</a:t>
             </a:r>
             <a:r>
-              <a:rPr lang="hu-HU" dirty="0" smtClean="0"/>
-              <a:t> </a:t>
-            </a:r>
-            <a:r>
-              <a:rPr lang="hu-HU" dirty="0" err="1" smtClean="0"/>
-              <a:t>object</a:t>
-            </a:r>
-            <a:r>
-              <a:rPr lang="hu-HU" dirty="0" smtClean="0"/>
-              <a:t> (</a:t>
-            </a:r>
-            <a:r>
-              <a:rPr lang="hu-HU" dirty="0" err="1" smtClean="0"/>
-              <a:t>always</a:t>
-            </a:r>
-            <a:r>
-              <a:rPr lang="hu-HU" dirty="0" smtClean="0"/>
-              <a:t> </a:t>
-            </a:r>
-            <a:r>
-              <a:rPr lang="hu-HU" dirty="0" err="1" smtClean="0"/>
-              <a:t>truthy</a:t>
-            </a:r>
-            <a:r>
-              <a:rPr lang="hu-HU" dirty="0" smtClean="0"/>
-              <a:t>) </a:t>
-            </a:r>
-            <a:r>
-              <a:rPr lang="hu-HU" dirty="0" err="1" smtClean="0"/>
-              <a:t>if</a:t>
-            </a:r>
-            <a:r>
-              <a:rPr lang="hu-HU" dirty="0" smtClean="0"/>
-              <a:t> </a:t>
-            </a:r>
-            <a:r>
-              <a:rPr lang="hu-HU" dirty="0" err="1" smtClean="0"/>
-              <a:t>a</a:t>
-            </a:r>
-            <a:r>
-              <a:rPr lang="hu-HU" dirty="0" smtClean="0"/>
-              <a:t> </a:t>
-            </a:r>
-            <a:r>
-              <a:rPr lang="hu-HU" dirty="0" err="1" smtClean="0"/>
-              <a:t>match</a:t>
-            </a:r>
-            <a:r>
-              <a:rPr lang="hu-HU" dirty="0" smtClean="0"/>
-              <a:t> is </a:t>
-            </a:r>
-            <a:r>
-              <a:rPr lang="hu-HU" dirty="0" err="1" smtClean="0"/>
-              <a:t>found</a:t>
-            </a:r>
-            <a:endParaRPr lang="hu-HU" dirty="0" smtClean="0"/>
-          </a:p>
-          <a:p>
-            <a:pPr lvl="1"/>
-            <a:endParaRPr lang="en-GB" i="1" dirty="0"/>
+              <a:rPr lang="hu-HU" i="1" dirty="0" smtClean="0"/>
+              <a:t> </a:t>
+            </a:r>
+            <a:r>
+              <a:rPr lang="hu-HU" dirty="0" smtClean="0"/>
+              <a:t>objektumot (aminek a </a:t>
+            </a:r>
+            <a:r>
+              <a:rPr lang="hu-HU" i="1" dirty="0" err="1" smtClean="0"/>
+              <a:t>bool</a:t>
+            </a:r>
+            <a:r>
+              <a:rPr lang="hu-HU" i="1" dirty="0" smtClean="0"/>
+              <a:t> </a:t>
+            </a:r>
+            <a:r>
+              <a:rPr lang="hu-HU" dirty="0" smtClean="0"/>
+              <a:t>értéke mindig </a:t>
+            </a:r>
+            <a:r>
+              <a:rPr lang="hu-HU" i="1" dirty="0" err="1" smtClean="0"/>
+              <a:t>True</a:t>
+            </a:r>
+            <a:r>
+              <a:rPr lang="hu-HU" dirty="0" smtClean="0"/>
+              <a:t>), ha van találat</a:t>
+            </a:r>
           </a:p>
         </p:txBody>
       </p:sp>
